--- a/PythonProtobufPyOhio2017.pptx
+++ b/PythonProtobufPyOhio2017.pptx
@@ -5,21 +5,29 @@
     <p:sldMasterId id="2147483924" r:id="rId2"/>
   </p:sldMasterIdLst>
   <p:notesMasterIdLst>
-    <p:notesMasterId r:id="rId12"/>
+    <p:notesMasterId r:id="rId20"/>
   </p:notesMasterIdLst>
   <p:handoutMasterIdLst>
-    <p:handoutMasterId r:id="rId13"/>
+    <p:handoutMasterId r:id="rId21"/>
   </p:handoutMasterIdLst>
   <p:sldIdLst>
     <p:sldId id="268" r:id="rId3"/>
     <p:sldId id="269" r:id="rId4"/>
     <p:sldId id="270" r:id="rId5"/>
-    <p:sldId id="271" r:id="rId6"/>
-    <p:sldId id="273" r:id="rId7"/>
+    <p:sldId id="273" r:id="rId6"/>
+    <p:sldId id="271" r:id="rId7"/>
     <p:sldId id="274" r:id="rId8"/>
-    <p:sldId id="272" r:id="rId9"/>
-    <p:sldId id="275" r:id="rId10"/>
-    <p:sldId id="279" r:id="rId11"/>
+    <p:sldId id="282" r:id="rId9"/>
+    <p:sldId id="280" r:id="rId10"/>
+    <p:sldId id="272" r:id="rId11"/>
+    <p:sldId id="281" r:id="rId12"/>
+    <p:sldId id="275" r:id="rId13"/>
+    <p:sldId id="279" r:id="rId14"/>
+    <p:sldId id="283" r:id="rId15"/>
+    <p:sldId id="285" r:id="rId16"/>
+    <p:sldId id="286" r:id="rId17"/>
+    <p:sldId id="284" r:id="rId18"/>
+    <p:sldId id="287" r:id="rId19"/>
   </p:sldIdLst>
   <p:sldSz cx="12188825" cy="6858000"/>
   <p:notesSz cx="6858000" cy="9144000"/>
@@ -750,6 +758,111 @@
     <p:extLst>
       <p:ext uri="{BB962C8B-B14F-4D97-AF65-F5344CB8AC3E}">
         <p14:creationId xmlns:p14="http://schemas.microsoft.com/office/powerpoint/2010/main" val="4085276277"/>
+      </p:ext>
+    </p:extLst>
+  </p:cSld>
+  <p:clrMapOvr>
+    <a:masterClrMapping/>
+  </p:clrMapOvr>
+</p:notes>
+</file>
+
+<file path=ppt/notesSlides/notesSlide2.xml><?xml version="1.0" encoding="utf-8"?>
+<p:notes xmlns:a="http://schemas.openxmlformats.org/drawingml/2006/main" xmlns:r="http://schemas.openxmlformats.org/officeDocument/2006/relationships" xmlns:p="http://schemas.openxmlformats.org/presentationml/2006/main">
+  <p:cSld>
+    <p:spTree>
+      <p:nvGrpSpPr>
+        <p:cNvPr id="1" name=""/>
+        <p:cNvGrpSpPr/>
+        <p:nvPr/>
+      </p:nvGrpSpPr>
+      <p:grpSpPr>
+        <a:xfrm>
+          <a:off x="0" y="0"/>
+          <a:ext cx="0" cy="0"/>
+          <a:chOff x="0" y="0"/>
+          <a:chExt cx="0" cy="0"/>
+        </a:xfrm>
+      </p:grpSpPr>
+      <p:sp>
+        <p:nvSpPr>
+          <p:cNvPr id="2" name="Slide Image Placeholder 1"/>
+          <p:cNvSpPr>
+            <a:spLocks noGrp="1" noRot="1" noChangeAspect="1"/>
+          </p:cNvSpPr>
+          <p:nvPr>
+            <p:ph type="sldImg"/>
+          </p:nvPr>
+        </p:nvSpPr>
+        <p:spPr/>
+      </p:sp>
+      <p:sp>
+        <p:nvSpPr>
+          <p:cNvPr id="3" name="Notes Placeholder 2"/>
+          <p:cNvSpPr>
+            <a:spLocks noGrp="1"/>
+          </p:cNvSpPr>
+          <p:nvPr>
+            <p:ph type="body" idx="1"/>
+          </p:nvPr>
+        </p:nvSpPr>
+        <p:spPr/>
+        <p:txBody>
+          <a:bodyPr/>
+          <a:lstStyle/>
+          <a:p>
+            <a:r>
+              <a:rPr lang="en-US" dirty="0"/>
+              <a:t>Things to point out:</a:t>
+            </a:r>
+          </a:p>
+          <a:p>
+            <a:r>
+              <a:rPr lang="en-US" dirty="0"/>
+              <a:t>Comments</a:t>
+            </a:r>
+          </a:p>
+          <a:p>
+            <a:r>
+              <a:rPr lang="en-US" dirty="0"/>
+              <a:t>Nesting</a:t>
+            </a:r>
+          </a:p>
+          <a:p>
+            <a:r>
+              <a:rPr lang="en-US" dirty="0"/>
+              <a:t>Field numbering</a:t>
+            </a:r>
+          </a:p>
+        </p:txBody>
+      </p:sp>
+      <p:sp>
+        <p:nvSpPr>
+          <p:cNvPr id="4" name="Slide Number Placeholder 3"/>
+          <p:cNvSpPr>
+            <a:spLocks noGrp="1"/>
+          </p:cNvSpPr>
+          <p:nvPr>
+            <p:ph type="sldNum" sz="quarter" idx="10"/>
+          </p:nvPr>
+        </p:nvSpPr>
+        <p:spPr/>
+        <p:txBody>
+          <a:bodyPr/>
+          <a:lstStyle/>
+          <a:p>
+            <a:fld id="{BF105DB2-FD3E-441D-8B7E-7AE83ECE27B3}" type="slidenum">
+              <a:rPr lang="en-US" smtClean="0"/>
+              <a:t>9</a:t>
+            </a:fld>
+            <a:endParaRPr lang="en-US" dirty="0"/>
+          </a:p>
+        </p:txBody>
+      </p:sp>
+    </p:spTree>
+    <p:extLst>
+      <p:ext uri="{BB962C8B-B14F-4D97-AF65-F5344CB8AC3E}">
+        <p14:creationId xmlns:p14="http://schemas.microsoft.com/office/powerpoint/2010/main" val="918925094"/>
       </p:ext>
     </p:extLst>
   </p:cSld>
@@ -5332,6 +5445,1331 @@
 </p:sld>
 </file>
 
+<file path=ppt/slides/slide10.xml><?xml version="1.0" encoding="utf-8"?>
+<p:sld xmlns:a="http://schemas.openxmlformats.org/drawingml/2006/main" xmlns:r="http://schemas.openxmlformats.org/officeDocument/2006/relationships" xmlns:p="http://schemas.openxmlformats.org/presentationml/2006/main">
+  <p:cSld>
+    <p:spTree>
+      <p:nvGrpSpPr>
+        <p:cNvPr id="1" name=""/>
+        <p:cNvGrpSpPr/>
+        <p:nvPr/>
+      </p:nvGrpSpPr>
+      <p:grpSpPr>
+        <a:xfrm>
+          <a:off x="0" y="0"/>
+          <a:ext cx="0" cy="0"/>
+          <a:chOff x="0" y="0"/>
+          <a:chExt cx="0" cy="0"/>
+        </a:xfrm>
+      </p:grpSpPr>
+      <p:sp>
+        <p:nvSpPr>
+          <p:cNvPr id="2" name="Content Placeholder 1"/>
+          <p:cNvSpPr>
+            <a:spLocks noGrp="1"/>
+          </p:cNvSpPr>
+          <p:nvPr>
+            <p:ph idx="1"/>
+          </p:nvPr>
+        </p:nvSpPr>
+        <p:spPr>
+          <a:xfrm>
+            <a:off x="1522876" y="1905000"/>
+            <a:ext cx="9143538" cy="3697465"/>
+          </a:xfrm>
+        </p:spPr>
+        <p:txBody>
+          <a:bodyPr>
+            <a:normAutofit/>
+          </a:bodyPr>
+          <a:lstStyle/>
+          <a:p>
+            <a:r>
+              <a:rPr lang="en-US" dirty="0"/>
+              <a:t>Code generated from .proto files via proto compiler (</a:t>
+            </a:r>
+            <a:r>
+              <a:rPr lang="en-US" b="1" dirty="0" err="1"/>
+              <a:t>protoc</a:t>
+            </a:r>
+            <a:r>
+              <a:rPr lang="en-US" dirty="0"/>
+              <a:t>) </a:t>
+            </a:r>
+          </a:p>
+          <a:p>
+            <a:r>
+              <a:rPr lang="en-US" dirty="0"/>
+              <a:t>Typical invocation for Python:</a:t>
+            </a:r>
+          </a:p>
+          <a:p>
+            <a:pPr marL="274320" lvl="1" indent="0">
+              <a:buNone/>
+            </a:pPr>
+            <a:r>
+              <a:rPr lang="en-US" sz="1600" dirty="0" err="1">
+                <a:latin typeface="Consolas" panose="020B0609020204030204" pitchFamily="49" charset="0"/>
+              </a:rPr>
+              <a:t>protoc</a:t>
+            </a:r>
+            <a:r>
+              <a:rPr lang="en-US" sz="1600" dirty="0">
+                <a:latin typeface="Consolas" panose="020B0609020204030204" pitchFamily="49" charset="0"/>
+              </a:rPr>
+              <a:t> –I path/to/.proto --</a:t>
+            </a:r>
+            <a:r>
+              <a:rPr lang="en-US" sz="1600" dirty="0" err="1">
+                <a:latin typeface="Consolas" panose="020B0609020204030204" pitchFamily="49" charset="0"/>
+              </a:rPr>
+              <a:t>python_out</a:t>
+            </a:r>
+            <a:r>
+              <a:rPr lang="en-US" sz="1600" dirty="0">
+                <a:latin typeface="Consolas" panose="020B0609020204030204" pitchFamily="49" charset="0"/>
+              </a:rPr>
+              <a:t>=DST_DIR path/to/</a:t>
+            </a:r>
+            <a:r>
+              <a:rPr lang="en-US" sz="1600" dirty="0" err="1">
+                <a:latin typeface="Consolas" panose="020B0609020204030204" pitchFamily="49" charset="0"/>
+              </a:rPr>
+              <a:t>file.proto</a:t>
+            </a:r>
+            <a:endParaRPr lang="en-US" sz="1600" dirty="0">
+              <a:latin typeface="Consolas" panose="020B0609020204030204" pitchFamily="49" charset="0"/>
+            </a:endParaRPr>
+          </a:p>
+          <a:p>
+            <a:r>
+              <a:rPr lang="en-US" dirty="0"/>
+              <a:t>Invoke</a:t>
+            </a:r>
+            <a:r>
+              <a:rPr lang="en-US" sz="2000" dirty="0"/>
+              <a:t> </a:t>
+            </a:r>
+            <a:r>
+              <a:rPr lang="en-US" sz="2000" dirty="0" err="1">
+                <a:latin typeface="Consolas" panose="020B0609020204030204" pitchFamily="49" charset="0"/>
+              </a:rPr>
+              <a:t>protoc</a:t>
+            </a:r>
+            <a:r>
+              <a:rPr lang="en-US" sz="2000" dirty="0">
+                <a:latin typeface="Consolas" panose="020B0609020204030204" pitchFamily="49" charset="0"/>
+              </a:rPr>
+              <a:t> --help </a:t>
+            </a:r>
+            <a:r>
+              <a:rPr lang="en-US" dirty="0"/>
+              <a:t>for full listing of options</a:t>
+            </a:r>
+          </a:p>
+          <a:p>
+            <a:r>
+              <a:rPr lang="en-US" dirty="0"/>
+              <a:t>Output: a module with a static descriptor of each message type, which is used with a </a:t>
+            </a:r>
+            <a:r>
+              <a:rPr lang="en-US" dirty="0" err="1"/>
+              <a:t>metaclass</a:t>
+            </a:r>
+            <a:r>
+              <a:rPr lang="en-US" dirty="0"/>
+              <a:t> to create the necessary Python data access class at runtime</a:t>
+            </a:r>
+          </a:p>
+          <a:p>
+            <a:pPr marL="274320" lvl="1" indent="0">
+              <a:buNone/>
+            </a:pPr>
+            <a:endParaRPr lang="en-US" sz="1600" dirty="0">
+              <a:latin typeface="Consolas" panose="020B0609020204030204" pitchFamily="49" charset="0"/>
+            </a:endParaRPr>
+          </a:p>
+        </p:txBody>
+      </p:sp>
+      <p:sp>
+        <p:nvSpPr>
+          <p:cNvPr id="3" name="Title 2"/>
+          <p:cNvSpPr>
+            <a:spLocks noGrp="1"/>
+          </p:cNvSpPr>
+          <p:nvPr>
+            <p:ph type="title"/>
+          </p:nvPr>
+        </p:nvSpPr>
+        <p:spPr/>
+        <p:txBody>
+          <a:bodyPr/>
+          <a:lstStyle/>
+          <a:p>
+            <a:r>
+              <a:rPr lang="en-US" dirty="0"/>
+              <a:t>Generating Python Code</a:t>
+            </a:r>
+          </a:p>
+        </p:txBody>
+      </p:sp>
+    </p:spTree>
+    <p:extLst>
+      <p:ext uri="{BB962C8B-B14F-4D97-AF65-F5344CB8AC3E}">
+        <p14:creationId xmlns:p14="http://schemas.microsoft.com/office/powerpoint/2010/main" val="2928237926"/>
+      </p:ext>
+    </p:extLst>
+  </p:cSld>
+  <p:clrMapOvr>
+    <a:masterClrMapping/>
+  </p:clrMapOvr>
+  <mc:AlternateContent xmlns:mc="http://schemas.openxmlformats.org/markup-compatibility/2006" xmlns:p14="http://schemas.microsoft.com/office/powerpoint/2010/main">
+    <mc:Choice Requires="p14">
+      <p:transition spd="med" p14:dur="700">
+        <p:fade/>
+      </p:transition>
+    </mc:Choice>
+    <mc:Fallback xmlns="">
+      <p:transition spd="med">
+        <p:fade/>
+      </p:transition>
+    </mc:Fallback>
+  </mc:AlternateContent>
+</p:sld>
+</file>
+
+<file path=ppt/slides/slide11.xml><?xml version="1.0" encoding="utf-8"?>
+<p:sld xmlns:a="http://schemas.openxmlformats.org/drawingml/2006/main" xmlns:r="http://schemas.openxmlformats.org/officeDocument/2006/relationships" xmlns:p="http://schemas.openxmlformats.org/presentationml/2006/main">
+  <p:cSld>
+    <p:spTree>
+      <p:nvGrpSpPr>
+        <p:cNvPr id="1" name=""/>
+        <p:cNvGrpSpPr/>
+        <p:nvPr/>
+      </p:nvGrpSpPr>
+      <p:grpSpPr>
+        <a:xfrm>
+          <a:off x="0" y="0"/>
+          <a:ext cx="0" cy="0"/>
+          <a:chOff x="0" y="0"/>
+          <a:chExt cx="0" cy="0"/>
+        </a:xfrm>
+      </p:grpSpPr>
+      <p:sp>
+        <p:nvSpPr>
+          <p:cNvPr id="2" name="Content Placeholder 1"/>
+          <p:cNvSpPr>
+            <a:spLocks noGrp="1"/>
+          </p:cNvSpPr>
+          <p:nvPr>
+            <p:ph idx="1"/>
+          </p:nvPr>
+        </p:nvSpPr>
+        <p:spPr/>
+        <p:txBody>
+          <a:bodyPr>
+            <a:normAutofit/>
+          </a:bodyPr>
+          <a:lstStyle/>
+          <a:p>
+            <a:pPr marL="0" indent="0">
+              <a:buNone/>
+            </a:pPr>
+            <a:r>
+              <a:rPr lang="en-US" dirty="0">
+                <a:latin typeface="Consolas" panose="020B0609020204030204" pitchFamily="49" charset="0"/>
+              </a:rPr>
+              <a:t>def serialize(t, h):</a:t>
+            </a:r>
+          </a:p>
+          <a:p>
+            <a:pPr marL="0" indent="0">
+              <a:buNone/>
+            </a:pPr>
+            <a:r>
+              <a:rPr lang="en-US" dirty="0">
+                <a:latin typeface="Consolas" panose="020B0609020204030204" pitchFamily="49" charset="0"/>
+              </a:rPr>
+              <a:t>    </a:t>
+            </a:r>
+            <a:r>
+              <a:rPr lang="en-US" dirty="0" err="1">
+                <a:latin typeface="Consolas" panose="020B0609020204030204" pitchFamily="49" charset="0"/>
+              </a:rPr>
+              <a:t>msg</a:t>
+            </a:r>
+            <a:r>
+              <a:rPr lang="en-US" dirty="0">
+                <a:latin typeface="Consolas" panose="020B0609020204030204" pitchFamily="49" charset="0"/>
+              </a:rPr>
+              <a:t> = simple_pb2.SensorData()</a:t>
+            </a:r>
+          </a:p>
+          <a:p>
+            <a:pPr marL="0" indent="0">
+              <a:buNone/>
+            </a:pPr>
+            <a:r>
+              <a:rPr lang="en-US" dirty="0">
+                <a:latin typeface="Consolas" panose="020B0609020204030204" pitchFamily="49" charset="0"/>
+              </a:rPr>
+              <a:t>    </a:t>
+            </a:r>
+            <a:r>
+              <a:rPr lang="en-US" dirty="0" err="1">
+                <a:latin typeface="Consolas" panose="020B0609020204030204" pitchFamily="49" charset="0"/>
+              </a:rPr>
+              <a:t>msg.temperature</a:t>
+            </a:r>
+            <a:r>
+              <a:rPr lang="en-US" dirty="0">
+                <a:latin typeface="Consolas" panose="020B0609020204030204" pitchFamily="49" charset="0"/>
+              </a:rPr>
+              <a:t> = t</a:t>
+            </a:r>
+          </a:p>
+          <a:p>
+            <a:pPr marL="0" indent="0">
+              <a:buNone/>
+            </a:pPr>
+            <a:r>
+              <a:rPr lang="en-US" dirty="0">
+                <a:latin typeface="Consolas" panose="020B0609020204030204" pitchFamily="49" charset="0"/>
+              </a:rPr>
+              <a:t>    </a:t>
+            </a:r>
+            <a:r>
+              <a:rPr lang="en-US" dirty="0" err="1">
+                <a:latin typeface="Consolas" panose="020B0609020204030204" pitchFamily="49" charset="0"/>
+              </a:rPr>
+              <a:t>msg.humidity</a:t>
+            </a:r>
+            <a:r>
+              <a:rPr lang="en-US" dirty="0">
+                <a:latin typeface="Consolas" panose="020B0609020204030204" pitchFamily="49" charset="0"/>
+              </a:rPr>
+              <a:t> = h</a:t>
+            </a:r>
+          </a:p>
+          <a:p>
+            <a:pPr marL="0" indent="0">
+              <a:buNone/>
+            </a:pPr>
+            <a:r>
+              <a:rPr lang="en-US" dirty="0">
+                <a:latin typeface="Consolas" panose="020B0609020204030204" pitchFamily="49" charset="0"/>
+              </a:rPr>
+              <a:t>    </a:t>
+            </a:r>
+            <a:r>
+              <a:rPr lang="en-US" dirty="0" err="1">
+                <a:latin typeface="Consolas" panose="020B0609020204030204" pitchFamily="49" charset="0"/>
+              </a:rPr>
+              <a:t>msg.units</a:t>
+            </a:r>
+            <a:r>
+              <a:rPr lang="en-US" dirty="0">
+                <a:latin typeface="Consolas" panose="020B0609020204030204" pitchFamily="49" charset="0"/>
+              </a:rPr>
+              <a:t> = simple_pb2.SensorData.REBEL</a:t>
+            </a:r>
+          </a:p>
+          <a:p>
+            <a:pPr marL="0" indent="0">
+              <a:buNone/>
+            </a:pPr>
+            <a:r>
+              <a:rPr lang="en-US" dirty="0">
+                <a:latin typeface="Consolas" panose="020B0609020204030204" pitchFamily="49" charset="0"/>
+              </a:rPr>
+              <a:t>    return </a:t>
+            </a:r>
+            <a:r>
+              <a:rPr lang="en-US" dirty="0" err="1">
+                <a:latin typeface="Consolas" panose="020B0609020204030204" pitchFamily="49" charset="0"/>
+              </a:rPr>
+              <a:t>msg.SerializeToString</a:t>
+            </a:r>
+            <a:r>
+              <a:rPr lang="en-US" dirty="0">
+                <a:latin typeface="Consolas" panose="020B0609020204030204" pitchFamily="49" charset="0"/>
+              </a:rPr>
+              <a:t>()</a:t>
+            </a:r>
+          </a:p>
+        </p:txBody>
+      </p:sp>
+      <p:sp>
+        <p:nvSpPr>
+          <p:cNvPr id="3" name="Title 2"/>
+          <p:cNvSpPr>
+            <a:spLocks noGrp="1"/>
+          </p:cNvSpPr>
+          <p:nvPr>
+            <p:ph type="title"/>
+          </p:nvPr>
+        </p:nvSpPr>
+        <p:spPr/>
+        <p:txBody>
+          <a:bodyPr/>
+          <a:lstStyle/>
+          <a:p>
+            <a:r>
+              <a:rPr lang="en-US" dirty="0"/>
+              <a:t>Using the Compiled Code: Serializing</a:t>
+            </a:r>
+          </a:p>
+        </p:txBody>
+      </p:sp>
+    </p:spTree>
+    <p:extLst>
+      <p:ext uri="{BB962C8B-B14F-4D97-AF65-F5344CB8AC3E}">
+        <p14:creationId xmlns:p14="http://schemas.microsoft.com/office/powerpoint/2010/main" val="2819748410"/>
+      </p:ext>
+    </p:extLst>
+  </p:cSld>
+  <p:clrMapOvr>
+    <a:masterClrMapping/>
+  </p:clrMapOvr>
+  <mc:AlternateContent xmlns:mc="http://schemas.openxmlformats.org/markup-compatibility/2006" xmlns:p14="http://schemas.microsoft.com/office/powerpoint/2010/main">
+    <mc:Choice Requires="p14">
+      <p:transition spd="med" p14:dur="700">
+        <p:fade/>
+      </p:transition>
+    </mc:Choice>
+    <mc:Fallback xmlns="">
+      <p:transition spd="med">
+        <p:fade/>
+      </p:transition>
+    </mc:Fallback>
+  </mc:AlternateContent>
+</p:sld>
+</file>
+
+<file path=ppt/slides/slide12.xml><?xml version="1.0" encoding="utf-8"?>
+<p:sld xmlns:a="http://schemas.openxmlformats.org/drawingml/2006/main" xmlns:r="http://schemas.openxmlformats.org/officeDocument/2006/relationships" xmlns:p="http://schemas.openxmlformats.org/presentationml/2006/main">
+  <p:cSld>
+    <p:spTree>
+      <p:nvGrpSpPr>
+        <p:cNvPr id="1" name=""/>
+        <p:cNvGrpSpPr/>
+        <p:nvPr/>
+      </p:nvGrpSpPr>
+      <p:grpSpPr>
+        <a:xfrm>
+          <a:off x="0" y="0"/>
+          <a:ext cx="0" cy="0"/>
+          <a:chOff x="0" y="0"/>
+          <a:chExt cx="0" cy="0"/>
+        </a:xfrm>
+      </p:grpSpPr>
+      <p:sp>
+        <p:nvSpPr>
+          <p:cNvPr id="2" name="Content Placeholder 1"/>
+          <p:cNvSpPr>
+            <a:spLocks noGrp="1"/>
+          </p:cNvSpPr>
+          <p:nvPr>
+            <p:ph idx="1"/>
+          </p:nvPr>
+        </p:nvSpPr>
+        <p:spPr/>
+        <p:txBody>
+          <a:bodyPr>
+            <a:normAutofit fontScale="70000" lnSpcReduction="20000"/>
+          </a:bodyPr>
+          <a:lstStyle/>
+          <a:p>
+            <a:pPr marL="0" indent="0">
+              <a:buNone/>
+            </a:pPr>
+            <a:r>
+              <a:rPr lang="en-US" dirty="0">
+                <a:latin typeface="Consolas" panose="020B0609020204030204" pitchFamily="49" charset="0"/>
+              </a:rPr>
+              <a:t>def </a:t>
+            </a:r>
+            <a:r>
+              <a:rPr lang="en-US" dirty="0" err="1">
+                <a:latin typeface="Consolas" panose="020B0609020204030204" pitchFamily="49" charset="0"/>
+              </a:rPr>
+              <a:t>deserialize</a:t>
+            </a:r>
+            <a:r>
+              <a:rPr lang="en-US" dirty="0">
+                <a:latin typeface="Consolas" panose="020B0609020204030204" pitchFamily="49" charset="0"/>
+              </a:rPr>
+              <a:t>(</a:t>
+            </a:r>
+            <a:r>
+              <a:rPr lang="en-US" dirty="0" err="1">
+                <a:latin typeface="Consolas" panose="020B0609020204030204" pitchFamily="49" charset="0"/>
+              </a:rPr>
+              <a:t>serialized_data</a:t>
+            </a:r>
+            <a:r>
+              <a:rPr lang="en-US" dirty="0">
+                <a:latin typeface="Consolas" panose="020B0609020204030204" pitchFamily="49" charset="0"/>
+              </a:rPr>
+              <a:t>):</a:t>
+            </a:r>
+          </a:p>
+          <a:p>
+            <a:pPr marL="0" indent="0">
+              <a:buNone/>
+            </a:pPr>
+            <a:r>
+              <a:rPr lang="en-US" dirty="0">
+                <a:latin typeface="Consolas" panose="020B0609020204030204" pitchFamily="49" charset="0"/>
+              </a:rPr>
+              <a:t>    </a:t>
+            </a:r>
+            <a:r>
+              <a:rPr lang="en-US" dirty="0" err="1">
+                <a:latin typeface="Consolas" panose="020B0609020204030204" pitchFamily="49" charset="0"/>
+              </a:rPr>
+              <a:t>msg</a:t>
+            </a:r>
+            <a:r>
+              <a:rPr lang="en-US" dirty="0">
+                <a:latin typeface="Consolas" panose="020B0609020204030204" pitchFamily="49" charset="0"/>
+              </a:rPr>
+              <a:t> = simple_pb2.SensorData()</a:t>
+            </a:r>
+          </a:p>
+          <a:p>
+            <a:pPr marL="0" indent="0">
+              <a:buNone/>
+            </a:pPr>
+            <a:r>
+              <a:rPr lang="en-US" dirty="0">
+                <a:latin typeface="Consolas" panose="020B0609020204030204" pitchFamily="49" charset="0"/>
+              </a:rPr>
+              <a:t>    </a:t>
+            </a:r>
+            <a:r>
+              <a:rPr lang="en-US" dirty="0" err="1">
+                <a:latin typeface="Consolas" panose="020B0609020204030204" pitchFamily="49" charset="0"/>
+              </a:rPr>
+              <a:t>msg.ParseFromString</a:t>
+            </a:r>
+            <a:r>
+              <a:rPr lang="en-US" dirty="0">
+                <a:latin typeface="Consolas" panose="020B0609020204030204" pitchFamily="49" charset="0"/>
+              </a:rPr>
+              <a:t>(</a:t>
+            </a:r>
+            <a:r>
+              <a:rPr lang="en-US" dirty="0" err="1">
+                <a:latin typeface="Consolas" panose="020B0609020204030204" pitchFamily="49" charset="0"/>
+              </a:rPr>
+              <a:t>serialized_data</a:t>
+            </a:r>
+            <a:r>
+              <a:rPr lang="en-US" dirty="0">
+                <a:latin typeface="Consolas" panose="020B0609020204030204" pitchFamily="49" charset="0"/>
+              </a:rPr>
+              <a:t>)</a:t>
+            </a:r>
+          </a:p>
+          <a:p>
+            <a:pPr marL="0" indent="0">
+              <a:buNone/>
+            </a:pPr>
+            <a:r>
+              <a:rPr lang="en-US" dirty="0">
+                <a:latin typeface="Consolas" panose="020B0609020204030204" pitchFamily="49" charset="0"/>
+              </a:rPr>
+              <a:t>    t = </a:t>
+            </a:r>
+            <a:r>
+              <a:rPr lang="en-US" dirty="0" err="1">
+                <a:latin typeface="Consolas" panose="020B0609020204030204" pitchFamily="49" charset="0"/>
+              </a:rPr>
+              <a:t>msg.temperature</a:t>
+            </a:r>
+            <a:endParaRPr lang="en-US" dirty="0">
+              <a:latin typeface="Consolas" panose="020B0609020204030204" pitchFamily="49" charset="0"/>
+            </a:endParaRPr>
+          </a:p>
+          <a:p>
+            <a:pPr marL="0" indent="0">
+              <a:buNone/>
+            </a:pPr>
+            <a:r>
+              <a:rPr lang="en-US" dirty="0">
+                <a:latin typeface="Consolas" panose="020B0609020204030204" pitchFamily="49" charset="0"/>
+              </a:rPr>
+              <a:t>    h = </a:t>
+            </a:r>
+            <a:r>
+              <a:rPr lang="en-US" dirty="0" err="1">
+                <a:latin typeface="Consolas" panose="020B0609020204030204" pitchFamily="49" charset="0"/>
+              </a:rPr>
+              <a:t>msg.humidity</a:t>
+            </a:r>
+            <a:endParaRPr lang="en-US" dirty="0">
+              <a:latin typeface="Consolas" panose="020B0609020204030204" pitchFamily="49" charset="0"/>
+            </a:endParaRPr>
+          </a:p>
+          <a:p>
+            <a:pPr marL="0" indent="0">
+              <a:buNone/>
+            </a:pPr>
+            <a:r>
+              <a:rPr lang="en-US" dirty="0">
+                <a:latin typeface="Consolas" panose="020B0609020204030204" pitchFamily="49" charset="0"/>
+              </a:rPr>
+              <a:t>    units = </a:t>
+            </a:r>
+            <a:r>
+              <a:rPr lang="en-US" dirty="0" err="1">
+                <a:latin typeface="Consolas" panose="020B0609020204030204" pitchFamily="49" charset="0"/>
+              </a:rPr>
+              <a:t>msg.units</a:t>
+            </a:r>
+            <a:endParaRPr lang="en-US" dirty="0">
+              <a:latin typeface="Consolas" panose="020B0609020204030204" pitchFamily="49" charset="0"/>
+            </a:endParaRPr>
+          </a:p>
+          <a:p>
+            <a:pPr marL="0" indent="0">
+              <a:buNone/>
+            </a:pPr>
+            <a:r>
+              <a:rPr lang="en-US" dirty="0">
+                <a:latin typeface="Consolas" panose="020B0609020204030204" pitchFamily="49" charset="0"/>
+              </a:rPr>
+              <a:t>    if units == simple_pb2.SensorData.IMPERIAL:</a:t>
+            </a:r>
+          </a:p>
+          <a:p>
+            <a:pPr marL="0" indent="0">
+              <a:buNone/>
+            </a:pPr>
+            <a:r>
+              <a:rPr lang="en-US" dirty="0">
+                <a:latin typeface="Consolas" panose="020B0609020204030204" pitchFamily="49" charset="0"/>
+              </a:rPr>
+              <a:t>        t = (t - 32) * 5.0 / 9.0</a:t>
+            </a:r>
+          </a:p>
+          <a:p>
+            <a:pPr marL="0" indent="0">
+              <a:buNone/>
+            </a:pPr>
+            <a:r>
+              <a:rPr lang="en-US" dirty="0">
+                <a:latin typeface="Consolas" panose="020B0609020204030204" pitchFamily="49" charset="0"/>
+              </a:rPr>
+              <a:t>    return (t, h)</a:t>
+            </a:r>
+          </a:p>
+          <a:p>
+            <a:pPr marL="0" indent="0">
+              <a:buNone/>
+            </a:pPr>
+            <a:endParaRPr lang="en-US" dirty="0"/>
+          </a:p>
+        </p:txBody>
+      </p:sp>
+      <p:sp>
+        <p:nvSpPr>
+          <p:cNvPr id="3" name="Title 2"/>
+          <p:cNvSpPr>
+            <a:spLocks noGrp="1"/>
+          </p:cNvSpPr>
+          <p:nvPr>
+            <p:ph type="title"/>
+          </p:nvPr>
+        </p:nvSpPr>
+        <p:spPr/>
+        <p:txBody>
+          <a:bodyPr/>
+          <a:lstStyle/>
+          <a:p>
+            <a:r>
+              <a:rPr lang="en-US" dirty="0"/>
+              <a:t>Using the Compiled Code: </a:t>
+            </a:r>
+            <a:r>
+              <a:rPr lang="en-US" dirty="0" err="1"/>
+              <a:t>Deserialize</a:t>
+            </a:r>
+            <a:endParaRPr lang="en-US" dirty="0"/>
+          </a:p>
+        </p:txBody>
+      </p:sp>
+    </p:spTree>
+    <p:extLst>
+      <p:ext uri="{BB962C8B-B14F-4D97-AF65-F5344CB8AC3E}">
+        <p14:creationId xmlns:p14="http://schemas.microsoft.com/office/powerpoint/2010/main" val="2277224114"/>
+      </p:ext>
+    </p:extLst>
+  </p:cSld>
+  <p:clrMapOvr>
+    <a:masterClrMapping/>
+  </p:clrMapOvr>
+  <mc:AlternateContent xmlns:mc="http://schemas.openxmlformats.org/markup-compatibility/2006" xmlns:p14="http://schemas.microsoft.com/office/powerpoint/2010/main">
+    <mc:Choice Requires="p14">
+      <p:transition spd="med" p14:dur="700">
+        <p:fade/>
+      </p:transition>
+    </mc:Choice>
+    <mc:Fallback xmlns="">
+      <p:transition spd="med">
+        <p:fade/>
+      </p:transition>
+    </mc:Fallback>
+  </mc:AlternateContent>
+</p:sld>
+</file>
+
+<file path=ppt/slides/slide13.xml><?xml version="1.0" encoding="utf-8"?>
+<p:sld xmlns:a="http://schemas.openxmlformats.org/drawingml/2006/main" xmlns:r="http://schemas.openxmlformats.org/officeDocument/2006/relationships" xmlns:p="http://schemas.openxmlformats.org/presentationml/2006/main">
+  <p:cSld>
+    <p:spTree>
+      <p:nvGrpSpPr>
+        <p:cNvPr id="1" name=""/>
+        <p:cNvGrpSpPr/>
+        <p:nvPr/>
+      </p:nvGrpSpPr>
+      <p:grpSpPr>
+        <a:xfrm>
+          <a:off x="0" y="0"/>
+          <a:ext cx="0" cy="0"/>
+          <a:chOff x="0" y="0"/>
+          <a:chExt cx="0" cy="0"/>
+        </a:xfrm>
+      </p:grpSpPr>
+      <p:sp>
+        <p:nvSpPr>
+          <p:cNvPr id="3" name="Title 2"/>
+          <p:cNvSpPr>
+            <a:spLocks noGrp="1"/>
+          </p:cNvSpPr>
+          <p:nvPr>
+            <p:ph type="title"/>
+          </p:nvPr>
+        </p:nvSpPr>
+        <p:spPr/>
+        <p:txBody>
+          <a:bodyPr/>
+          <a:lstStyle/>
+          <a:p>
+            <a:r>
+              <a:rPr lang="en-US" dirty="0"/>
+              <a:t>Command Line Interlude</a:t>
+            </a:r>
+          </a:p>
+        </p:txBody>
+      </p:sp>
+      <p:pic>
+        <p:nvPicPr>
+          <p:cNvPr id="7" name="Picture 6">
+            <a:extLst>
+              <a:ext uri="{FF2B5EF4-FFF2-40B4-BE49-F238E27FC236}">
+                <a16:creationId xmlns:a16="http://schemas.microsoft.com/office/drawing/2014/main" id="{261AA85A-88AE-4A20-97E2-189C6A0B7B67}"/>
+              </a:ext>
+            </a:extLst>
+          </p:cNvPr>
+          <p:cNvPicPr>
+            <a:picLocks noChangeAspect="1"/>
+          </p:cNvPicPr>
+          <p:nvPr/>
+        </p:nvPicPr>
+        <p:blipFill>
+          <a:blip r:embed="rId2">
+            <a:extLst>
+              <a:ext uri="{28A0092B-C50C-407E-A947-70E740481C1C}">
+                <a14:useLocalDpi xmlns:a14="http://schemas.microsoft.com/office/drawing/2010/main" val="0"/>
+              </a:ext>
+            </a:extLst>
+          </a:blip>
+          <a:stretch>
+            <a:fillRect/>
+          </a:stretch>
+        </p:blipFill>
+        <p:spPr>
+          <a:xfrm>
+            <a:off x="4379912" y="2005012"/>
+            <a:ext cx="3429000" cy="2847975"/>
+          </a:xfrm>
+          <a:prstGeom prst="rect">
+            <a:avLst/>
+          </a:prstGeom>
+        </p:spPr>
+      </p:pic>
+      <p:sp>
+        <p:nvSpPr>
+          <p:cNvPr id="8" name="TextBox 7">
+            <a:extLst>
+              <a:ext uri="{FF2B5EF4-FFF2-40B4-BE49-F238E27FC236}">
+                <a16:creationId xmlns:a16="http://schemas.microsoft.com/office/drawing/2014/main" id="{A1A26C15-9E35-415D-8D27-B7EF0E7623C7}"/>
+              </a:ext>
+            </a:extLst>
+          </p:cNvPr>
+          <p:cNvSpPr txBox="1"/>
+          <p:nvPr/>
+        </p:nvSpPr>
+        <p:spPr>
+          <a:xfrm>
+            <a:off x="4532312" y="5334000"/>
+            <a:ext cx="3124200" cy="369332"/>
+          </a:xfrm>
+          <a:prstGeom prst="rect">
+            <a:avLst/>
+          </a:prstGeom>
+          <a:noFill/>
+          <a:ln>
+            <a:solidFill>
+              <a:schemeClr val="accent1">
+                <a:lumMod val="20000"/>
+                <a:lumOff val="80000"/>
+              </a:schemeClr>
+            </a:solidFill>
+          </a:ln>
+        </p:spPr>
+        <p:txBody>
+          <a:bodyPr wrap="square" rtlCol="0" anchor="ctr" anchorCtr="1">
+            <a:spAutoFit/>
+          </a:bodyPr>
+          <a:lstStyle/>
+          <a:p>
+            <a:r>
+              <a:rPr lang="en-US" dirty="0"/>
+              <a:t>https://xkcd.com/149/</a:t>
+            </a:r>
+          </a:p>
+        </p:txBody>
+      </p:sp>
+    </p:spTree>
+    <p:extLst>
+      <p:ext uri="{BB962C8B-B14F-4D97-AF65-F5344CB8AC3E}">
+        <p14:creationId xmlns:p14="http://schemas.microsoft.com/office/powerpoint/2010/main" val="3507872406"/>
+      </p:ext>
+    </p:extLst>
+  </p:cSld>
+  <p:clrMapOvr>
+    <a:masterClrMapping/>
+  </p:clrMapOvr>
+  <mc:AlternateContent xmlns:mc="http://schemas.openxmlformats.org/markup-compatibility/2006" xmlns:p14="http://schemas.microsoft.com/office/powerpoint/2010/main">
+    <mc:Choice Requires="p14">
+      <p:transition spd="med" p14:dur="700">
+        <p:fade/>
+      </p:transition>
+    </mc:Choice>
+    <mc:Fallback xmlns="">
+      <p:transition spd="med">
+        <p:fade/>
+      </p:transition>
+    </mc:Fallback>
+  </mc:AlternateContent>
+</p:sld>
+</file>
+
+<file path=ppt/slides/slide14.xml><?xml version="1.0" encoding="utf-8"?>
+<p:sld xmlns:a="http://schemas.openxmlformats.org/drawingml/2006/main" xmlns:r="http://schemas.openxmlformats.org/officeDocument/2006/relationships" xmlns:p="http://schemas.openxmlformats.org/presentationml/2006/main">
+  <p:cSld>
+    <p:spTree>
+      <p:nvGrpSpPr>
+        <p:cNvPr id="1" name=""/>
+        <p:cNvGrpSpPr/>
+        <p:nvPr/>
+      </p:nvGrpSpPr>
+      <p:grpSpPr>
+        <a:xfrm>
+          <a:off x="0" y="0"/>
+          <a:ext cx="0" cy="0"/>
+          <a:chOff x="0" y="0"/>
+          <a:chExt cx="0" cy="0"/>
+        </a:xfrm>
+      </p:grpSpPr>
+      <p:sp>
+        <p:nvSpPr>
+          <p:cNvPr id="2" name="Content Placeholder 1"/>
+          <p:cNvSpPr>
+            <a:spLocks noGrp="1"/>
+          </p:cNvSpPr>
+          <p:nvPr>
+            <p:ph idx="1"/>
+          </p:nvPr>
+        </p:nvSpPr>
+        <p:spPr/>
+        <p:txBody>
+          <a:bodyPr>
+            <a:normAutofit/>
+          </a:bodyPr>
+          <a:lstStyle/>
+          <a:p>
+            <a:pPr marL="0" indent="0">
+              <a:buNone/>
+            </a:pPr>
+            <a:endParaRPr lang="en-US" dirty="0"/>
+          </a:p>
+        </p:txBody>
+      </p:sp>
+      <p:sp>
+        <p:nvSpPr>
+          <p:cNvPr id="3" name="Title 2"/>
+          <p:cNvSpPr>
+            <a:spLocks noGrp="1"/>
+          </p:cNvSpPr>
+          <p:nvPr>
+            <p:ph type="title"/>
+          </p:nvPr>
+        </p:nvSpPr>
+        <p:spPr/>
+        <p:txBody>
+          <a:bodyPr/>
+          <a:lstStyle/>
+          <a:p>
+            <a:r>
+              <a:rPr lang="en-US" dirty="0"/>
+              <a:t>Backward Compatibility</a:t>
+            </a:r>
+          </a:p>
+        </p:txBody>
+      </p:sp>
+    </p:spTree>
+    <p:extLst>
+      <p:ext uri="{BB962C8B-B14F-4D97-AF65-F5344CB8AC3E}">
+        <p14:creationId xmlns:p14="http://schemas.microsoft.com/office/powerpoint/2010/main" val="935860565"/>
+      </p:ext>
+    </p:extLst>
+  </p:cSld>
+  <p:clrMapOvr>
+    <a:masterClrMapping/>
+  </p:clrMapOvr>
+  <mc:AlternateContent xmlns:mc="http://schemas.openxmlformats.org/markup-compatibility/2006" xmlns:p14="http://schemas.microsoft.com/office/powerpoint/2010/main">
+    <mc:Choice Requires="p14">
+      <p:transition spd="med" p14:dur="700">
+        <p:fade/>
+      </p:transition>
+    </mc:Choice>
+    <mc:Fallback xmlns="">
+      <p:transition spd="med">
+        <p:fade/>
+      </p:transition>
+    </mc:Fallback>
+  </mc:AlternateContent>
+</p:sld>
+</file>
+
+<file path=ppt/slides/slide15.xml><?xml version="1.0" encoding="utf-8"?>
+<p:sld xmlns:a="http://schemas.openxmlformats.org/drawingml/2006/main" xmlns:r="http://schemas.openxmlformats.org/officeDocument/2006/relationships" xmlns:p="http://schemas.openxmlformats.org/presentationml/2006/main">
+  <p:cSld>
+    <p:spTree>
+      <p:nvGrpSpPr>
+        <p:cNvPr id="1" name=""/>
+        <p:cNvGrpSpPr/>
+        <p:nvPr/>
+      </p:nvGrpSpPr>
+      <p:grpSpPr>
+        <a:xfrm>
+          <a:off x="0" y="0"/>
+          <a:ext cx="0" cy="0"/>
+          <a:chOff x="0" y="0"/>
+          <a:chExt cx="0" cy="0"/>
+        </a:xfrm>
+      </p:grpSpPr>
+      <p:sp>
+        <p:nvSpPr>
+          <p:cNvPr id="2" name="Content Placeholder 1"/>
+          <p:cNvSpPr>
+            <a:spLocks noGrp="1"/>
+          </p:cNvSpPr>
+          <p:nvPr>
+            <p:ph idx="1"/>
+          </p:nvPr>
+        </p:nvSpPr>
+        <p:spPr/>
+        <p:txBody>
+          <a:bodyPr>
+            <a:normAutofit/>
+          </a:bodyPr>
+          <a:lstStyle/>
+          <a:p>
+            <a:pPr marL="0" indent="0">
+              <a:buNone/>
+            </a:pPr>
+            <a:endParaRPr lang="en-US" dirty="0"/>
+          </a:p>
+        </p:txBody>
+      </p:sp>
+      <p:sp>
+        <p:nvSpPr>
+          <p:cNvPr id="3" name="Title 2"/>
+          <p:cNvSpPr>
+            <a:spLocks noGrp="1"/>
+          </p:cNvSpPr>
+          <p:nvPr>
+            <p:ph type="title"/>
+          </p:nvPr>
+        </p:nvSpPr>
+        <p:spPr/>
+        <p:txBody>
+          <a:bodyPr/>
+          <a:lstStyle/>
+          <a:p>
+            <a:r>
+              <a:rPr lang="en-US" dirty="0"/>
+              <a:t>Encoding Efficiency</a:t>
+            </a:r>
+          </a:p>
+        </p:txBody>
+      </p:sp>
+    </p:spTree>
+    <p:extLst>
+      <p:ext uri="{BB962C8B-B14F-4D97-AF65-F5344CB8AC3E}">
+        <p14:creationId xmlns:p14="http://schemas.microsoft.com/office/powerpoint/2010/main" val="1843164539"/>
+      </p:ext>
+    </p:extLst>
+  </p:cSld>
+  <p:clrMapOvr>
+    <a:masterClrMapping/>
+  </p:clrMapOvr>
+  <mc:AlternateContent xmlns:mc="http://schemas.openxmlformats.org/markup-compatibility/2006" xmlns:p14="http://schemas.microsoft.com/office/powerpoint/2010/main">
+    <mc:Choice Requires="p14">
+      <p:transition spd="med" p14:dur="700">
+        <p:fade/>
+      </p:transition>
+    </mc:Choice>
+    <mc:Fallback xmlns="">
+      <p:transition spd="med">
+        <p:fade/>
+      </p:transition>
+    </mc:Fallback>
+  </mc:AlternateContent>
+</p:sld>
+</file>
+
+<file path=ppt/slides/slide16.xml><?xml version="1.0" encoding="utf-8"?>
+<p:sld xmlns:a="http://schemas.openxmlformats.org/drawingml/2006/main" xmlns:r="http://schemas.openxmlformats.org/officeDocument/2006/relationships" xmlns:p="http://schemas.openxmlformats.org/presentationml/2006/main">
+  <p:cSld>
+    <p:spTree>
+      <p:nvGrpSpPr>
+        <p:cNvPr id="1" name=""/>
+        <p:cNvGrpSpPr/>
+        <p:nvPr/>
+      </p:nvGrpSpPr>
+      <p:grpSpPr>
+        <a:xfrm>
+          <a:off x="0" y="0"/>
+          <a:ext cx="0" cy="0"/>
+          <a:chOff x="0" y="0"/>
+          <a:chExt cx="0" cy="0"/>
+        </a:xfrm>
+      </p:grpSpPr>
+      <p:sp>
+        <p:nvSpPr>
+          <p:cNvPr id="3" name="Title 2"/>
+          <p:cNvSpPr>
+            <a:spLocks noGrp="1"/>
+          </p:cNvSpPr>
+          <p:nvPr>
+            <p:ph type="title"/>
+          </p:nvPr>
+        </p:nvSpPr>
+        <p:spPr/>
+        <p:txBody>
+          <a:bodyPr/>
+          <a:lstStyle/>
+          <a:p>
+            <a:r>
+              <a:rPr lang="en-US" dirty="0"/>
+              <a:t>Command Line Interlude</a:t>
+            </a:r>
+          </a:p>
+        </p:txBody>
+      </p:sp>
+      <p:pic>
+        <p:nvPicPr>
+          <p:cNvPr id="7" name="Picture 6">
+            <a:extLst>
+              <a:ext uri="{FF2B5EF4-FFF2-40B4-BE49-F238E27FC236}">
+                <a16:creationId xmlns:a16="http://schemas.microsoft.com/office/drawing/2014/main" id="{261AA85A-88AE-4A20-97E2-189C6A0B7B67}"/>
+              </a:ext>
+            </a:extLst>
+          </p:cNvPr>
+          <p:cNvPicPr>
+            <a:picLocks noChangeAspect="1"/>
+          </p:cNvPicPr>
+          <p:nvPr/>
+        </p:nvPicPr>
+        <p:blipFill>
+          <a:blip r:embed="rId2">
+            <a:extLst>
+              <a:ext uri="{28A0092B-C50C-407E-A947-70E740481C1C}">
+                <a14:useLocalDpi xmlns:a14="http://schemas.microsoft.com/office/drawing/2010/main" val="0"/>
+              </a:ext>
+            </a:extLst>
+          </a:blip>
+          <a:stretch>
+            <a:fillRect/>
+          </a:stretch>
+        </p:blipFill>
+        <p:spPr>
+          <a:xfrm>
+            <a:off x="4379912" y="2005012"/>
+            <a:ext cx="3429000" cy="2847975"/>
+          </a:xfrm>
+          <a:prstGeom prst="rect">
+            <a:avLst/>
+          </a:prstGeom>
+        </p:spPr>
+      </p:pic>
+      <p:pic>
+        <p:nvPicPr>
+          <p:cNvPr id="4" name="Picture 3">
+            <a:extLst>
+              <a:ext uri="{FF2B5EF4-FFF2-40B4-BE49-F238E27FC236}">
+                <a16:creationId xmlns:a16="http://schemas.microsoft.com/office/drawing/2014/main" id="{FE7388A0-34A7-45DC-B5CF-067B0C42219E}"/>
+              </a:ext>
+            </a:extLst>
+          </p:cNvPr>
+          <p:cNvPicPr>
+            <a:picLocks noChangeAspect="1"/>
+          </p:cNvPicPr>
+          <p:nvPr/>
+        </p:nvPicPr>
+        <p:blipFill>
+          <a:blip r:embed="rId3">
+            <a:extLst>
+              <a:ext uri="{28A0092B-C50C-407E-A947-70E740481C1C}">
+                <a14:useLocalDpi xmlns:a14="http://schemas.microsoft.com/office/drawing/2010/main" val="0"/>
+              </a:ext>
+            </a:extLst>
+          </a:blip>
+          <a:stretch>
+            <a:fillRect/>
+          </a:stretch>
+        </p:blipFill>
+        <p:spPr>
+          <a:xfrm>
+            <a:off x="2919412" y="1657350"/>
+            <a:ext cx="6350000" cy="3543300"/>
+          </a:xfrm>
+          <a:prstGeom prst="rect">
+            <a:avLst/>
+          </a:prstGeom>
+        </p:spPr>
+      </p:pic>
+    </p:spTree>
+    <p:extLst>
+      <p:ext uri="{BB962C8B-B14F-4D97-AF65-F5344CB8AC3E}">
+        <p14:creationId xmlns:p14="http://schemas.microsoft.com/office/powerpoint/2010/main" val="2227761162"/>
+      </p:ext>
+    </p:extLst>
+  </p:cSld>
+  <p:clrMapOvr>
+    <a:masterClrMapping/>
+  </p:clrMapOvr>
+  <mc:AlternateContent xmlns:mc="http://schemas.openxmlformats.org/markup-compatibility/2006" xmlns:p14="http://schemas.microsoft.com/office/powerpoint/2010/main">
+    <mc:Choice Requires="p14">
+      <p:transition spd="med" p14:dur="700">
+        <p:fade/>
+      </p:transition>
+    </mc:Choice>
+    <mc:Fallback xmlns="">
+      <p:transition spd="med">
+        <p:fade/>
+      </p:transition>
+    </mc:Fallback>
+  </mc:AlternateContent>
+</p:sld>
+</file>
+
+<file path=ppt/slides/slide17.xml><?xml version="1.0" encoding="utf-8"?>
+<p:sld xmlns:a="http://schemas.openxmlformats.org/drawingml/2006/main" xmlns:r="http://schemas.openxmlformats.org/officeDocument/2006/relationships" xmlns:p="http://schemas.openxmlformats.org/presentationml/2006/main">
+  <p:cSld>
+    <p:spTree>
+      <p:nvGrpSpPr>
+        <p:cNvPr id="1" name=""/>
+        <p:cNvGrpSpPr/>
+        <p:nvPr/>
+      </p:nvGrpSpPr>
+      <p:grpSpPr>
+        <a:xfrm>
+          <a:off x="0" y="0"/>
+          <a:ext cx="0" cy="0"/>
+          <a:chOff x="0" y="0"/>
+          <a:chExt cx="0" cy="0"/>
+        </a:xfrm>
+      </p:grpSpPr>
+      <p:sp>
+        <p:nvSpPr>
+          <p:cNvPr id="2" name="Content Placeholder 1"/>
+          <p:cNvSpPr>
+            <a:spLocks noGrp="1"/>
+          </p:cNvSpPr>
+          <p:nvPr>
+            <p:ph idx="1"/>
+          </p:nvPr>
+        </p:nvSpPr>
+        <p:spPr/>
+        <p:txBody>
+          <a:bodyPr>
+            <a:normAutofit/>
+          </a:bodyPr>
+          <a:lstStyle/>
+          <a:p>
+            <a:pPr marL="0" indent="0">
+              <a:buNone/>
+            </a:pPr>
+            <a:endParaRPr lang="en-US" dirty="0"/>
+          </a:p>
+        </p:txBody>
+      </p:sp>
+      <p:sp>
+        <p:nvSpPr>
+          <p:cNvPr id="3" name="Title 2"/>
+          <p:cNvSpPr>
+            <a:spLocks noGrp="1"/>
+          </p:cNvSpPr>
+          <p:nvPr>
+            <p:ph type="title"/>
+          </p:nvPr>
+        </p:nvSpPr>
+        <p:spPr/>
+        <p:txBody>
+          <a:bodyPr/>
+          <a:lstStyle/>
+          <a:p>
+            <a:r>
+              <a:rPr lang="en-US" dirty="0"/>
+              <a:t>Questions?</a:t>
+            </a:r>
+          </a:p>
+        </p:txBody>
+      </p:sp>
+      <p:sp>
+        <p:nvSpPr>
+          <p:cNvPr id="6" name="Oval 5">
+            <a:extLst>
+              <a:ext uri="{FF2B5EF4-FFF2-40B4-BE49-F238E27FC236}">
+                <a16:creationId xmlns:a16="http://schemas.microsoft.com/office/drawing/2014/main" id="{A22E9DF9-EA6B-454A-A2C3-876ACEDB20B5}"/>
+              </a:ext>
+            </a:extLst>
+          </p:cNvPr>
+          <p:cNvSpPr/>
+          <p:nvPr/>
+        </p:nvSpPr>
+        <p:spPr>
+          <a:xfrm>
+            <a:off x="3579812" y="2420232"/>
+            <a:ext cx="2667000" cy="2667000"/>
+          </a:xfrm>
+          <a:prstGeom prst="ellipse">
+            <a:avLst/>
+          </a:prstGeom>
+          <a:solidFill>
+            <a:srgbClr val="E2E482">
+              <a:alpha val="50196"/>
+            </a:srgbClr>
+          </a:solidFill>
+        </p:spPr>
+        <p:style>
+          <a:lnRef idx="2">
+            <a:schemeClr val="accent1">
+              <a:shade val="50000"/>
+            </a:schemeClr>
+          </a:lnRef>
+          <a:fillRef idx="1">
+            <a:schemeClr val="accent1"/>
+          </a:fillRef>
+          <a:effectRef idx="0">
+            <a:schemeClr val="accent1"/>
+          </a:effectRef>
+          <a:fontRef idx="minor">
+            <a:schemeClr val="lt1"/>
+          </a:fontRef>
+        </p:style>
+        <p:txBody>
+          <a:bodyPr rtlCol="0" anchor="ctr"/>
+          <a:lstStyle/>
+          <a:p>
+            <a:pPr algn="ctr"/>
+            <a:endParaRPr lang="en-US"/>
+          </a:p>
+        </p:txBody>
+      </p:sp>
+      <p:sp>
+        <p:nvSpPr>
+          <p:cNvPr id="8" name="Oval 7">
+            <a:extLst>
+              <a:ext uri="{FF2B5EF4-FFF2-40B4-BE49-F238E27FC236}">
+                <a16:creationId xmlns:a16="http://schemas.microsoft.com/office/drawing/2014/main" id="{CCE74306-C872-4285-9479-6E82205013FB}"/>
+              </a:ext>
+            </a:extLst>
+          </p:cNvPr>
+          <p:cNvSpPr/>
+          <p:nvPr/>
+        </p:nvSpPr>
+        <p:spPr>
+          <a:xfrm>
+            <a:off x="5256212" y="2344032"/>
+            <a:ext cx="2743200" cy="2743200"/>
+          </a:xfrm>
+          <a:prstGeom prst="ellipse">
+            <a:avLst/>
+          </a:prstGeom>
+          <a:solidFill>
+            <a:srgbClr val="7EE8A6">
+              <a:alpha val="50196"/>
+            </a:srgbClr>
+          </a:solidFill>
+        </p:spPr>
+        <p:style>
+          <a:lnRef idx="2">
+            <a:schemeClr val="accent1">
+              <a:shade val="50000"/>
+            </a:schemeClr>
+          </a:lnRef>
+          <a:fillRef idx="1">
+            <a:schemeClr val="accent1"/>
+          </a:fillRef>
+          <a:effectRef idx="0">
+            <a:schemeClr val="accent1"/>
+          </a:effectRef>
+          <a:fontRef idx="minor">
+            <a:schemeClr val="lt1"/>
+          </a:fontRef>
+        </p:style>
+        <p:txBody>
+          <a:bodyPr rtlCol="0" anchor="ctr"/>
+          <a:lstStyle/>
+          <a:p>
+            <a:pPr algn="ctr"/>
+            <a:endParaRPr lang="en-US"/>
+          </a:p>
+        </p:txBody>
+      </p:sp>
+    </p:spTree>
+    <p:extLst>
+      <p:ext uri="{BB962C8B-B14F-4D97-AF65-F5344CB8AC3E}">
+        <p14:creationId xmlns:p14="http://schemas.microsoft.com/office/powerpoint/2010/main" val="2220824841"/>
+      </p:ext>
+    </p:extLst>
+  </p:cSld>
+  <p:clrMapOvr>
+    <a:masterClrMapping/>
+  </p:clrMapOvr>
+  <mc:AlternateContent xmlns:mc="http://schemas.openxmlformats.org/markup-compatibility/2006" xmlns:p14="http://schemas.microsoft.com/office/powerpoint/2010/main">
+    <mc:Choice Requires="p14">
+      <p:transition spd="med" p14:dur="700">
+        <p:fade/>
+      </p:transition>
+    </mc:Choice>
+    <mc:Fallback xmlns="">
+      <p:transition spd="med">
+        <p:fade/>
+      </p:transition>
+    </mc:Fallback>
+  </mc:AlternateContent>
+</p:sld>
+</file>
+
 <file path=ppt/slides/slide2.xml><?xml version="1.0" encoding="utf-8"?>
 <p:sld xmlns:a="http://schemas.openxmlformats.org/drawingml/2006/main" xmlns:r="http://schemas.openxmlformats.org/officeDocument/2006/relationships" xmlns:p="http://schemas.openxmlformats.org/presentationml/2006/main">
   <p:cSld>
@@ -5501,6 +6939,12 @@
             </a:r>
           </a:p>
           <a:p>
+            <a:r>
+              <a:rPr lang="en-US" dirty="0"/>
+              <a:t>Well-suited for devices with limited bandwidth/RAM/storage/CPU or large-scale applications</a:t>
+            </a:r>
+          </a:p>
+          <a:p>
             <a:endParaRPr lang="en-US" dirty="0"/>
           </a:p>
           <a:p>
@@ -5592,61 +7036,55 @@
           <a:lstStyle/>
           <a:p>
             <a:r>
-              <a:rPr lang="en-US" dirty="0" err="1"/>
-              <a:t>Protobuf</a:t>
-            </a:r>
-            <a:r>
               <a:rPr lang="en-US" dirty="0"/>
-              <a:t> messages defined in plain text .proto files</a:t>
-            </a:r>
-          </a:p>
-          <a:p>
+              <a:t>Proto3 first stable release on July 2016</a:t>
+            </a:r>
+          </a:p>
+          <a:p>
+            <a:pPr lvl="1"/>
             <a:r>
               <a:rPr lang="en-US" dirty="0"/>
-              <a:t>.proto file compiled to generate data access classes</a:t>
+              <a:t>Recommended for new code</a:t>
             </a:r>
           </a:p>
           <a:p>
             <a:pPr lvl="1"/>
             <a:r>
               <a:rPr lang="en-US" dirty="0"/>
-              <a:t>Supported languages: Python, Java, C++, C#, Ruby, Go, Objective-C, JavaScript, PHP, and more</a:t>
+              <a:t>Language simplified for ease-of-use and to support a wider range of languages</a:t>
             </a:r>
           </a:p>
           <a:p>
             <a:pPr lvl="1"/>
             <a:r>
               <a:rPr lang="en-US" dirty="0"/>
-              <a:t>Pre-built </a:t>
-            </a:r>
-            <a:r>
-              <a:rPr lang="en-US" dirty="0" err="1"/>
-              <a:t>protoc</a:t>
-            </a:r>
+              <a:t>Many other improvements and changes</a:t>
+            </a:r>
+          </a:p>
+          <a:p>
+            <a:pPr lvl="1"/>
             <a:r>
               <a:rPr lang="en-US" dirty="0"/>
-              <a:t> binaries available for OSX, Linux, Win32</a:t>
+              <a:t>Presentation examples use proto3</a:t>
             </a:r>
           </a:p>
           <a:p>
             <a:r>
               <a:rPr lang="en-US" dirty="0"/>
-              <a:t>Data access classes provide:</a:t>
+              <a:t>Proto2 support to continue “for a long time”</a:t>
             </a:r>
           </a:p>
           <a:p>
             <a:pPr lvl="1"/>
             <a:r>
               <a:rPr lang="en-US" dirty="0"/>
-              <a:t>Simple accessors to read/write fields</a:t>
-            </a:r>
-          </a:p>
-          <a:p>
-            <a:pPr lvl="1"/>
-            <a:r>
-              <a:rPr lang="en-US" dirty="0"/>
-              <a:t>Methods to serialize/parse structures to/from raw bytes</a:t>
-            </a:r>
+              <a:t>Used in demo code due to dependence on </a:t>
+            </a:r>
+            <a:r>
+              <a:rPr lang="en-US" b="1" dirty="0" err="1"/>
+              <a:t>nanopb</a:t>
+            </a:r>
+            <a:endParaRPr lang="en-US" b="1" dirty="0"/>
           </a:p>
         </p:txBody>
       </p:sp>
@@ -5667,7 +7105,7 @@
           <a:p>
             <a:r>
               <a:rPr lang="en-US" dirty="0"/>
-              <a:t>Basic Concepts</a:t>
+              <a:t>Proto2 vs. Proto3</a:t>
             </a:r>
           </a:p>
         </p:txBody>
@@ -5675,7 +7113,7 @@
     </p:spTree>
     <p:extLst>
       <p:ext uri="{BB962C8B-B14F-4D97-AF65-F5344CB8AC3E}">
-        <p14:creationId xmlns:p14="http://schemas.microsoft.com/office/powerpoint/2010/main" val="1255868717"/>
+        <p14:creationId xmlns:p14="http://schemas.microsoft.com/office/powerpoint/2010/main" val="3519010733"/>
       </p:ext>
     </p:extLst>
   </p:cSld>
@@ -5730,55 +7168,69 @@
           <a:lstStyle/>
           <a:p>
             <a:r>
+              <a:rPr lang="en-US" dirty="0" err="1"/>
+              <a:t>Protobuf</a:t>
+            </a:r>
+            <a:r>
               <a:rPr lang="en-US" dirty="0"/>
-              <a:t>Proto3 first stable release on July 2016</a:t>
+              <a:t> messages defined in plain text .proto files</a:t>
+            </a:r>
+          </a:p>
+          <a:p>
+            <a:r>
+              <a:rPr lang="en-US" dirty="0"/>
+              <a:t>.proto file compiled (using </a:t>
+            </a:r>
+            <a:r>
+              <a:rPr lang="en-US" b="1" dirty="0" err="1"/>
+              <a:t>protoc</a:t>
+            </a:r>
+            <a:r>
+              <a:rPr lang="en-US" dirty="0"/>
+              <a:t>) to generate data access classes</a:t>
             </a:r>
           </a:p>
           <a:p>
             <a:pPr lvl="1"/>
             <a:r>
               <a:rPr lang="en-US" dirty="0"/>
-              <a:t>Recommended for new code</a:t>
+              <a:t>Supported languages: Python, Java, C++, C#, Ruby, Go, Objective-C, JavaScript, PHP, and several more via third-party extensions</a:t>
             </a:r>
           </a:p>
           <a:p>
             <a:pPr lvl="1"/>
             <a:r>
               <a:rPr lang="en-US" dirty="0"/>
-              <a:t>Language simplified for ease-of-use and to support a wider range of languages</a:t>
+              <a:t>Pre-built </a:t>
+            </a:r>
+            <a:r>
+              <a:rPr lang="en-US" b="1" dirty="0" err="1"/>
+              <a:t>protoc</a:t>
+            </a:r>
+            <a:r>
+              <a:rPr lang="en-US" dirty="0"/>
+              <a:t> binaries available for OSX, Linux, Win32</a:t>
+            </a:r>
+          </a:p>
+          <a:p>
+            <a:r>
+              <a:rPr lang="en-US" dirty="0"/>
+              <a:t>Data access classes provide:</a:t>
             </a:r>
           </a:p>
           <a:p>
             <a:pPr lvl="1"/>
             <a:r>
               <a:rPr lang="en-US" dirty="0"/>
-              <a:t>Introduction of JSON encoding as alternative to binary encoding</a:t>
+              <a:t>Simple accessors to read/write fields</a:t>
             </a:r>
           </a:p>
           <a:p>
             <a:pPr lvl="1"/>
             <a:r>
               <a:rPr lang="en-US" dirty="0"/>
-              <a:t>Many other improvements and changes</a:t>
-            </a:r>
-          </a:p>
-          <a:p>
-            <a:r>
-              <a:rPr lang="en-US" dirty="0"/>
-              <a:t>Proto2 support to continue “for a long time”</a:t>
-            </a:r>
-          </a:p>
-          <a:p>
-            <a:pPr lvl="1"/>
-            <a:r>
-              <a:rPr lang="en-US" dirty="0"/>
-              <a:t>Used in demo code due to dependence on </a:t>
-            </a:r>
-            <a:r>
-              <a:rPr lang="en-US" b="1" dirty="0" err="1"/>
-              <a:t>nanopb</a:t>
-            </a:r>
-            <a:endParaRPr lang="en-US" b="1" dirty="0"/>
+              <a:t>Methods to serialize/parse structures to/from raw bytes</a:t>
+            </a:r>
           </a:p>
         </p:txBody>
       </p:sp>
@@ -5799,7 +7251,7 @@
           <a:p>
             <a:r>
               <a:rPr lang="en-US" dirty="0"/>
-              <a:t>Proto2 vs. Proto3</a:t>
+              <a:t>Basic Concepts</a:t>
             </a:r>
           </a:p>
         </p:txBody>
@@ -5807,7 +7259,7 @@
     </p:spTree>
     <p:extLst>
       <p:ext uri="{BB962C8B-B14F-4D97-AF65-F5344CB8AC3E}">
-        <p14:creationId xmlns:p14="http://schemas.microsoft.com/office/powerpoint/2010/main" val="3519010733"/>
+        <p14:creationId xmlns:p14="http://schemas.microsoft.com/office/powerpoint/2010/main" val="1255868717"/>
       </p:ext>
     </p:extLst>
   </p:cSld>
@@ -5881,7 +7333,7 @@
             </a:r>
             <a:r>
               <a:rPr lang="en-US" dirty="0"/>
-              <a:t>, various 32-bit integers</a:t>
+              <a:t>, various 32- and 64-bit integers</a:t>
             </a:r>
           </a:p>
           <a:p>
@@ -5891,7 +7343,7 @@
             </a:r>
             <a:r>
               <a:rPr lang="en-US" dirty="0"/>
-              <a:t>: UTF-8 or 7-bit ASCII, but Unicode support with Python</a:t>
+              <a:t>: UTF-8 or 7-bit ASCII; some Unicode support with Python</a:t>
             </a:r>
           </a:p>
           <a:p>
@@ -5901,7 +7353,7 @@
             </a:r>
             <a:r>
               <a:rPr lang="en-US" dirty="0"/>
-              <a:t> you know, a Boolean value.</a:t>
+              <a:t> uh, you know, a Boolean value</a:t>
             </a:r>
             <a:endParaRPr lang="en-US" b="1" dirty="0"/>
           </a:p>
@@ -6022,142 +7474,59 @@
         <p:spPr/>
         <p:txBody>
           <a:bodyPr>
-            <a:normAutofit fontScale="70000" lnSpcReduction="20000"/>
+            <a:normAutofit/>
           </a:bodyPr>
           <a:lstStyle/>
           <a:p>
-            <a:pPr marL="0" indent="0">
-              <a:buNone/>
-            </a:pPr>
-            <a:r>
-              <a:rPr lang="en-US" dirty="0">
-                <a:latin typeface="Consolas" panose="020B0609020204030204" pitchFamily="49" charset="0"/>
-              </a:rPr>
-              <a:t>message </a:t>
-            </a:r>
-            <a:r>
-              <a:rPr lang="en-US" dirty="0" err="1">
-                <a:latin typeface="Consolas" panose="020B0609020204030204" pitchFamily="49" charset="0"/>
-              </a:rPr>
-              <a:t>SensorData</a:t>
-            </a:r>
-            <a:r>
-              <a:rPr lang="en-US" dirty="0">
-                <a:latin typeface="Consolas" panose="020B0609020204030204" pitchFamily="49" charset="0"/>
-              </a:rPr>
-              <a:t> {</a:t>
-            </a:r>
-          </a:p>
-          <a:p>
-            <a:pPr marL="0" indent="0">
-              <a:buNone/>
-            </a:pPr>
-            <a:r>
-              <a:rPr lang="en-US" dirty="0">
-                <a:latin typeface="Consolas" panose="020B0609020204030204" pitchFamily="49" charset="0"/>
-              </a:rPr>
-              <a:t>    float temperature             = 1;</a:t>
-            </a:r>
-          </a:p>
-          <a:p>
-            <a:pPr marL="0" indent="0">
-              <a:buNone/>
-            </a:pPr>
-            <a:r>
-              <a:rPr lang="en-US" dirty="0">
-                <a:latin typeface="Consolas" panose="020B0609020204030204" pitchFamily="49" charset="0"/>
-              </a:rPr>
-              <a:t>    uint32 humidity               = 2; // Relative humidity </a:t>
-            </a:r>
-          </a:p>
-          <a:p>
-            <a:pPr marL="0" indent="0">
-              <a:buNone/>
-            </a:pPr>
-            <a:r>
-              <a:rPr lang="en-US" dirty="0">
-                <a:latin typeface="Consolas" panose="020B0609020204030204" pitchFamily="49" charset="0"/>
-              </a:rPr>
-              <a:t>    </a:t>
-            </a:r>
-            <a:r>
-              <a:rPr lang="en-US" dirty="0" err="1">
-                <a:latin typeface="Consolas" panose="020B0609020204030204" pitchFamily="49" charset="0"/>
-              </a:rPr>
-              <a:t>enum</a:t>
-            </a:r>
-            <a:r>
-              <a:rPr lang="en-US" dirty="0">
-                <a:latin typeface="Consolas" panose="020B0609020204030204" pitchFamily="49" charset="0"/>
-              </a:rPr>
-              <a:t> Units {</a:t>
-            </a:r>
-          </a:p>
-          <a:p>
-            <a:pPr marL="0" indent="0">
-              <a:buNone/>
-            </a:pPr>
-            <a:r>
-              <a:rPr lang="en-US" dirty="0">
-                <a:latin typeface="Consolas" panose="020B0609020204030204" pitchFamily="49" charset="0"/>
-              </a:rPr>
-              <a:t>        IMPERIAL = 0;</a:t>
-            </a:r>
-          </a:p>
-          <a:p>
-            <a:pPr marL="0" indent="0">
-              <a:buNone/>
-            </a:pPr>
-            <a:r>
-              <a:rPr lang="en-US" dirty="0">
-                <a:latin typeface="Consolas" panose="020B0609020204030204" pitchFamily="49" charset="0"/>
-              </a:rPr>
-              <a:t>        REBEL    = 1;</a:t>
-            </a:r>
-          </a:p>
-          <a:p>
-            <a:pPr marL="0" indent="0">
-              <a:buNone/>
-            </a:pPr>
-            <a:r>
-              <a:rPr lang="en-US" dirty="0">
-                <a:latin typeface="Consolas" panose="020B0609020204030204" pitchFamily="49" charset="0"/>
-              </a:rPr>
-              <a:t>    }</a:t>
-            </a:r>
-          </a:p>
-          <a:p>
-            <a:pPr marL="0" indent="0">
-              <a:buNone/>
-            </a:pPr>
-            <a:r>
-              <a:rPr lang="en-US" dirty="0">
-                <a:latin typeface="Consolas" panose="020B0609020204030204" pitchFamily="49" charset="0"/>
-              </a:rPr>
-              <a:t>    Units </a:t>
-            </a:r>
-            <a:r>
-              <a:rPr lang="en-US" dirty="0" err="1">
-                <a:latin typeface="Consolas" panose="020B0609020204030204" pitchFamily="49" charset="0"/>
-              </a:rPr>
-              <a:t>units</a:t>
-            </a:r>
-            <a:r>
-              <a:rPr lang="en-US" dirty="0">
-                <a:latin typeface="Consolas" panose="020B0609020204030204" pitchFamily="49" charset="0"/>
-              </a:rPr>
-              <a:t>                   = 3;</a:t>
-            </a:r>
-          </a:p>
-          <a:p>
-            <a:pPr marL="0" indent="0">
-              <a:buNone/>
-            </a:pPr>
-            <a:r>
-              <a:rPr lang="en-US" dirty="0">
-                <a:latin typeface="Consolas" panose="020B0609020204030204" pitchFamily="49" charset="0"/>
-              </a:rPr>
-              <a:t>}</a:t>
+            <a:endParaRPr lang="en-US" dirty="0"/>
+          </a:p>
+          <a:p>
+            <a:r>
+              <a:rPr lang="en-US" dirty="0"/>
+              <a:t>Most have variable-length encoding</a:t>
+            </a:r>
+          </a:p>
+          <a:p>
+            <a:r>
+              <a:rPr lang="en-US" dirty="0"/>
+              <a:t>Choice of type depends on expected data values</a:t>
+            </a:r>
+          </a:p>
+          <a:p>
+            <a:pPr lvl="1"/>
+            <a:r>
+              <a:rPr lang="en-US" dirty="0"/>
+              <a:t>For example, </a:t>
+            </a:r>
+            <a:r>
+              <a:rPr lang="en-US" b="1" dirty="0"/>
+              <a:t>int32</a:t>
+            </a:r>
+            <a:r>
+              <a:rPr lang="en-US" dirty="0"/>
+              <a:t> is best for positive values; </a:t>
+            </a:r>
+            <a:r>
+              <a:rPr lang="en-US" b="1" dirty="0"/>
+              <a:t>sint32</a:t>
+            </a:r>
+            <a:r>
+              <a:rPr lang="en-US" dirty="0"/>
+              <a:t> is better for negative values</a:t>
+            </a:r>
+          </a:p>
+          <a:p>
+            <a:r>
+              <a:rPr lang="en-US" dirty="0"/>
+              <a:t>Consider scaling float/double values to </a:t>
+            </a:r>
+            <a:r>
+              <a:rPr lang="en-US" dirty="0" err="1"/>
+              <a:t>int</a:t>
+            </a:r>
+            <a:r>
+              <a:rPr lang="en-US" dirty="0"/>
+              <a:t> types for more compact encoding</a:t>
             </a:r>
           </a:p>
         </p:txBody>
@@ -6179,7 +7548,19 @@
           <a:p>
             <a:r>
               <a:rPr lang="en-US" dirty="0"/>
-              <a:t>A Simple .proto File</a:t>
+              <a:t>Different </a:t>
+            </a:r>
+            <a:r>
+              <a:rPr lang="en-US" b="1" dirty="0" err="1"/>
+              <a:t>int</a:t>
+            </a:r>
+            <a:r>
+              <a:rPr lang="en-US" dirty="0" err="1"/>
+              <a:t>s</a:t>
+            </a:r>
+            <a:r>
+              <a:rPr lang="en-US" dirty="0"/>
+              <a:t> for Different Uses</a:t>
             </a:r>
           </a:p>
         </p:txBody>
@@ -6187,7 +7568,7 @@
     </p:spTree>
     <p:extLst>
       <p:ext uri="{BB962C8B-B14F-4D97-AF65-F5344CB8AC3E}">
-        <p14:creationId xmlns:p14="http://schemas.microsoft.com/office/powerpoint/2010/main" val="3224243975"/>
+        <p14:creationId xmlns:p14="http://schemas.microsoft.com/office/powerpoint/2010/main" val="2723463234"/>
       </p:ext>
     </p:extLst>
   </p:cSld>
@@ -6239,165 +7620,41 @@
         <p:spPr/>
         <p:txBody>
           <a:bodyPr>
-            <a:normAutofit fontScale="92500" lnSpcReduction="20000"/>
+            <a:normAutofit/>
           </a:bodyPr>
           <a:lstStyle/>
           <a:p>
-            <a:pPr marL="0" indent="0">
-              <a:buNone/>
-            </a:pPr>
-            <a:r>
-              <a:rPr lang="en-US" dirty="0">
-                <a:latin typeface="Consolas" panose="020B0609020204030204" pitchFamily="49" charset="0"/>
-              </a:rPr>
-              <a:t>import simple_pb2  # </a:t>
-            </a:r>
-            <a:r>
-              <a:rPr lang="en-US" dirty="0" err="1">
-                <a:latin typeface="Consolas" panose="020B0609020204030204" pitchFamily="49" charset="0"/>
-              </a:rPr>
-              <a:t>protoc</a:t>
-            </a:r>
-            <a:r>
-              <a:rPr lang="en-US" dirty="0">
-                <a:latin typeface="Consolas" panose="020B0609020204030204" pitchFamily="49" charset="0"/>
-              </a:rPr>
-              <a:t> appends _pb2, even if proto3!</a:t>
-            </a:r>
-          </a:p>
-          <a:p>
-            <a:pPr marL="0" indent="0">
-              <a:buNone/>
-            </a:pPr>
-            <a:endParaRPr lang="en-US" dirty="0">
-              <a:latin typeface="Consolas" panose="020B0609020204030204" pitchFamily="49" charset="0"/>
-            </a:endParaRPr>
-          </a:p>
-          <a:p>
-            <a:pPr marL="0" indent="0">
-              <a:buNone/>
-            </a:pPr>
-            <a:r>
-              <a:rPr lang="en-US" dirty="0">
-                <a:latin typeface="Consolas" panose="020B0609020204030204" pitchFamily="49" charset="0"/>
-              </a:rPr>
-              <a:t>def serialize(t, h):</a:t>
-            </a:r>
-          </a:p>
-          <a:p>
-            <a:pPr marL="0" indent="0">
-              <a:buNone/>
-            </a:pPr>
-            <a:r>
-              <a:rPr lang="en-US" dirty="0">
-                <a:latin typeface="Consolas" panose="020B0609020204030204" pitchFamily="49" charset="0"/>
-              </a:rPr>
-              <a:t>    </a:t>
-            </a:r>
-            <a:r>
-              <a:rPr lang="en-US" dirty="0" err="1">
-                <a:latin typeface="Consolas" panose="020B0609020204030204" pitchFamily="49" charset="0"/>
-              </a:rPr>
-              <a:t>msg</a:t>
-            </a:r>
-            <a:r>
-              <a:rPr lang="en-US" dirty="0">
-                <a:latin typeface="Consolas" panose="020B0609020204030204" pitchFamily="49" charset="0"/>
-              </a:rPr>
-              <a:t> = simple_pb2.SensorData()</a:t>
-            </a:r>
-          </a:p>
-          <a:p>
-            <a:pPr marL="0" indent="0">
-              <a:buNone/>
-            </a:pPr>
-            <a:r>
-              <a:rPr lang="en-US" dirty="0">
-                <a:latin typeface="Consolas" panose="020B0609020204030204" pitchFamily="49" charset="0"/>
-              </a:rPr>
-              <a:t>    </a:t>
-            </a:r>
-            <a:r>
-              <a:rPr lang="en-US" dirty="0" err="1">
-                <a:latin typeface="Consolas" panose="020B0609020204030204" pitchFamily="49" charset="0"/>
-              </a:rPr>
-              <a:t>msg.temperature</a:t>
-            </a:r>
-            <a:r>
-              <a:rPr lang="en-US" dirty="0">
-                <a:latin typeface="Consolas" panose="020B0609020204030204" pitchFamily="49" charset="0"/>
-              </a:rPr>
-              <a:t> = t</a:t>
-            </a:r>
-          </a:p>
-          <a:p>
-            <a:pPr marL="0" indent="0">
-              <a:buNone/>
-            </a:pPr>
-            <a:r>
-              <a:rPr lang="en-US" dirty="0">
-                <a:latin typeface="Consolas" panose="020B0609020204030204" pitchFamily="49" charset="0"/>
-              </a:rPr>
-              <a:t>    </a:t>
-            </a:r>
-            <a:r>
-              <a:rPr lang="en-US" dirty="0" err="1">
-                <a:latin typeface="Consolas" panose="020B0609020204030204" pitchFamily="49" charset="0"/>
-              </a:rPr>
-              <a:t>msg.humidity</a:t>
-            </a:r>
-            <a:r>
-              <a:rPr lang="en-US" dirty="0">
-                <a:latin typeface="Consolas" panose="020B0609020204030204" pitchFamily="49" charset="0"/>
-              </a:rPr>
-              <a:t> = h</a:t>
-            </a:r>
-          </a:p>
-          <a:p>
-            <a:pPr marL="0" indent="0">
-              <a:buNone/>
-            </a:pPr>
-            <a:r>
-              <a:rPr lang="en-US" dirty="0">
-                <a:latin typeface="Consolas" panose="020B0609020204030204" pitchFamily="49" charset="0"/>
-              </a:rPr>
-              <a:t>    </a:t>
-            </a:r>
-            <a:r>
-              <a:rPr lang="en-US" dirty="0" err="1">
-                <a:latin typeface="Consolas" panose="020B0609020204030204" pitchFamily="49" charset="0"/>
-              </a:rPr>
-              <a:t>msg.units</a:t>
-            </a:r>
-            <a:r>
-              <a:rPr lang="en-US" dirty="0">
-                <a:latin typeface="Consolas" panose="020B0609020204030204" pitchFamily="49" charset="0"/>
-              </a:rPr>
-              <a:t> = simple_pb2.SensorData.REBEL</a:t>
-            </a:r>
-          </a:p>
-          <a:p>
-            <a:pPr marL="0" indent="0">
-              <a:buNone/>
-            </a:pPr>
-            <a:r>
-              <a:rPr lang="en-US" dirty="0">
-                <a:latin typeface="Consolas" panose="020B0609020204030204" pitchFamily="49" charset="0"/>
-              </a:rPr>
-              <a:t>    return </a:t>
-            </a:r>
-            <a:r>
-              <a:rPr lang="en-US" dirty="0" err="1">
-                <a:latin typeface="Consolas" panose="020B0609020204030204" pitchFamily="49" charset="0"/>
-              </a:rPr>
-              <a:t>msg.SerializeToString</a:t>
-            </a:r>
-            <a:r>
-              <a:rPr lang="en-US" dirty="0">
-                <a:latin typeface="Consolas" panose="020B0609020204030204" pitchFamily="49" charset="0"/>
-              </a:rPr>
-              <a:t>()</a:t>
-            </a:r>
+            <a:r>
+              <a:rPr lang="en-US" dirty="0"/>
+              <a:t>Messages can be nested</a:t>
+            </a:r>
+          </a:p>
+          <a:p>
+            <a:r>
+              <a:rPr lang="en-US" dirty="0"/>
+              <a:t>Messages can be used as fields in other messages</a:t>
+            </a:r>
+          </a:p>
+          <a:p>
+            <a:r>
+              <a:rPr lang="en-US" dirty="0"/>
+              <a:t>Associative maps (keys can be any integral or string type)</a:t>
+            </a:r>
+          </a:p>
+          <a:p>
+            <a:r>
+              <a:rPr lang="en-US" dirty="0"/>
+              <a:t>Messages can be encoded to, and decoded from, JSON</a:t>
+            </a:r>
+          </a:p>
+          <a:p>
+            <a:r>
+              <a:rPr lang="en-US" dirty="0"/>
+              <a:t>Message definitions can be imported from other .proto files</a:t>
+            </a:r>
+          </a:p>
+          <a:p>
+            <a:endParaRPr lang="en-US" dirty="0"/>
           </a:p>
         </p:txBody>
       </p:sp>
@@ -6418,7 +7675,7 @@
           <a:p>
             <a:r>
               <a:rPr lang="en-US" dirty="0"/>
-              <a:t>Using the Compiled Code: Serializing</a:t>
+              <a:t>Other Notable Features</a:t>
             </a:r>
           </a:p>
         </p:txBody>
@@ -6426,7 +7683,7 @@
     </p:spTree>
     <p:extLst>
       <p:ext uri="{BB962C8B-B14F-4D97-AF65-F5344CB8AC3E}">
-        <p14:creationId xmlns:p14="http://schemas.microsoft.com/office/powerpoint/2010/main" val="2819748410"/>
+        <p14:creationId xmlns:p14="http://schemas.microsoft.com/office/powerpoint/2010/main" val="1652148472"/>
       </p:ext>
     </p:extLst>
   </p:cSld>
@@ -6489,31 +7746,41 @@
               <a:rPr lang="en-US" dirty="0">
                 <a:latin typeface="Consolas" panose="020B0609020204030204" pitchFamily="49" charset="0"/>
               </a:rPr>
-              <a:t>def </a:t>
+              <a:t>message </a:t>
             </a:r>
             <a:r>
               <a:rPr lang="en-US" dirty="0" err="1">
                 <a:latin typeface="Consolas" panose="020B0609020204030204" pitchFamily="49" charset="0"/>
               </a:rPr>
-              <a:t>deserialize</a:t>
+              <a:t>SensorData</a:t>
             </a:r>
             <a:r>
               <a:rPr lang="en-US" dirty="0">
                 <a:latin typeface="Consolas" panose="020B0609020204030204" pitchFamily="49" charset="0"/>
               </a:rPr>
-              <a:t>(</a:t>
-            </a:r>
-            <a:r>
-              <a:rPr lang="en-US" dirty="0" err="1">
-                <a:latin typeface="Consolas" panose="020B0609020204030204" pitchFamily="49" charset="0"/>
-              </a:rPr>
-              <a:t>serialized_data</a:t>
-            </a:r>
+              <a:t> {</a:t>
+            </a:r>
+          </a:p>
+          <a:p>
+            <a:pPr marL="0" indent="0">
+              <a:buNone/>
+            </a:pPr>
             <a:r>
               <a:rPr lang="en-US" dirty="0">
                 <a:latin typeface="Consolas" panose="020B0609020204030204" pitchFamily="49" charset="0"/>
               </a:rPr>
-              <a:t>):</a:t>
+              <a:t>    float temperature             = 1;</a:t>
+            </a:r>
+          </a:p>
+          <a:p>
+            <a:pPr marL="0" indent="0">
+              <a:buNone/>
+            </a:pPr>
+            <a:r>
+              <a:rPr lang="en-US" dirty="0">
+                <a:latin typeface="Consolas" panose="020B0609020204030204" pitchFamily="49" charset="0"/>
+              </a:rPr>
+              <a:t>    uint32 humidity               = 2; // Relative humidity </a:t>
             </a:r>
           </a:p>
           <a:p>
@@ -6530,13 +7797,13 @@
               <a:rPr lang="en-US" dirty="0" err="1">
                 <a:latin typeface="Consolas" panose="020B0609020204030204" pitchFamily="49" charset="0"/>
               </a:rPr>
-              <a:t>msg</a:t>
+              <a:t>enum</a:t>
             </a:r>
             <a:r>
               <a:rPr lang="en-US" dirty="0">
                 <a:latin typeface="Consolas" panose="020B0609020204030204" pitchFamily="49" charset="0"/>
               </a:rPr>
-              <a:t> = simple_pb2.SensorData()</a:t>
+              <a:t> Units {</a:t>
             </a:r>
           </a:p>
           <a:p>
@@ -6547,131 +7814,64 @@
               <a:rPr lang="en-US" dirty="0">
                 <a:latin typeface="Consolas" panose="020B0609020204030204" pitchFamily="49" charset="0"/>
               </a:rPr>
-              <a:t>    </a:t>
+              <a:t>        IMPERIAL = 0;</a:t>
+            </a:r>
+          </a:p>
+          <a:p>
+            <a:pPr marL="0" indent="0">
+              <a:buNone/>
+            </a:pPr>
+            <a:r>
+              <a:rPr lang="en-US" dirty="0">
+                <a:latin typeface="Consolas" panose="020B0609020204030204" pitchFamily="49" charset="0"/>
+              </a:rPr>
+              <a:t>        REBEL    = 1;</a:t>
+            </a:r>
+          </a:p>
+          <a:p>
+            <a:pPr marL="0" indent="0">
+              <a:buNone/>
+            </a:pPr>
+            <a:r>
+              <a:rPr lang="en-US" dirty="0">
+                <a:latin typeface="Consolas" panose="020B0609020204030204" pitchFamily="49" charset="0"/>
+              </a:rPr>
+              <a:t>    }</a:t>
+            </a:r>
+          </a:p>
+          <a:p>
+            <a:pPr marL="0" indent="0">
+              <a:buNone/>
+            </a:pPr>
+            <a:r>
+              <a:rPr lang="en-US" dirty="0">
+                <a:latin typeface="Consolas" panose="020B0609020204030204" pitchFamily="49" charset="0"/>
+              </a:rPr>
+              <a:t>    Units </a:t>
             </a:r>
             <a:r>
               <a:rPr lang="en-US" dirty="0" err="1">
                 <a:latin typeface="Consolas" panose="020B0609020204030204" pitchFamily="49" charset="0"/>
               </a:rPr>
-              <a:t>msg.ParseFromString</a:t>
+              <a:t>units</a:t>
             </a:r>
             <a:r>
               <a:rPr lang="en-US" dirty="0">
                 <a:latin typeface="Consolas" panose="020B0609020204030204" pitchFamily="49" charset="0"/>
               </a:rPr>
-              <a:t>(</a:t>
-            </a:r>
-            <a:r>
-              <a:rPr lang="en-US" dirty="0" err="1">
-                <a:latin typeface="Consolas" panose="020B0609020204030204" pitchFamily="49" charset="0"/>
-              </a:rPr>
-              <a:t>serialized_data</a:t>
-            </a:r>
+              <a:t>                   = 3;</a:t>
+            </a:r>
+          </a:p>
+          <a:p>
+            <a:pPr marL="0" indent="0">
+              <a:buNone/>
+            </a:pPr>
             <a:r>
               <a:rPr lang="en-US" dirty="0">
                 <a:latin typeface="Consolas" panose="020B0609020204030204" pitchFamily="49" charset="0"/>
               </a:rPr>
-              <a:t>)</a:t>
-            </a:r>
-          </a:p>
-          <a:p>
-            <a:pPr marL="0" indent="0">
-              <a:buNone/>
-            </a:pPr>
-            <a:r>
-              <a:rPr lang="en-US" dirty="0">
-                <a:latin typeface="Consolas" panose="020B0609020204030204" pitchFamily="49" charset="0"/>
-              </a:rPr>
-              <a:t>    t = </a:t>
-            </a:r>
-            <a:r>
-              <a:rPr lang="en-US" dirty="0" err="1">
-                <a:latin typeface="Consolas" panose="020B0609020204030204" pitchFamily="49" charset="0"/>
-              </a:rPr>
-              <a:t>msg.temperature</a:t>
-            </a:r>
-            <a:endParaRPr lang="en-US" dirty="0">
-              <a:latin typeface="Consolas" panose="020B0609020204030204" pitchFamily="49" charset="0"/>
-            </a:endParaRPr>
-          </a:p>
-          <a:p>
-            <a:pPr marL="0" indent="0">
-              <a:buNone/>
-            </a:pPr>
-            <a:r>
-              <a:rPr lang="en-US" dirty="0">
-                <a:latin typeface="Consolas" panose="020B0609020204030204" pitchFamily="49" charset="0"/>
-              </a:rPr>
-              <a:t>    h = </a:t>
-            </a:r>
-            <a:r>
-              <a:rPr lang="en-US" dirty="0" err="1">
-                <a:latin typeface="Consolas" panose="020B0609020204030204" pitchFamily="49" charset="0"/>
-              </a:rPr>
-              <a:t>msg.humidity</a:t>
-            </a:r>
-            <a:endParaRPr lang="en-US" dirty="0">
-              <a:latin typeface="Consolas" panose="020B0609020204030204" pitchFamily="49" charset="0"/>
-            </a:endParaRPr>
-          </a:p>
-          <a:p>
-            <a:pPr marL="0" indent="0">
-              <a:buNone/>
-            </a:pPr>
-            <a:r>
-              <a:rPr lang="en-US" dirty="0">
-                <a:latin typeface="Consolas" panose="020B0609020204030204" pitchFamily="49" charset="0"/>
-              </a:rPr>
-              <a:t>    units = </a:t>
-            </a:r>
-            <a:r>
-              <a:rPr lang="en-US" dirty="0" err="1">
-                <a:latin typeface="Consolas" panose="020B0609020204030204" pitchFamily="49" charset="0"/>
-              </a:rPr>
-              <a:t>msg.units</a:t>
-            </a:r>
-            <a:endParaRPr lang="en-US" dirty="0">
-              <a:latin typeface="Consolas" panose="020B0609020204030204" pitchFamily="49" charset="0"/>
-            </a:endParaRPr>
-          </a:p>
-          <a:p>
-            <a:pPr marL="0" indent="0">
-              <a:buNone/>
-            </a:pPr>
-            <a:r>
-              <a:rPr lang="en-US" dirty="0">
-                <a:latin typeface="Consolas" panose="020B0609020204030204" pitchFamily="49" charset="0"/>
-              </a:rPr>
-              <a:t>    if units == simple_pb2.SensorData.IMPERIAL:</a:t>
-            </a:r>
-          </a:p>
-          <a:p>
-            <a:pPr marL="0" indent="0">
-              <a:buNone/>
-            </a:pPr>
-            <a:r>
-              <a:rPr lang="en-US" dirty="0">
-                <a:latin typeface="Consolas" panose="020B0609020204030204" pitchFamily="49" charset="0"/>
-              </a:rPr>
-              <a:t>        t = (t - 32) * 5.0 / 9.0</a:t>
-            </a:r>
-          </a:p>
-          <a:p>
-            <a:pPr marL="0" indent="0">
-              <a:buNone/>
-            </a:pPr>
-            <a:r>
-              <a:rPr lang="en-US" dirty="0">
-                <a:latin typeface="Consolas" panose="020B0609020204030204" pitchFamily="49" charset="0"/>
-              </a:rPr>
-              <a:t>    return (t, h)</a:t>
-            </a:r>
-          </a:p>
-          <a:p>
-            <a:pPr marL="0" indent="0">
-              <a:buNone/>
-            </a:pPr>
-            <a:endParaRPr lang="en-US" dirty="0"/>
+              <a:t>}</a:t>
+            </a:r>
           </a:p>
         </p:txBody>
       </p:sp>
@@ -6692,20 +7892,15 @@
           <a:p>
             <a:r>
               <a:rPr lang="en-US" dirty="0"/>
-              <a:t>Using the Compiled Code: </a:t>
-            </a:r>
-            <a:r>
-              <a:rPr lang="en-US" dirty="0" err="1"/>
-              <a:t>Deserialize</a:t>
-            </a:r>
-            <a:endParaRPr lang="en-US" dirty="0"/>
+              <a:t>A Simple .proto File</a:t>
+            </a:r>
           </a:p>
         </p:txBody>
       </p:sp>
     </p:spTree>
     <p:extLst>
       <p:ext uri="{BB962C8B-B14F-4D97-AF65-F5344CB8AC3E}">
-        <p14:creationId xmlns:p14="http://schemas.microsoft.com/office/powerpoint/2010/main" val="2277224114"/>
+        <p14:creationId xmlns:p14="http://schemas.microsoft.com/office/powerpoint/2010/main" val="3224243975"/>
       </p:ext>
     </p:extLst>
   </p:cSld>

--- a/PythonProtobufPyOhio2017.pptx
+++ b/PythonProtobufPyOhio2017.pptx
@@ -5,10 +5,10 @@
     <p:sldMasterId id="2147483924" r:id="rId2"/>
   </p:sldMasterIdLst>
   <p:notesMasterIdLst>
-    <p:notesMasterId r:id="rId20"/>
+    <p:notesMasterId r:id="rId21"/>
   </p:notesMasterIdLst>
   <p:handoutMasterIdLst>
-    <p:handoutMasterId r:id="rId21"/>
+    <p:handoutMasterId r:id="rId22"/>
   </p:handoutMasterIdLst>
   <p:sldIdLst>
     <p:sldId id="268" r:id="rId3"/>
@@ -28,6 +28,7 @@
     <p:sldId id="286" r:id="rId17"/>
     <p:sldId id="284" r:id="rId18"/>
     <p:sldId id="287" r:id="rId19"/>
+    <p:sldId id="288" r:id="rId20"/>
   </p:sldIdLst>
   <p:sldSz cx="12188825" cy="6858000"/>
   <p:notesSz cx="6858000" cy="9144000"/>
@@ -6690,7 +6691,7 @@
           <a:lstStyle/>
           <a:p>
             <a:pPr algn="ctr"/>
-            <a:endParaRPr lang="en-US"/>
+            <a:endParaRPr lang="en-US" dirty="0"/>
           </a:p>
         </p:txBody>
       </p:sp>
@@ -6749,6 +6750,149 @@
     <p:extLst>
       <p:ext uri="{BB962C8B-B14F-4D97-AF65-F5344CB8AC3E}">
         <p14:creationId xmlns:p14="http://schemas.microsoft.com/office/powerpoint/2010/main" val="2220824841"/>
+      </p:ext>
+    </p:extLst>
+  </p:cSld>
+  <p:clrMapOvr>
+    <a:masterClrMapping/>
+  </p:clrMapOvr>
+  <mc:AlternateContent xmlns:mc="http://schemas.openxmlformats.org/markup-compatibility/2006" xmlns:p14="http://schemas.microsoft.com/office/powerpoint/2010/main">
+    <mc:Choice Requires="p14">
+      <p:transition spd="med" p14:dur="700">
+        <p:fade/>
+      </p:transition>
+    </mc:Choice>
+    <mc:Fallback xmlns="">
+      <p:transition spd="med">
+        <p:fade/>
+      </p:transition>
+    </mc:Fallback>
+  </mc:AlternateContent>
+</p:sld>
+</file>
+
+<file path=ppt/slides/slide18.xml><?xml version="1.0" encoding="utf-8"?>
+<p:sld xmlns:a="http://schemas.openxmlformats.org/drawingml/2006/main" xmlns:r="http://schemas.openxmlformats.org/officeDocument/2006/relationships" xmlns:p="http://schemas.openxmlformats.org/presentationml/2006/main">
+  <p:cSld>
+    <p:spTree>
+      <p:nvGrpSpPr>
+        <p:cNvPr id="1" name=""/>
+        <p:cNvGrpSpPr/>
+        <p:nvPr/>
+      </p:nvGrpSpPr>
+      <p:grpSpPr>
+        <a:xfrm>
+          <a:off x="0" y="0"/>
+          <a:ext cx="0" cy="0"/>
+          <a:chOff x="0" y="0"/>
+          <a:chExt cx="0" cy="0"/>
+        </a:xfrm>
+      </p:grpSpPr>
+      <p:sp>
+        <p:nvSpPr>
+          <p:cNvPr id="2" name="Content Placeholder 1"/>
+          <p:cNvSpPr>
+            <a:spLocks noGrp="1"/>
+          </p:cNvSpPr>
+          <p:nvPr>
+            <p:ph idx="1"/>
+          </p:nvPr>
+        </p:nvSpPr>
+        <p:spPr/>
+        <p:txBody>
+          <a:bodyPr>
+            <a:normAutofit/>
+          </a:bodyPr>
+          <a:lstStyle/>
+          <a:p>
+            <a:pPr marL="0" indent="0">
+              <a:buNone/>
+            </a:pPr>
+            <a:r>
+              <a:rPr lang="en-US" dirty="0" err="1"/>
+              <a:t>Protobuf</a:t>
+            </a:r>
+            <a:r>
+              <a:rPr lang="en-US" dirty="0"/>
+              <a:t> </a:t>
+            </a:r>
+            <a:r>
+              <a:rPr lang="en-US" dirty="0" err="1"/>
+              <a:t>Github</a:t>
+            </a:r>
+            <a:r>
+              <a:rPr lang="en-US" dirty="0"/>
+              <a:t>: </a:t>
+            </a:r>
+            <a:r>
+              <a:rPr lang="en-US" dirty="0">
+                <a:hlinkClick r:id="rId2"/>
+              </a:rPr>
+              <a:t>https://github.com/google/protobuf</a:t>
+            </a:r>
+            <a:endParaRPr lang="en-US" dirty="0"/>
+          </a:p>
+          <a:p>
+            <a:pPr marL="0" indent="0">
+              <a:buNone/>
+            </a:pPr>
+            <a:r>
+              <a:rPr lang="en-US" dirty="0"/>
+              <a:t>Code &amp; Slides: </a:t>
+            </a:r>
+            <a:r>
+              <a:rPr lang="en-US" dirty="0">
+                <a:hlinkClick r:id="rId3"/>
+              </a:rPr>
+              <a:t>https://github.com/kerchen/PyOhioProtobuf</a:t>
+            </a:r>
+            <a:endParaRPr lang="en-US" dirty="0"/>
+          </a:p>
+          <a:p>
+            <a:pPr marL="0" indent="0">
+              <a:buNone/>
+            </a:pPr>
+            <a:r>
+              <a:rPr lang="en-US" dirty="0"/>
+              <a:t>Contact Paul </a:t>
+            </a:r>
+            <a:r>
+              <a:rPr lang="en-US" dirty="0" err="1"/>
+              <a:t>Kerchen</a:t>
+            </a:r>
+            <a:r>
+              <a:rPr lang="en-US" dirty="0"/>
+              <a:t>: paul@whirlingchair.com</a:t>
+            </a:r>
+          </a:p>
+        </p:txBody>
+      </p:sp>
+      <p:sp>
+        <p:nvSpPr>
+          <p:cNvPr id="3" name="Title 2"/>
+          <p:cNvSpPr>
+            <a:spLocks noGrp="1"/>
+          </p:cNvSpPr>
+          <p:nvPr>
+            <p:ph type="title"/>
+          </p:nvPr>
+        </p:nvSpPr>
+        <p:spPr/>
+        <p:txBody>
+          <a:bodyPr/>
+          <a:lstStyle/>
+          <a:p>
+            <a:r>
+              <a:rPr lang="en-US" dirty="0"/>
+              <a:t>Links &amp; Resources</a:t>
+            </a:r>
+          </a:p>
+        </p:txBody>
+      </p:sp>
+    </p:spTree>
+    <p:extLst>
+      <p:ext uri="{BB962C8B-B14F-4D97-AF65-F5344CB8AC3E}">
+        <p14:creationId xmlns:p14="http://schemas.microsoft.com/office/powerpoint/2010/main" val="3024654720"/>
       </p:ext>
     </p:extLst>
   </p:cSld>
@@ -6945,6 +7089,12 @@
             </a:r>
           </a:p>
           <a:p>
+            <a:r>
+              <a:rPr lang="en-US" dirty="0"/>
+              <a:t>Not designed for large (&gt; 1MB) data sets</a:t>
+            </a:r>
+          </a:p>
+          <a:p>
             <a:endParaRPr lang="en-US" dirty="0"/>
           </a:p>
           <a:p>
@@ -7062,13 +7212,6 @@
             </a:r>
           </a:p>
           <a:p>
-            <a:pPr lvl="1"/>
-            <a:r>
-              <a:rPr lang="en-US" dirty="0"/>
-              <a:t>Presentation examples use proto3</a:t>
-            </a:r>
-          </a:p>
-          <a:p>
             <a:r>
               <a:rPr lang="en-US" dirty="0"/>
               <a:t>Proto2 support to continue “for a long time”</a:t>
@@ -7078,11 +7221,7 @@
             <a:pPr lvl="1"/>
             <a:r>
               <a:rPr lang="en-US" dirty="0"/>
-              <a:t>Used in demo code due to dependence on </a:t>
-            </a:r>
-            <a:r>
-              <a:rPr lang="en-US" b="1" dirty="0" err="1"/>
-              <a:t>nanopb</a:t>
+              <a:t>Don’t use it, even though a lot of the docs still have examples in it!</a:t>
             </a:r>
             <a:endParaRPr lang="en-US" b="1" dirty="0"/>
           </a:p>

--- a/PythonProtobufPyOhio2017.pptx
+++ b/PythonProtobufPyOhio2017.pptx
@@ -6299,14 +6299,62 @@
         <p:spPr/>
         <p:txBody>
           <a:bodyPr>
-            <a:normAutofit/>
+            <a:normAutofit lnSpcReduction="10000"/>
           </a:bodyPr>
           <a:lstStyle/>
           <a:p>
+            <a:r>
+              <a:rPr lang="en-US" dirty="0"/>
+              <a:t>Numeric tags cannot change once deployed; rename field or use </a:t>
+            </a:r>
+            <a:r>
+              <a:rPr lang="en-US" b="1" dirty="0"/>
+              <a:t>reserved</a:t>
+            </a:r>
+            <a:r>
+              <a:rPr lang="en-US" dirty="0"/>
+              <a:t> keyword</a:t>
+            </a:r>
+          </a:p>
+          <a:p>
+            <a:r>
+              <a:rPr lang="en-US" dirty="0"/>
+              <a:t>Added fields are ignored by clients still using “old” format</a:t>
+            </a:r>
+          </a:p>
+          <a:p>
+            <a:r>
+              <a:rPr lang="en-US" dirty="0"/>
+              <a:t>Removed fields sent by “old” format clients are ignored by “new” clients</a:t>
+            </a:r>
+          </a:p>
+          <a:p>
+            <a:r>
+              <a:rPr lang="en-US" dirty="0"/>
+              <a:t>Some types are forward- and backward-compatible</a:t>
+            </a:r>
+          </a:p>
+          <a:p>
             <a:pPr marL="0" indent="0">
               <a:buNone/>
             </a:pPr>
             <a:endParaRPr lang="en-US" dirty="0"/>
+          </a:p>
+          <a:p>
+            <a:r>
+              <a:rPr lang="en-US" sz="1700" dirty="0"/>
+              <a:t>See </a:t>
+            </a:r>
+            <a:r>
+              <a:rPr lang="en-US" sz="1700" dirty="0">
+                <a:hlinkClick r:id="rId2"/>
+              </a:rPr>
+              <a:t>https://developers.google.com/protocol-buffers/docs/proto3#updating</a:t>
+            </a:r>
+            <a:r>
+              <a:rPr lang="en-US" sz="1700" dirty="0"/>
+              <a:t> for more details</a:t>
+            </a:r>
           </a:p>
         </p:txBody>
       </p:sp>

--- a/PythonProtobufPyOhio2017.pptx
+++ b/PythonProtobufPyOhio2017.pptx
@@ -257,7 +257,7 @@
           <a:p>
             <a:fld id="{BEA74EB7-856E-45FD-83F0-5F7C6F3E4372}" type="datetimeFigureOut">
               <a:rPr lang="en-US"/>
-              <a:t>7/22/2017</a:t>
+              <a:t>2017-07-26</a:t>
             </a:fld>
             <a:endParaRPr dirty="0"/>
           </a:p>
@@ -422,7 +422,7 @@
           <a:p>
             <a:fld id="{C61B0E40-8125-41F8-BB6C-139D8D531A4F}" type="datetimeFigureOut">
               <a:rPr lang="en-US"/>
-              <a:t>7/22/2017</a:t>
+              <a:t>2017-07-26</a:t>
             </a:fld>
             <a:endParaRPr dirty="0"/>
           </a:p>
@@ -1253,7 +1253,7 @@
           <a:p>
             <a:fld id="{333B76B7-5811-4114-8A95-998148FFD529}" type="datetime1">
               <a:rPr lang="en-US" smtClean="0"/>
-              <a:t>7/22/2017</a:t>
+              <a:t>2017-07-26</a:t>
             </a:fld>
             <a:endParaRPr lang="en-US" dirty="0"/>
           </a:p>
@@ -1532,7 +1532,7 @@
           <a:p>
             <a:fld id="{175C077A-EF7A-41AA-8976-110EB7416C60}" type="datetime1">
               <a:rPr lang="en-US" smtClean="0"/>
-              <a:t>7/22/2017</a:t>
+              <a:t>2017-07-26</a:t>
             </a:fld>
             <a:endParaRPr lang="en-US" dirty="0"/>
           </a:p>
@@ -1731,7 +1731,7 @@
           <a:p>
             <a:fld id="{CFF5912B-6681-4BDF-AE10-F59636249FF3}" type="datetime1">
               <a:rPr lang="en-US" smtClean="0"/>
-              <a:t>7/22/2017</a:t>
+              <a:t>2017-07-26</a:t>
             </a:fld>
             <a:endParaRPr lang="en-US" dirty="0"/>
           </a:p>
@@ -1940,7 +1940,7 @@
           <a:p>
             <a:fld id="{905C8E22-D0BA-4CB4-9C32-B27533199514}" type="datetime1">
               <a:rPr lang="en-US" smtClean="0"/>
-              <a:t>7/22/2017</a:t>
+              <a:t>2017-07-26</a:t>
             </a:fld>
             <a:endParaRPr dirty="0"/>
           </a:p>
@@ -2129,7 +2129,7 @@
           <a:p>
             <a:fld id="{FC2180A9-7A83-412D-A8AC-5AF60A8AA507}" type="datetime1">
               <a:rPr lang="en-US" smtClean="0"/>
-              <a:t>7/22/2017</a:t>
+              <a:t>2017-07-26</a:t>
             </a:fld>
             <a:endParaRPr lang="en-US" dirty="0"/>
           </a:p>
@@ -2326,7 +2326,7 @@
           <a:p>
             <a:fld id="{6A563DF0-FDDF-4143-9D8C-6AF41892E174}" type="datetime1">
               <a:rPr lang="en-US" smtClean="0"/>
-              <a:t>7/22/2017</a:t>
+              <a:t>2017-07-26</a:t>
             </a:fld>
             <a:endParaRPr lang="en-US" dirty="0"/>
           </a:p>
@@ -2606,7 +2606,7 @@
           <a:p>
             <a:fld id="{38BB83F9-4677-4C31-8407-7919061A580B}" type="datetime1">
               <a:rPr lang="en-US" smtClean="0"/>
-              <a:t>7/22/2017</a:t>
+              <a:t>2017-07-26</a:t>
             </a:fld>
             <a:endParaRPr lang="en-US" dirty="0"/>
           </a:p>
@@ -2911,7 +2911,7 @@
           <a:p>
             <a:fld id="{C33939A6-3450-434F-A872-BEE63F7EB093}" type="datetime1">
               <a:rPr lang="en-US" smtClean="0"/>
-              <a:t>7/22/2017</a:t>
+              <a:t>2017-07-26</a:t>
             </a:fld>
             <a:endParaRPr lang="en-US" dirty="0"/>
           </a:p>
@@ -3360,7 +3360,7 @@
           <a:p>
             <a:fld id="{E3BABB1C-FA00-4171-BA31-4C5E719472F3}" type="datetime1">
               <a:rPr lang="en-US" smtClean="0"/>
-              <a:t>7/22/2017</a:t>
+              <a:t>2017-07-26</a:t>
             </a:fld>
             <a:endParaRPr lang="en-US" dirty="0"/>
           </a:p>
@@ -3641,7 +3641,7 @@
           <a:p>
             <a:fld id="{D76C8610-5B57-4C6B-BF9F-F5397A1F60B8}" type="datetime1">
               <a:rPr lang="en-US" smtClean="0"/>
-              <a:t>7/22/2017</a:t>
+              <a:t>2017-07-26</a:t>
             </a:fld>
             <a:endParaRPr lang="en-US" dirty="0"/>
           </a:p>
@@ -3796,7 +3796,7 @@
           <a:p>
             <a:fld id="{BADBF3DD-8B6D-46AA-BCA9-242D4EF63DDF}" type="datetime1">
               <a:rPr lang="en-US" smtClean="0"/>
-              <a:t>7/22/2017</a:t>
+              <a:t>2017-07-26</a:t>
             </a:fld>
             <a:endParaRPr lang="en-US" dirty="0"/>
           </a:p>
@@ -4142,7 +4142,7 @@
           <a:p>
             <a:fld id="{23C41AE9-3D4A-4A08-B03D-DC6D2ADF5464}" type="datetime1">
               <a:rPr lang="en-US" smtClean="0"/>
-              <a:t>7/22/2017</a:t>
+              <a:t>2017-07-26</a:t>
             </a:fld>
             <a:endParaRPr lang="en-US" dirty="0"/>
           </a:p>
@@ -4815,7 +4815,7 @@
           <a:p>
             <a:fld id="{5C6E67D0-0200-42BE-A0B2-78C70FBBB312}" type="datetime1">
               <a:rPr lang="en-US" smtClean="0"/>
-              <a:t>7/22/2017</a:t>
+              <a:t>2017-07-26</a:t>
             </a:fld>
             <a:endParaRPr lang="en-US" dirty="0"/>
           </a:p>
@@ -5443,6 +5443,13 @@
       </p:transition>
     </mc:Fallback>
   </mc:AlternateContent>
+  <p:timing>
+    <p:tnLst>
+      <p:par>
+        <p:cTn id="1" dur="indefinite" restart="never" nodeType="tmRoot"/>
+      </p:par>
+    </p:tnLst>
+  </p:timing>
 </p:sld>
 </file>
 
@@ -6170,7 +6177,7 @@
           <p:cNvPr id="7" name="Picture 6">
             <a:extLst>
               <a:ext uri="{FF2B5EF4-FFF2-40B4-BE49-F238E27FC236}">
-                <a16:creationId xmlns:a16="http://schemas.microsoft.com/office/drawing/2014/main" id="{261AA85A-88AE-4A20-97E2-189C6A0B7B67}"/>
+                <a16:creationId xmlns:a16="http://schemas.microsoft.com/office/drawing/2014/main" xmlns="" id="{261AA85A-88AE-4A20-97E2-189C6A0B7B67}"/>
               </a:ext>
             </a:extLst>
           </p:cNvPr>
@@ -6206,7 +6213,7 @@
           <p:cNvPr id="8" name="TextBox 7">
             <a:extLst>
               <a:ext uri="{FF2B5EF4-FFF2-40B4-BE49-F238E27FC236}">
-                <a16:creationId xmlns:a16="http://schemas.microsoft.com/office/drawing/2014/main" id="{A1A26C15-9E35-415D-8D27-B7EF0E7623C7}"/>
+                <a16:creationId xmlns:a16="http://schemas.microsoft.com/office/drawing/2014/main" xmlns="" id="{A1A26C15-9E35-415D-8D27-B7EF0E7623C7}"/>
               </a:ext>
             </a:extLst>
           </p:cNvPr>
@@ -6439,9 +6446,65 @@
           </a:bodyPr>
           <a:lstStyle/>
           <a:p>
-            <a:pPr marL="0" indent="0">
-              <a:buNone/>
-            </a:pPr>
+            <a:r>
+              <a:rPr lang="en-US" dirty="0" smtClean="0"/>
+              <a:t>For integers: </a:t>
+            </a:r>
+            <a:r>
+              <a:rPr lang="en-US" b="1" dirty="0" err="1" smtClean="0"/>
+              <a:t>varints</a:t>
+            </a:r>
+            <a:r>
+              <a:rPr lang="en-US" dirty="0"/>
+              <a:t> </a:t>
+            </a:r>
+            <a:r>
+              <a:rPr lang="en-US" dirty="0" smtClean="0"/>
+              <a:t>and </a:t>
+            </a:r>
+            <a:r>
+              <a:rPr lang="en-US" dirty="0" err="1" smtClean="0"/>
+              <a:t>ZigZag</a:t>
+            </a:r>
+            <a:r>
+              <a:rPr lang="en-US" dirty="0" smtClean="0"/>
+              <a:t> encoding</a:t>
+            </a:r>
+          </a:p>
+          <a:p>
+            <a:pPr lvl="1"/>
+            <a:r>
+              <a:rPr lang="en-US" dirty="0" smtClean="0"/>
+              <a:t>Smaller values -&gt; shorter encoding</a:t>
+            </a:r>
+          </a:p>
+          <a:p>
+            <a:r>
+              <a:rPr lang="en-US" dirty="0" smtClean="0"/>
+              <a:t>Select data type based on expected value ranges</a:t>
+            </a:r>
+          </a:p>
+          <a:p>
+            <a:pPr lvl="1"/>
+            <a:r>
+              <a:rPr lang="en-US" dirty="0" smtClean="0"/>
+              <a:t>Using int32 or int64 for negative values is very inefficient—10 bytes each!</a:t>
+            </a:r>
+          </a:p>
+          <a:p>
+            <a:pPr lvl="1"/>
+            <a:r>
+              <a:rPr lang="en-US" dirty="0" smtClean="0"/>
+              <a:t>double &amp; fixed64 always 8 bytes; float &amp; fixed32 always 4 bytes</a:t>
+            </a:r>
+          </a:p>
+          <a:p>
+            <a:r>
+              <a:rPr lang="en-US" dirty="0" smtClean="0"/>
+              <a:t>Frequently-used fields should have lower tags (magic numbers: 15, 2047)</a:t>
+            </a:r>
+          </a:p>
+          <a:p>
             <a:endParaRPr lang="en-US" dirty="0"/>
           </a:p>
         </p:txBody>
@@ -6537,7 +6600,7 @@
           <p:cNvPr id="7" name="Picture 6">
             <a:extLst>
               <a:ext uri="{FF2B5EF4-FFF2-40B4-BE49-F238E27FC236}">
-                <a16:creationId xmlns:a16="http://schemas.microsoft.com/office/drawing/2014/main" id="{261AA85A-88AE-4A20-97E2-189C6A0B7B67}"/>
+                <a16:creationId xmlns:a16="http://schemas.microsoft.com/office/drawing/2014/main" xmlns="" id="{261AA85A-88AE-4A20-97E2-189C6A0B7B67}"/>
               </a:ext>
             </a:extLst>
           </p:cNvPr>
@@ -6573,7 +6636,7 @@
           <p:cNvPr id="4" name="Picture 3">
             <a:extLst>
               <a:ext uri="{FF2B5EF4-FFF2-40B4-BE49-F238E27FC236}">
-                <a16:creationId xmlns:a16="http://schemas.microsoft.com/office/drawing/2014/main" id="{FE7388A0-34A7-45DC-B5CF-067B0C42219E}"/>
+                <a16:creationId xmlns:a16="http://schemas.microsoft.com/office/drawing/2014/main" xmlns="" id="{FE7388A0-34A7-45DC-B5CF-067B0C42219E}"/>
               </a:ext>
             </a:extLst>
           </p:cNvPr>
@@ -6626,6 +6689,13 @@
       </p:transition>
     </mc:Fallback>
   </mc:AlternateContent>
+  <p:timing>
+    <p:tnLst>
+      <p:par>
+        <p:cTn id="1" dur="indefinite" restart="never" nodeType="tmRoot"/>
+      </p:par>
+    </p:tnLst>
+  </p:timing>
 </p:sld>
 </file>
 
@@ -6648,30 +6718,6 @@
       </p:grpSpPr>
       <p:sp>
         <p:nvSpPr>
-          <p:cNvPr id="2" name="Content Placeholder 1"/>
-          <p:cNvSpPr>
-            <a:spLocks noGrp="1"/>
-          </p:cNvSpPr>
-          <p:nvPr>
-            <p:ph idx="1"/>
-          </p:nvPr>
-        </p:nvSpPr>
-        <p:spPr/>
-        <p:txBody>
-          <a:bodyPr>
-            <a:normAutofit/>
-          </a:bodyPr>
-          <a:lstStyle/>
-          <a:p>
-            <a:pPr marL="0" indent="0">
-              <a:buNone/>
-            </a:pPr>
-            <a:endParaRPr lang="en-US" dirty="0"/>
-          </a:p>
-        </p:txBody>
-      </p:sp>
-      <p:sp>
-        <p:nvSpPr>
           <p:cNvPr id="3" name="Title 2"/>
           <p:cNvSpPr>
             <a:spLocks noGrp="1"/>
@@ -6697,7 +6743,7 @@
           <p:cNvPr id="6" name="Oval 5">
             <a:extLst>
               <a:ext uri="{FF2B5EF4-FFF2-40B4-BE49-F238E27FC236}">
-                <a16:creationId xmlns:a16="http://schemas.microsoft.com/office/drawing/2014/main" id="{A22E9DF9-EA6B-454A-A2C3-876ACEDB20B5}"/>
+                <a16:creationId xmlns:a16="http://schemas.microsoft.com/office/drawing/2014/main" xmlns="" id="{A22E9DF9-EA6B-454A-A2C3-876ACEDB20B5}"/>
               </a:ext>
             </a:extLst>
           </p:cNvPr>
@@ -6706,14 +6752,14 @@
         </p:nvSpPr>
         <p:spPr>
           <a:xfrm>
-            <a:off x="3579812" y="2420232"/>
+            <a:off x="3694112" y="1876768"/>
             <a:ext cx="2667000" cy="2667000"/>
           </a:xfrm>
           <a:prstGeom prst="ellipse">
             <a:avLst/>
           </a:prstGeom>
           <a:solidFill>
-            <a:srgbClr val="E2E482">
+            <a:srgbClr val="FFC000">
               <a:alpha val="50196"/>
             </a:srgbClr>
           </a:solidFill>
@@ -6748,7 +6794,7 @@
           <p:cNvPr id="8" name="Oval 7">
             <a:extLst>
               <a:ext uri="{FF2B5EF4-FFF2-40B4-BE49-F238E27FC236}">
-                <a16:creationId xmlns:a16="http://schemas.microsoft.com/office/drawing/2014/main" id="{CCE74306-C872-4285-9479-6E82205013FB}"/>
+                <a16:creationId xmlns:a16="http://schemas.microsoft.com/office/drawing/2014/main" xmlns="" id="{CCE74306-C872-4285-9479-6E82205013FB}"/>
               </a:ext>
             </a:extLst>
           </p:cNvPr>
@@ -6757,14 +6803,99 @@
         </p:nvSpPr>
         <p:spPr>
           <a:xfrm>
-            <a:off x="5256212" y="2344032"/>
+            <a:off x="4989512" y="1810631"/>
             <a:ext cx="2743200" cy="2743200"/>
           </a:xfrm>
           <a:prstGeom prst="ellipse">
             <a:avLst/>
           </a:prstGeom>
           <a:solidFill>
-            <a:srgbClr val="7EE8A6">
+            <a:schemeClr val="accent2">
+              <a:lumMod val="75000"/>
+              <a:alpha val="50196"/>
+            </a:schemeClr>
+          </a:solidFill>
+        </p:spPr>
+        <p:style>
+          <a:lnRef idx="2">
+            <a:schemeClr val="accent1">
+              <a:shade val="50000"/>
+            </a:schemeClr>
+          </a:lnRef>
+          <a:fillRef idx="1">
+            <a:schemeClr val="accent1"/>
+          </a:fillRef>
+          <a:effectRef idx="0">
+            <a:schemeClr val="accent1"/>
+          </a:effectRef>
+          <a:fontRef idx="minor">
+            <a:schemeClr val="lt1"/>
+          </a:fontRef>
+        </p:style>
+        <p:txBody>
+          <a:bodyPr rtlCol="0" anchor="ctr"/>
+          <a:lstStyle/>
+          <a:p>
+            <a:pPr algn="ctr"/>
+            <a:endParaRPr lang="en-US"/>
+          </a:p>
+        </p:txBody>
+      </p:sp>
+      <p:sp>
+        <p:nvSpPr>
+          <p:cNvPr id="4" name="TextBox 3"/>
+          <p:cNvSpPr txBox="1"/>
+          <p:nvPr/>
+        </p:nvSpPr>
+        <p:spPr>
+          <a:xfrm>
+            <a:off x="3642222" y="2812899"/>
+            <a:ext cx="1365650" cy="369332"/>
+          </a:xfrm>
+          <a:prstGeom prst="rect">
+            <a:avLst/>
+          </a:prstGeom>
+          <a:noFill/>
+          <a:ln>
+            <a:noFill/>
+          </a:ln>
+        </p:spPr>
+        <p:txBody>
+          <a:bodyPr wrap="square" rtlCol="0" anchor="ctr" anchorCtr="1">
+            <a:spAutoFit/>
+          </a:bodyPr>
+          <a:lstStyle/>
+          <a:p>
+            <a:pPr algn="ctr"/>
+            <a:r>
+              <a:rPr lang="en-US" dirty="0" smtClean="0"/>
+              <a:t>What I Said</a:t>
+            </a:r>
+          </a:p>
+        </p:txBody>
+      </p:sp>
+      <p:sp>
+        <p:nvSpPr>
+          <p:cNvPr id="9" name="Oval 8">
+            <a:extLst>
+              <a:ext uri="{FF2B5EF4-FFF2-40B4-BE49-F238E27FC236}">
+                <a16:creationId xmlns:a16="http://schemas.microsoft.com/office/drawing/2014/main" xmlns="" id="{A22E9DF9-EA6B-454A-A2C3-876ACEDB20B5}"/>
+              </a:ext>
+            </a:extLst>
+          </p:cNvPr>
+          <p:cNvSpPr/>
+          <p:nvPr/>
+        </p:nvSpPr>
+        <p:spPr>
+          <a:xfrm>
+            <a:off x="4336365" y="2868743"/>
+            <a:ext cx="2667000" cy="2667000"/>
+          </a:xfrm>
+          <a:prstGeom prst="ellipse">
+            <a:avLst/>
+          </a:prstGeom>
+          <a:solidFill>
+            <a:srgbClr val="7030A0">
               <a:alpha val="50196"/>
             </a:srgbClr>
           </a:solidFill>
@@ -6790,7 +6921,267 @@
           <a:lstStyle/>
           <a:p>
             <a:pPr algn="ctr"/>
-            <a:endParaRPr lang="en-US"/>
+            <a:endParaRPr lang="en-US" dirty="0"/>
+          </a:p>
+        </p:txBody>
+      </p:sp>
+      <p:sp>
+        <p:nvSpPr>
+          <p:cNvPr id="5" name="TextBox 4"/>
+          <p:cNvSpPr txBox="1"/>
+          <p:nvPr/>
+        </p:nvSpPr>
+        <p:spPr>
+          <a:xfrm>
+            <a:off x="4762116" y="4712458"/>
+            <a:ext cx="1826392" cy="369332"/>
+          </a:xfrm>
+          <a:prstGeom prst="rect">
+            <a:avLst/>
+          </a:prstGeom>
+          <a:noFill/>
+          <a:ln>
+            <a:noFill/>
+          </a:ln>
+        </p:spPr>
+        <p:txBody>
+          <a:bodyPr wrap="square" rtlCol="0" anchor="ctr" anchorCtr="1">
+            <a:spAutoFit/>
+          </a:bodyPr>
+          <a:lstStyle/>
+          <a:p>
+            <a:pPr algn="ctr"/>
+            <a:r>
+              <a:rPr lang="en-US" dirty="0" smtClean="0"/>
+              <a:t>What I Meant</a:t>
+            </a:r>
+            <a:endParaRPr lang="en-US" dirty="0" smtClean="0"/>
+          </a:p>
+        </p:txBody>
+      </p:sp>
+      <p:sp>
+        <p:nvSpPr>
+          <p:cNvPr id="10" name="TextBox 9"/>
+          <p:cNvSpPr txBox="1"/>
+          <p:nvPr/>
+        </p:nvSpPr>
+        <p:spPr>
+          <a:xfrm>
+            <a:off x="6166462" y="2552053"/>
+            <a:ext cx="1541940" cy="646331"/>
+          </a:xfrm>
+          <a:prstGeom prst="rect">
+            <a:avLst/>
+          </a:prstGeom>
+          <a:noFill/>
+          <a:ln>
+            <a:noFill/>
+          </a:ln>
+        </p:spPr>
+        <p:txBody>
+          <a:bodyPr wrap="square" rtlCol="0" anchor="ctr" anchorCtr="1">
+            <a:spAutoFit/>
+          </a:bodyPr>
+          <a:lstStyle/>
+          <a:p>
+            <a:pPr algn="ctr"/>
+            <a:r>
+              <a:rPr lang="en-US" dirty="0" smtClean="0"/>
+              <a:t>What You Learned</a:t>
+            </a:r>
+            <a:endParaRPr lang="en-US" dirty="0" smtClean="0"/>
+          </a:p>
+        </p:txBody>
+      </p:sp>
+      <p:sp>
+        <p:nvSpPr>
+          <p:cNvPr id="12" name="TextBox 11"/>
+          <p:cNvSpPr txBox="1"/>
+          <p:nvPr/>
+        </p:nvSpPr>
+        <p:spPr>
+          <a:xfrm>
+            <a:off x="5709556" y="4097197"/>
+            <a:ext cx="1490544" cy="307777"/>
+          </a:xfrm>
+          <a:prstGeom prst="rect">
+            <a:avLst/>
+          </a:prstGeom>
+          <a:noFill/>
+          <a:ln>
+            <a:noFill/>
+          </a:ln>
+        </p:spPr>
+        <p:txBody>
+          <a:bodyPr wrap="square" rtlCol="0" anchor="ctr" anchorCtr="1">
+            <a:spAutoFit/>
+          </a:bodyPr>
+          <a:lstStyle/>
+          <a:p>
+            <a:pPr algn="ctr"/>
+            <a:r>
+              <a:rPr lang="en-US" sz="1400" dirty="0" smtClean="0">
+                <a:solidFill>
+                  <a:schemeClr val="accent5">
+                    <a:lumMod val="20000"/>
+                    <a:lumOff val="80000"/>
+                  </a:schemeClr>
+                </a:solidFill>
+              </a:rPr>
+              <a:t>Clairvoyance</a:t>
+            </a:r>
+            <a:endParaRPr lang="en-US" sz="1400" dirty="0" smtClean="0">
+              <a:solidFill>
+                <a:schemeClr val="accent5">
+                  <a:lumMod val="20000"/>
+                  <a:lumOff val="80000"/>
+                </a:schemeClr>
+              </a:solidFill>
+            </a:endParaRPr>
+          </a:p>
+        </p:txBody>
+      </p:sp>
+      <p:sp>
+        <p:nvSpPr>
+          <p:cNvPr id="14" name="TextBox 13"/>
+          <p:cNvSpPr txBox="1"/>
+          <p:nvPr/>
+        </p:nvSpPr>
+        <p:spPr>
+          <a:xfrm>
+            <a:off x="4314874" y="3789759"/>
+            <a:ext cx="1035569" cy="523220"/>
+          </a:xfrm>
+          <a:prstGeom prst="rect">
+            <a:avLst/>
+          </a:prstGeom>
+          <a:noFill/>
+          <a:ln>
+            <a:noFill/>
+          </a:ln>
+        </p:spPr>
+        <p:txBody>
+          <a:bodyPr wrap="square" rtlCol="0" anchor="ctr" anchorCtr="1">
+            <a:spAutoFit/>
+          </a:bodyPr>
+          <a:lstStyle/>
+          <a:p>
+            <a:pPr algn="ctr"/>
+            <a:r>
+              <a:rPr lang="en-US" sz="1400" dirty="0" smtClean="0">
+                <a:solidFill>
+                  <a:schemeClr val="accent5">
+                    <a:lumMod val="20000"/>
+                    <a:lumOff val="80000"/>
+                  </a:schemeClr>
+                </a:solidFill>
+              </a:rPr>
+              <a:t>Packet Dropped</a:t>
+            </a:r>
+            <a:endParaRPr lang="en-US" sz="1400" dirty="0" smtClean="0">
+              <a:solidFill>
+                <a:schemeClr val="accent5">
+                  <a:lumMod val="20000"/>
+                  <a:lumOff val="80000"/>
+                </a:schemeClr>
+              </a:solidFill>
+            </a:endParaRPr>
+          </a:p>
+        </p:txBody>
+      </p:sp>
+      <p:sp>
+        <p:nvSpPr>
+          <p:cNvPr id="15" name="TextBox 14"/>
+          <p:cNvSpPr txBox="1"/>
+          <p:nvPr/>
+        </p:nvSpPr>
+        <p:spPr>
+          <a:xfrm>
+            <a:off x="5081436" y="2312455"/>
+            <a:ext cx="1169819" cy="523220"/>
+          </a:xfrm>
+          <a:prstGeom prst="rect">
+            <a:avLst/>
+          </a:prstGeom>
+          <a:noFill/>
+          <a:ln>
+            <a:noFill/>
+          </a:ln>
+        </p:spPr>
+        <p:txBody>
+          <a:bodyPr wrap="square" rtlCol="0" anchor="ctr" anchorCtr="1">
+            <a:spAutoFit/>
+          </a:bodyPr>
+          <a:lstStyle/>
+          <a:p>
+            <a:pPr algn="ctr"/>
+            <a:r>
+              <a:rPr lang="en-US" sz="1400" dirty="0" smtClean="0">
+                <a:solidFill>
+                  <a:schemeClr val="accent5">
+                    <a:lumMod val="20000"/>
+                    <a:lumOff val="80000"/>
+                  </a:schemeClr>
+                </a:solidFill>
+              </a:rPr>
+              <a:t>502 Bad Gateway</a:t>
+            </a:r>
+            <a:endParaRPr lang="en-US" sz="1400" dirty="0" smtClean="0">
+              <a:solidFill>
+                <a:schemeClr val="accent5">
+                  <a:lumMod val="20000"/>
+                  <a:lumOff val="80000"/>
+                </a:schemeClr>
+              </a:solidFill>
+            </a:endParaRPr>
+          </a:p>
+        </p:txBody>
+      </p:sp>
+      <p:sp>
+        <p:nvSpPr>
+          <p:cNvPr id="16" name="TextBox 15"/>
+          <p:cNvSpPr txBox="1"/>
+          <p:nvPr/>
+        </p:nvSpPr>
+        <p:spPr>
+          <a:xfrm>
+            <a:off x="4957082" y="3295025"/>
+            <a:ext cx="1490544" cy="307777"/>
+          </a:xfrm>
+          <a:prstGeom prst="rect">
+            <a:avLst/>
+          </a:prstGeom>
+          <a:noFill/>
+          <a:ln>
+            <a:noFill/>
+          </a:ln>
+        </p:spPr>
+        <p:txBody>
+          <a:bodyPr wrap="square" rtlCol="0" anchor="ctr" anchorCtr="1">
+            <a:spAutoFit/>
+          </a:bodyPr>
+          <a:lstStyle/>
+          <a:p>
+            <a:pPr algn="ctr"/>
+            <a:r>
+              <a:rPr lang="en-US" sz="1400" dirty="0" smtClean="0">
+                <a:solidFill>
+                  <a:schemeClr val="accent5">
+                    <a:lumMod val="20000"/>
+                    <a:lumOff val="80000"/>
+                  </a:schemeClr>
+                </a:solidFill>
+              </a:rPr>
+              <a:t>Aww Yeah!</a:t>
+            </a:r>
+            <a:endParaRPr lang="en-US" sz="1400" dirty="0" smtClean="0">
+              <a:solidFill>
+                <a:schemeClr val="accent5">
+                  <a:lumMod val="20000"/>
+                  <a:lumOff val="80000"/>
+                </a:schemeClr>
+              </a:solidFill>
+            </a:endParaRPr>
           </a:p>
         </p:txBody>
       </p:sp>
@@ -6816,6 +7207,13 @@
       </p:transition>
     </mc:Fallback>
   </mc:AlternateContent>
+  <p:timing>
+    <p:tnLst>
+      <p:par>
+        <p:cTn id="1" dur="indefinite" restart="never" nodeType="tmRoot"/>
+      </p:par>
+    </p:tnLst>
+  </p:timing>
 </p:sld>
 </file>
 
@@ -6885,32 +7283,66 @@
               <a:buNone/>
             </a:pPr>
             <a:r>
+              <a:rPr lang="en-US" dirty="0" err="1" smtClean="0"/>
+              <a:t>nanopb</a:t>
+            </a:r>
+            <a:r>
+              <a:rPr lang="en-US" dirty="0" smtClean="0"/>
+              <a:t> (embedded </a:t>
+            </a:r>
+            <a:r>
               <a:rPr lang="en-US" dirty="0"/>
-              <a:t>Code &amp; Slides: </a:t>
+              <a:t>C generator): </a:t>
             </a:r>
             <a:r>
               <a:rPr lang="en-US" dirty="0">
                 <a:hlinkClick r:id="rId3"/>
               </a:rPr>
-              <a:t>https://github.com/kerchen/PyOhioProtobuf</a:t>
-            </a:r>
-            <a:endParaRPr lang="en-US" dirty="0"/>
+              <a:t>https://</a:t>
+            </a:r>
+            <a:r>
+              <a:rPr lang="en-US" dirty="0" smtClean="0">
+                <a:hlinkClick r:id="rId3"/>
+              </a:rPr>
+              <a:t>github.com/nanopb/nanopb</a:t>
+            </a:r>
+            <a:endParaRPr lang="en-US" dirty="0" smtClean="0"/>
           </a:p>
           <a:p>
             <a:pPr marL="0" indent="0">
               <a:buNone/>
             </a:pPr>
             <a:r>
+              <a:rPr lang="en-US" dirty="0" smtClean="0"/>
+              <a:t>Presentation </a:t>
+            </a:r>
+            <a:r>
+              <a:rPr lang="en-US" dirty="0" smtClean="0"/>
+              <a:t>Materials: </a:t>
+            </a:r>
+            <a:r>
+              <a:rPr lang="en-US" dirty="0">
+                <a:hlinkClick r:id="rId4"/>
+              </a:rPr>
+              <a:t>https://github.com/kerchen/PyOhioProtobuf</a:t>
+            </a:r>
+            <a:endParaRPr lang="en-US" dirty="0"/>
+          </a:p>
+          <a:p>
+            <a:pPr marL="0" indent="0">
+              <a:buNone/>
+            </a:pPr>
+            <a:r>
               <a:rPr lang="en-US" dirty="0"/>
-              <a:t>Contact Paul </a:t>
-            </a:r>
-            <a:r>
-              <a:rPr lang="en-US" dirty="0" err="1"/>
-              <a:t>Kerchen</a:t>
+              <a:t>Contact </a:t>
+            </a:r>
+            <a:r>
+              <a:rPr lang="en-US" dirty="0" smtClean="0"/>
+              <a:t>Me: </a:t>
             </a:r>
             <a:r>
               <a:rPr lang="en-US" dirty="0"/>
-              <a:t>: paul@whirlingchair.com</a:t>
+              <a:t>paul@whirlingchair.com</a:t>
             </a:r>
           </a:p>
         </p:txBody>
@@ -6959,6 +7391,13 @@
       </p:transition>
     </mc:Fallback>
   </mc:AlternateContent>
+  <p:timing>
+    <p:tnLst>
+      <p:par>
+        <p:cTn id="1" dur="indefinite" restart="never" nodeType="tmRoot"/>
+      </p:par>
+    </p:tnLst>
+  </p:timing>
 </p:sld>
 </file>
 
@@ -7078,6 +7517,13 @@
       </p:transition>
     </mc:Fallback>
   </mc:AlternateContent>
+  <p:timing>
+    <p:tnLst>
+      <p:par>
+        <p:cTn id="1" dur="indefinite" restart="never" nodeType="tmRoot"/>
+      </p:par>
+    </p:tnLst>
+  </p:timing>
 </p:sld>
 </file>
 
@@ -7198,6 +7644,13 @@
       </p:transition>
     </mc:Fallback>
   </mc:AlternateContent>
+  <p:timing>
+    <p:tnLst>
+      <p:par>
+        <p:cTn id="1" dur="indefinite" restart="never" nodeType="tmRoot"/>
+      </p:par>
+    </p:tnLst>
+  </p:timing>
 </p:sld>
 </file>
 
@@ -7665,12 +8118,13 @@
           </a:bodyPr>
           <a:lstStyle/>
           <a:p>
-            <a:endParaRPr lang="en-US" dirty="0"/>
-          </a:p>
-          <a:p>
+            <a:r>
+              <a:rPr lang="en-US" dirty="0" smtClean="0"/>
+              <a:t>Most </a:t>
+            </a:r>
             <a:r>
               <a:rPr lang="en-US" dirty="0"/>
-              <a:t>Most have variable-length encoding</a:t>
+              <a:t>have variable-length encoding</a:t>
             </a:r>
           </a:p>
           <a:p>

--- a/PythonProtobufPyOhio2017.pptx
+++ b/PythonProtobufPyOhio2017.pptx
@@ -5,30 +5,36 @@
     <p:sldMasterId id="2147483924" r:id="rId2"/>
   </p:sldMasterIdLst>
   <p:notesMasterIdLst>
-    <p:notesMasterId r:id="rId21"/>
+    <p:notesMasterId r:id="rId27"/>
   </p:notesMasterIdLst>
   <p:handoutMasterIdLst>
-    <p:handoutMasterId r:id="rId22"/>
+    <p:handoutMasterId r:id="rId28"/>
   </p:handoutMasterIdLst>
   <p:sldIdLst>
     <p:sldId id="268" r:id="rId3"/>
     <p:sldId id="269" r:id="rId4"/>
-    <p:sldId id="270" r:id="rId5"/>
-    <p:sldId id="273" r:id="rId6"/>
-    <p:sldId id="271" r:id="rId7"/>
-    <p:sldId id="274" r:id="rId8"/>
-    <p:sldId id="282" r:id="rId9"/>
-    <p:sldId id="280" r:id="rId10"/>
-    <p:sldId id="272" r:id="rId11"/>
-    <p:sldId id="281" r:id="rId12"/>
-    <p:sldId id="275" r:id="rId13"/>
-    <p:sldId id="279" r:id="rId14"/>
-    <p:sldId id="283" r:id="rId15"/>
-    <p:sldId id="285" r:id="rId16"/>
-    <p:sldId id="286" r:id="rId17"/>
-    <p:sldId id="284" r:id="rId18"/>
-    <p:sldId id="287" r:id="rId19"/>
-    <p:sldId id="288" r:id="rId20"/>
+    <p:sldId id="289" r:id="rId5"/>
+    <p:sldId id="294" r:id="rId6"/>
+    <p:sldId id="270" r:id="rId7"/>
+    <p:sldId id="273" r:id="rId8"/>
+    <p:sldId id="271" r:id="rId9"/>
+    <p:sldId id="290" r:id="rId10"/>
+    <p:sldId id="293" r:id="rId11"/>
+    <p:sldId id="292" r:id="rId12"/>
+    <p:sldId id="291" r:id="rId13"/>
+    <p:sldId id="274" r:id="rId14"/>
+    <p:sldId id="282" r:id="rId15"/>
+    <p:sldId id="280" r:id="rId16"/>
+    <p:sldId id="272" r:id="rId17"/>
+    <p:sldId id="281" r:id="rId18"/>
+    <p:sldId id="275" r:id="rId19"/>
+    <p:sldId id="279" r:id="rId20"/>
+    <p:sldId id="283" r:id="rId21"/>
+    <p:sldId id="285" r:id="rId22"/>
+    <p:sldId id="286" r:id="rId23"/>
+    <p:sldId id="284" r:id="rId24"/>
+    <p:sldId id="287" r:id="rId25"/>
+    <p:sldId id="288" r:id="rId26"/>
   </p:sldIdLst>
   <p:sldSz cx="12188825" cy="6858000"/>
   <p:notesSz cx="6858000" cy="9144000"/>
@@ -175,6 +181,10 @@
 </p:presentation>
 </file>
 
+<file path=ppt/revisionInfo.xml><?xml version="1.0" encoding="utf-8"?>
+<p1510:revInfo xmlns:a="http://schemas.openxmlformats.org/drawingml/2006/main" xmlns:r="http://schemas.openxmlformats.org/officeDocument/2006/relationships" xmlns:p1510="http://schemas.microsoft.com/office/powerpoint/2015/10/main"/>
+</file>
+
 <file path=ppt/handoutMasters/handoutMaster1.xml><?xml version="1.0" encoding="utf-8"?>
 <p:handoutMaster xmlns:a="http://schemas.openxmlformats.org/drawingml/2006/main" xmlns:r="http://schemas.openxmlformats.org/officeDocument/2006/relationships" xmlns:p="http://schemas.openxmlformats.org/presentationml/2006/main">
   <p:cSld>
@@ -257,7 +267,7 @@
           <a:p>
             <a:fld id="{BEA74EB7-856E-45FD-83F0-5F7C6F3E4372}" type="datetimeFigureOut">
               <a:rPr lang="en-US"/>
-              <a:t>2017-07-26</a:t>
+              <a:t>7/29/2017</a:t>
             </a:fld>
             <a:endParaRPr dirty="0"/>
           </a:p>
@@ -422,7 +432,7 @@
           <a:p>
             <a:fld id="{C61B0E40-8125-41F8-BB6C-139D8D531A4F}" type="datetimeFigureOut">
               <a:rPr lang="en-US"/>
-              <a:t>2017-07-26</a:t>
+              <a:t>7/29/2017</a:t>
             </a:fld>
             <a:endParaRPr dirty="0"/>
           </a:p>
@@ -854,7 +864,7 @@
           <a:p>
             <a:fld id="{BF105DB2-FD3E-441D-8B7E-7AE83ECE27B3}" type="slidenum">
               <a:rPr lang="en-US" smtClean="0"/>
-              <a:t>9</a:t>
+              <a:t>15</a:t>
             </a:fld>
             <a:endParaRPr lang="en-US" dirty="0"/>
           </a:p>
@@ -1253,7 +1263,7 @@
           <a:p>
             <a:fld id="{333B76B7-5811-4114-8A95-998148FFD529}" type="datetime1">
               <a:rPr lang="en-US" smtClean="0"/>
-              <a:t>2017-07-26</a:t>
+              <a:t>7/29/2017</a:t>
             </a:fld>
             <a:endParaRPr lang="en-US" dirty="0"/>
           </a:p>
@@ -1532,7 +1542,7 @@
           <a:p>
             <a:fld id="{175C077A-EF7A-41AA-8976-110EB7416C60}" type="datetime1">
               <a:rPr lang="en-US" smtClean="0"/>
-              <a:t>2017-07-26</a:t>
+              <a:t>7/29/2017</a:t>
             </a:fld>
             <a:endParaRPr lang="en-US" dirty="0"/>
           </a:p>
@@ -1731,7 +1741,7 @@
           <a:p>
             <a:fld id="{CFF5912B-6681-4BDF-AE10-F59636249FF3}" type="datetime1">
               <a:rPr lang="en-US" smtClean="0"/>
-              <a:t>2017-07-26</a:t>
+              <a:t>7/29/2017</a:t>
             </a:fld>
             <a:endParaRPr lang="en-US" dirty="0"/>
           </a:p>
@@ -1940,7 +1950,7 @@
           <a:p>
             <a:fld id="{905C8E22-D0BA-4CB4-9C32-B27533199514}" type="datetime1">
               <a:rPr lang="en-US" smtClean="0"/>
-              <a:t>2017-07-26</a:t>
+              <a:t>7/29/2017</a:t>
             </a:fld>
             <a:endParaRPr dirty="0"/>
           </a:p>
@@ -2129,7 +2139,7 @@
           <a:p>
             <a:fld id="{FC2180A9-7A83-412D-A8AC-5AF60A8AA507}" type="datetime1">
               <a:rPr lang="en-US" smtClean="0"/>
-              <a:t>2017-07-26</a:t>
+              <a:t>7/29/2017</a:t>
             </a:fld>
             <a:endParaRPr lang="en-US" dirty="0"/>
           </a:p>
@@ -2326,7 +2336,7 @@
           <a:p>
             <a:fld id="{6A563DF0-FDDF-4143-9D8C-6AF41892E174}" type="datetime1">
               <a:rPr lang="en-US" smtClean="0"/>
-              <a:t>2017-07-26</a:t>
+              <a:t>7/29/2017</a:t>
             </a:fld>
             <a:endParaRPr lang="en-US" dirty="0"/>
           </a:p>
@@ -2606,7 +2616,7 @@
           <a:p>
             <a:fld id="{38BB83F9-4677-4C31-8407-7919061A580B}" type="datetime1">
               <a:rPr lang="en-US" smtClean="0"/>
-              <a:t>2017-07-26</a:t>
+              <a:t>7/29/2017</a:t>
             </a:fld>
             <a:endParaRPr lang="en-US" dirty="0"/>
           </a:p>
@@ -2911,7 +2921,7 @@
           <a:p>
             <a:fld id="{C33939A6-3450-434F-A872-BEE63F7EB093}" type="datetime1">
               <a:rPr lang="en-US" smtClean="0"/>
-              <a:t>2017-07-26</a:t>
+              <a:t>7/29/2017</a:t>
             </a:fld>
             <a:endParaRPr lang="en-US" dirty="0"/>
           </a:p>
@@ -3360,7 +3370,7 @@
           <a:p>
             <a:fld id="{E3BABB1C-FA00-4171-BA31-4C5E719472F3}" type="datetime1">
               <a:rPr lang="en-US" smtClean="0"/>
-              <a:t>2017-07-26</a:t>
+              <a:t>7/29/2017</a:t>
             </a:fld>
             <a:endParaRPr lang="en-US" dirty="0"/>
           </a:p>
@@ -3641,7 +3651,7 @@
           <a:p>
             <a:fld id="{D76C8610-5B57-4C6B-BF9F-F5397A1F60B8}" type="datetime1">
               <a:rPr lang="en-US" smtClean="0"/>
-              <a:t>2017-07-26</a:t>
+              <a:t>7/29/2017</a:t>
             </a:fld>
             <a:endParaRPr lang="en-US" dirty="0"/>
           </a:p>
@@ -3796,7 +3806,7 @@
           <a:p>
             <a:fld id="{BADBF3DD-8B6D-46AA-BCA9-242D4EF63DDF}" type="datetime1">
               <a:rPr lang="en-US" smtClean="0"/>
-              <a:t>2017-07-26</a:t>
+              <a:t>7/29/2017</a:t>
             </a:fld>
             <a:endParaRPr lang="en-US" dirty="0"/>
           </a:p>
@@ -4142,7 +4152,7 @@
           <a:p>
             <a:fld id="{23C41AE9-3D4A-4A08-B03D-DC6D2ADF5464}" type="datetime1">
               <a:rPr lang="en-US" smtClean="0"/>
-              <a:t>2017-07-26</a:t>
+              <a:t>7/29/2017</a:t>
             </a:fld>
             <a:endParaRPr lang="en-US" dirty="0"/>
           </a:p>
@@ -4815,7 +4825,7 @@
           <a:p>
             <a:fld id="{5C6E67D0-0200-42BE-A0B2-78C70FBBB312}" type="datetime1">
               <a:rPr lang="en-US" smtClean="0"/>
-              <a:t>2017-07-26</a:t>
+              <a:t>7/29/2017</a:t>
             </a:fld>
             <a:endParaRPr lang="en-US" dirty="0"/>
           </a:p>
@@ -5443,13 +5453,6 @@
       </p:transition>
     </mc:Fallback>
   </mc:AlternateContent>
-  <p:timing>
-    <p:tnLst>
-      <p:par>
-        <p:cTn id="1" dur="indefinite" restart="never" nodeType="tmRoot"/>
-      </p:par>
-    </p:tnLst>
-  </p:timing>
 </p:sld>
 </file>
 
@@ -5470,161 +5473,356 @@
           <a:chExt cx="0" cy="0"/>
         </a:xfrm>
       </p:grpSpPr>
-      <p:sp>
-        <p:nvSpPr>
-          <p:cNvPr id="2" name="Content Placeholder 1"/>
-          <p:cNvSpPr>
-            <a:spLocks noGrp="1"/>
-          </p:cNvSpPr>
+      <p:pic>
+        <p:nvPicPr>
+          <p:cNvPr id="6" name="Content Placeholder 5" descr="Paper">
+            <a:extLst>
+              <a:ext uri="{FF2B5EF4-FFF2-40B4-BE49-F238E27FC236}">
+                <a16:creationId xmlns:a16="http://schemas.microsoft.com/office/drawing/2014/main" id="{ACE90576-FD02-4163-A277-22EC4C5D55BE}"/>
+              </a:ext>
+            </a:extLst>
+          </p:cNvPr>
+          <p:cNvPicPr>
+            <a:picLocks noGrp="1" noChangeAspect="1"/>
+          </p:cNvPicPr>
           <p:nvPr>
             <p:ph idx="1"/>
           </p:nvPr>
-        </p:nvSpPr>
+        </p:nvPicPr>
+        <p:blipFill>
+          <a:blip r:embed="rId2">
+            <a:extLst>
+              <a:ext uri="{28A0092B-C50C-407E-A947-70E740481C1C}">
+                <a14:useLocalDpi xmlns:a14="http://schemas.microsoft.com/office/drawing/2010/main" val="0"/>
+              </a:ext>
+              <a:ext uri="{96DAC541-7B7A-43D3-8B79-37D633B846F1}">
+                <asvg:svgBlip xmlns:asvg="http://schemas.microsoft.com/office/drawing/2016/SVG/main" r:embed="rId3"/>
+              </a:ext>
+            </a:extLst>
+          </a:blip>
+          <a:stretch>
+            <a:fillRect/>
+          </a:stretch>
+        </p:blipFill>
         <p:spPr>
           <a:xfrm>
-            <a:off x="1522876" y="1905000"/>
-            <a:ext cx="9143538" cy="3697465"/>
+            <a:off x="1448343" y="2294105"/>
+            <a:ext cx="1676400" cy="1676400"/>
           </a:xfrm>
         </p:spPr>
-        <p:txBody>
-          <a:bodyPr>
-            <a:normAutofit/>
+      </p:pic>
+      <p:sp>
+        <p:nvSpPr>
+          <p:cNvPr id="3" name="Title 2"/>
+          <p:cNvSpPr>
+            <a:spLocks noGrp="1"/>
+          </p:cNvSpPr>
+          <p:nvPr>
+            <p:ph type="title"/>
+          </p:nvPr>
+        </p:nvSpPr>
+        <p:spPr/>
+        <p:txBody>
+          <a:bodyPr/>
+          <a:lstStyle/>
+          <a:p>
+            <a:r>
+              <a:rPr lang="en-US" dirty="0"/>
+              <a:t>Basic Workflow</a:t>
+            </a:r>
+          </a:p>
+        </p:txBody>
+      </p:sp>
+      <p:pic>
+        <p:nvPicPr>
+          <p:cNvPr id="8" name="Graphic 7" descr="Gears">
+            <a:extLst>
+              <a:ext uri="{FF2B5EF4-FFF2-40B4-BE49-F238E27FC236}">
+                <a16:creationId xmlns:a16="http://schemas.microsoft.com/office/drawing/2014/main" id="{21086CE6-8E5B-4666-AA51-89CAD58ED461}"/>
+              </a:ext>
+            </a:extLst>
+          </p:cNvPr>
+          <p:cNvPicPr>
+            <a:picLocks noChangeAspect="1"/>
+          </p:cNvPicPr>
+          <p:nvPr/>
+        </p:nvPicPr>
+        <p:blipFill>
+          <a:blip r:embed="rId4">
+            <a:extLst>
+              <a:ext uri="{28A0092B-C50C-407E-A947-70E740481C1C}">
+                <a14:useLocalDpi xmlns:a14="http://schemas.microsoft.com/office/drawing/2010/main" val="0"/>
+              </a:ext>
+              <a:ext uri="{96DAC541-7B7A-43D3-8B79-37D633B846F1}">
+                <asvg:svgBlip xmlns:asvg="http://schemas.microsoft.com/office/drawing/2016/SVG/main" r:embed="rId5"/>
+              </a:ext>
+            </a:extLst>
+          </a:blip>
+          <a:stretch>
+            <a:fillRect/>
+          </a:stretch>
+        </p:blipFill>
+        <p:spPr>
+          <a:xfrm>
+            <a:off x="3905599" y="2446505"/>
+            <a:ext cx="1371600" cy="1371600"/>
+          </a:xfrm>
+          <a:prstGeom prst="rect">
+            <a:avLst/>
+          </a:prstGeom>
+        </p:spPr>
+      </p:pic>
+      <p:pic>
+        <p:nvPicPr>
+          <p:cNvPr id="10" name="Graphic 9" descr="Document">
+            <a:extLst>
+              <a:ext uri="{FF2B5EF4-FFF2-40B4-BE49-F238E27FC236}">
+                <a16:creationId xmlns:a16="http://schemas.microsoft.com/office/drawing/2014/main" id="{53486587-881B-4CAB-9FDB-9DFCADB55057}"/>
+              </a:ext>
+            </a:extLst>
+          </p:cNvPr>
+          <p:cNvPicPr>
+            <a:picLocks noChangeAspect="1"/>
+          </p:cNvPicPr>
+          <p:nvPr/>
+        </p:nvPicPr>
+        <p:blipFill>
+          <a:blip r:embed="rId6">
+            <a:extLst>
+              <a:ext uri="{28A0092B-C50C-407E-A947-70E740481C1C}">
+                <a14:useLocalDpi xmlns:a14="http://schemas.microsoft.com/office/drawing/2010/main" val="0"/>
+              </a:ext>
+              <a:ext uri="{96DAC541-7B7A-43D3-8B79-37D633B846F1}">
+                <asvg:svgBlip xmlns:asvg="http://schemas.microsoft.com/office/drawing/2016/SVG/main" r:embed="rId7"/>
+              </a:ext>
+            </a:extLst>
+          </a:blip>
+          <a:stretch>
+            <a:fillRect/>
+          </a:stretch>
+        </p:blipFill>
+        <p:spPr>
+          <a:xfrm>
+            <a:off x="6399212" y="2286000"/>
+            <a:ext cx="1676400" cy="1676400"/>
+          </a:xfrm>
+          <a:prstGeom prst="rect">
+            <a:avLst/>
+          </a:prstGeom>
+        </p:spPr>
+      </p:pic>
+      <p:sp>
+        <p:nvSpPr>
+          <p:cNvPr id="11" name="Arrow: Right 10">
+            <a:extLst>
+              <a:ext uri="{FF2B5EF4-FFF2-40B4-BE49-F238E27FC236}">
+                <a16:creationId xmlns:a16="http://schemas.microsoft.com/office/drawing/2014/main" id="{8BFAB829-5D7D-463D-AC1F-AA5B53E2EEB2}"/>
+              </a:ext>
+            </a:extLst>
+          </p:cNvPr>
+          <p:cNvSpPr/>
+          <p:nvPr/>
+        </p:nvSpPr>
+        <p:spPr>
+          <a:xfrm>
+            <a:off x="3124743" y="2751305"/>
+            <a:ext cx="762000" cy="762000"/>
+          </a:xfrm>
+          <a:prstGeom prst="rightArrow">
+            <a:avLst/>
+          </a:prstGeom>
+        </p:spPr>
+        <p:style>
+          <a:lnRef idx="2">
+            <a:schemeClr val="accent1">
+              <a:shade val="50000"/>
+            </a:schemeClr>
+          </a:lnRef>
+          <a:fillRef idx="1">
+            <a:schemeClr val="accent1"/>
+          </a:fillRef>
+          <a:effectRef idx="0">
+            <a:schemeClr val="accent1"/>
+          </a:effectRef>
+          <a:fontRef idx="minor">
+            <a:schemeClr val="lt1"/>
+          </a:fontRef>
+        </p:style>
+        <p:txBody>
+          <a:bodyPr rtlCol="0" anchor="ctr"/>
+          <a:lstStyle/>
+          <a:p>
+            <a:pPr algn="ctr"/>
+            <a:endParaRPr lang="en-US"/>
+          </a:p>
+        </p:txBody>
+      </p:sp>
+      <p:sp>
+        <p:nvSpPr>
+          <p:cNvPr id="12" name="TextBox 11">
+            <a:extLst>
+              <a:ext uri="{FF2B5EF4-FFF2-40B4-BE49-F238E27FC236}">
+                <a16:creationId xmlns:a16="http://schemas.microsoft.com/office/drawing/2014/main" id="{E0BB37C0-2155-4931-8BDD-796CDC3E5821}"/>
+              </a:ext>
+            </a:extLst>
+          </p:cNvPr>
+          <p:cNvSpPr txBox="1"/>
+          <p:nvPr/>
+        </p:nvSpPr>
+        <p:spPr>
+          <a:xfrm>
+            <a:off x="1733891" y="3785839"/>
+            <a:ext cx="1105303" cy="369332"/>
+          </a:xfrm>
+          <a:prstGeom prst="rect">
+            <a:avLst/>
+          </a:prstGeom>
+          <a:noFill/>
+          <a:ln>
+            <a:noFill/>
+          </a:ln>
+        </p:spPr>
+        <p:txBody>
+          <a:bodyPr wrap="none" rtlCol="0" anchor="ctr" anchorCtr="1">
+            <a:spAutoFit/>
           </a:bodyPr>
           <a:lstStyle/>
           <a:p>
             <a:r>
-              <a:rPr lang="en-US" dirty="0"/>
-              <a:t>Code generated from .proto files via proto compiler (</a:t>
-            </a:r>
-            <a:r>
-              <a:rPr lang="en-US" b="1" dirty="0" err="1"/>
+              <a:rPr lang="en-US" dirty="0" err="1"/>
+              <a:t>foo.proto</a:t>
+            </a:r>
+            <a:endParaRPr lang="en-US" dirty="0"/>
+          </a:p>
+        </p:txBody>
+      </p:sp>
+      <p:sp>
+        <p:nvSpPr>
+          <p:cNvPr id="13" name="Arrow: Right 12">
+            <a:extLst>
+              <a:ext uri="{FF2B5EF4-FFF2-40B4-BE49-F238E27FC236}">
+                <a16:creationId xmlns:a16="http://schemas.microsoft.com/office/drawing/2014/main" id="{969DA007-0EB4-4CF7-9DEF-810920EF18C7}"/>
+              </a:ext>
+            </a:extLst>
+          </p:cNvPr>
+          <p:cNvSpPr/>
+          <p:nvPr/>
+        </p:nvSpPr>
+        <p:spPr>
+          <a:xfrm>
+            <a:off x="5563143" y="2751305"/>
+            <a:ext cx="762000" cy="762000"/>
+          </a:xfrm>
+          <a:prstGeom prst="rightArrow">
+            <a:avLst/>
+          </a:prstGeom>
+        </p:spPr>
+        <p:style>
+          <a:lnRef idx="2">
+            <a:schemeClr val="accent1">
+              <a:shade val="50000"/>
+            </a:schemeClr>
+          </a:lnRef>
+          <a:fillRef idx="1">
+            <a:schemeClr val="accent1"/>
+          </a:fillRef>
+          <a:effectRef idx="0">
+            <a:schemeClr val="accent1"/>
+          </a:effectRef>
+          <a:fontRef idx="minor">
+            <a:schemeClr val="lt1"/>
+          </a:fontRef>
+        </p:style>
+        <p:txBody>
+          <a:bodyPr rtlCol="0" anchor="ctr"/>
+          <a:lstStyle/>
+          <a:p>
+            <a:pPr algn="ctr"/>
+            <a:endParaRPr lang="en-US"/>
+          </a:p>
+        </p:txBody>
+      </p:sp>
+      <p:sp>
+        <p:nvSpPr>
+          <p:cNvPr id="15" name="TextBox 14">
+            <a:extLst>
+              <a:ext uri="{FF2B5EF4-FFF2-40B4-BE49-F238E27FC236}">
+                <a16:creationId xmlns:a16="http://schemas.microsoft.com/office/drawing/2014/main" id="{9D453005-B685-4C97-B401-B4E40940E2A3}"/>
+              </a:ext>
+            </a:extLst>
+          </p:cNvPr>
+          <p:cNvSpPr txBox="1"/>
+          <p:nvPr/>
+        </p:nvSpPr>
+        <p:spPr>
+          <a:xfrm>
+            <a:off x="6611086" y="3785168"/>
+            <a:ext cx="1252651" cy="369332"/>
+          </a:xfrm>
+          <a:prstGeom prst="rect">
+            <a:avLst/>
+          </a:prstGeom>
+          <a:noFill/>
+          <a:ln>
+            <a:noFill/>
+          </a:ln>
+        </p:spPr>
+        <p:txBody>
+          <a:bodyPr wrap="none" rtlCol="0" anchor="ctr" anchorCtr="1">
+            <a:spAutoFit/>
+          </a:bodyPr>
+          <a:lstStyle/>
+          <a:p>
+            <a:r>
+              <a:rPr lang="en-US" dirty="0"/>
+              <a:t>foo_pb2.py</a:t>
+            </a:r>
+          </a:p>
+        </p:txBody>
+      </p:sp>
+      <p:sp>
+        <p:nvSpPr>
+          <p:cNvPr id="16" name="TextBox 15">
+            <a:extLst>
+              <a:ext uri="{FF2B5EF4-FFF2-40B4-BE49-F238E27FC236}">
+                <a16:creationId xmlns:a16="http://schemas.microsoft.com/office/drawing/2014/main" id="{3C762FAC-1862-4998-948A-257C92DAE14D}"/>
+              </a:ext>
+            </a:extLst>
+          </p:cNvPr>
+          <p:cNvSpPr txBox="1"/>
+          <p:nvPr/>
+        </p:nvSpPr>
+        <p:spPr>
+          <a:xfrm>
+            <a:off x="4191866" y="3785168"/>
+            <a:ext cx="799065" cy="369332"/>
+          </a:xfrm>
+          <a:prstGeom prst="rect">
+            <a:avLst/>
+          </a:prstGeom>
+          <a:noFill/>
+          <a:ln>
+            <a:noFill/>
+          </a:ln>
+        </p:spPr>
+        <p:txBody>
+          <a:bodyPr wrap="none" rtlCol="0" anchor="ctr" anchorCtr="1">
+            <a:spAutoFit/>
+          </a:bodyPr>
+          <a:lstStyle/>
+          <a:p>
+            <a:r>
+              <a:rPr lang="en-US" dirty="0" err="1"/>
               <a:t>protoc</a:t>
             </a:r>
-            <a:r>
-              <a:rPr lang="en-US" dirty="0"/>
-              <a:t>) </a:t>
-            </a:r>
-          </a:p>
-          <a:p>
-            <a:r>
-              <a:rPr lang="en-US" dirty="0"/>
-              <a:t>Typical invocation for Python:</a:t>
-            </a:r>
-          </a:p>
-          <a:p>
-            <a:pPr marL="274320" lvl="1" indent="0">
-              <a:buNone/>
-            </a:pPr>
-            <a:r>
-              <a:rPr lang="en-US" sz="1600" dirty="0" err="1">
-                <a:latin typeface="Consolas" panose="020B0609020204030204" pitchFamily="49" charset="0"/>
-              </a:rPr>
-              <a:t>protoc</a:t>
-            </a:r>
-            <a:r>
-              <a:rPr lang="en-US" sz="1600" dirty="0">
-                <a:latin typeface="Consolas" panose="020B0609020204030204" pitchFamily="49" charset="0"/>
-              </a:rPr>
-              <a:t> –I path/to/.proto --</a:t>
-            </a:r>
-            <a:r>
-              <a:rPr lang="en-US" sz="1600" dirty="0" err="1">
-                <a:latin typeface="Consolas" panose="020B0609020204030204" pitchFamily="49" charset="0"/>
-              </a:rPr>
-              <a:t>python_out</a:t>
-            </a:r>
-            <a:r>
-              <a:rPr lang="en-US" sz="1600" dirty="0">
-                <a:latin typeface="Consolas" panose="020B0609020204030204" pitchFamily="49" charset="0"/>
-              </a:rPr>
-              <a:t>=DST_DIR path/to/</a:t>
-            </a:r>
-            <a:r>
-              <a:rPr lang="en-US" sz="1600" dirty="0" err="1">
-                <a:latin typeface="Consolas" panose="020B0609020204030204" pitchFamily="49" charset="0"/>
-              </a:rPr>
-              <a:t>file.proto</a:t>
-            </a:r>
-            <a:endParaRPr lang="en-US" sz="1600" dirty="0">
-              <a:latin typeface="Consolas" panose="020B0609020204030204" pitchFamily="49" charset="0"/>
-            </a:endParaRPr>
-          </a:p>
-          <a:p>
-            <a:r>
-              <a:rPr lang="en-US" dirty="0"/>
-              <a:t>Invoke</a:t>
-            </a:r>
-            <a:r>
-              <a:rPr lang="en-US" sz="2000" dirty="0"/>
-              <a:t> </a:t>
-            </a:r>
-            <a:r>
-              <a:rPr lang="en-US" sz="2000" dirty="0" err="1">
-                <a:latin typeface="Consolas" panose="020B0609020204030204" pitchFamily="49" charset="0"/>
-              </a:rPr>
-              <a:t>protoc</a:t>
-            </a:r>
-            <a:r>
-              <a:rPr lang="en-US" sz="2000" dirty="0">
-                <a:latin typeface="Consolas" panose="020B0609020204030204" pitchFamily="49" charset="0"/>
-              </a:rPr>
-              <a:t> --help </a:t>
-            </a:r>
-            <a:r>
-              <a:rPr lang="en-US" dirty="0"/>
-              <a:t>for full listing of options</a:t>
-            </a:r>
-          </a:p>
-          <a:p>
-            <a:r>
-              <a:rPr lang="en-US" dirty="0"/>
-              <a:t>Output: a module with a static descriptor of each message type, which is used with a </a:t>
-            </a:r>
-            <a:r>
-              <a:rPr lang="en-US" dirty="0" err="1"/>
-              <a:t>metaclass</a:t>
-            </a:r>
-            <a:r>
-              <a:rPr lang="en-US" dirty="0"/>
-              <a:t> to create the necessary Python data access class at runtime</a:t>
-            </a:r>
-          </a:p>
-          <a:p>
-            <a:pPr marL="274320" lvl="1" indent="0">
-              <a:buNone/>
-            </a:pPr>
-            <a:endParaRPr lang="en-US" sz="1600" dirty="0">
-              <a:latin typeface="Consolas" panose="020B0609020204030204" pitchFamily="49" charset="0"/>
-            </a:endParaRPr>
-          </a:p>
-        </p:txBody>
-      </p:sp>
-      <p:sp>
-        <p:nvSpPr>
-          <p:cNvPr id="3" name="Title 2"/>
-          <p:cNvSpPr>
-            <a:spLocks noGrp="1"/>
-          </p:cNvSpPr>
-          <p:nvPr>
-            <p:ph type="title"/>
-          </p:nvPr>
-        </p:nvSpPr>
-        <p:spPr/>
-        <p:txBody>
-          <a:bodyPr/>
-          <a:lstStyle/>
-          <a:p>
-            <a:r>
-              <a:rPr lang="en-US" dirty="0"/>
-              <a:t>Generating Python Code</a:t>
-            </a:r>
+            <a:endParaRPr lang="en-US" dirty="0"/>
           </a:p>
         </p:txBody>
       </p:sp>
     </p:spTree>
     <p:extLst>
       <p:ext uri="{BB962C8B-B14F-4D97-AF65-F5344CB8AC3E}">
-        <p14:creationId xmlns:p14="http://schemas.microsoft.com/office/powerpoint/2010/main" val="2928237926"/>
+        <p14:creationId xmlns:p14="http://schemas.microsoft.com/office/powerpoint/2010/main" val="1005443890"/>
       </p:ext>
     </p:extLst>
   </p:cSld>
@@ -5663,168 +5861,513 @@
           <a:chExt cx="0" cy="0"/>
         </a:xfrm>
       </p:grpSpPr>
-      <p:sp>
-        <p:nvSpPr>
-          <p:cNvPr id="2" name="Content Placeholder 1"/>
-          <p:cNvSpPr>
-            <a:spLocks noGrp="1"/>
-          </p:cNvSpPr>
+      <p:pic>
+        <p:nvPicPr>
+          <p:cNvPr id="6" name="Content Placeholder 5" descr="Paper">
+            <a:extLst>
+              <a:ext uri="{FF2B5EF4-FFF2-40B4-BE49-F238E27FC236}">
+                <a16:creationId xmlns:a16="http://schemas.microsoft.com/office/drawing/2014/main" id="{ACE90576-FD02-4163-A277-22EC4C5D55BE}"/>
+              </a:ext>
+            </a:extLst>
+          </p:cNvPr>
+          <p:cNvPicPr>
+            <a:picLocks noGrp="1" noChangeAspect="1"/>
+          </p:cNvPicPr>
           <p:nvPr>
             <p:ph idx="1"/>
           </p:nvPr>
+        </p:nvPicPr>
+        <p:blipFill>
+          <a:blip r:embed="rId2">
+            <a:extLst>
+              <a:ext uri="{28A0092B-C50C-407E-A947-70E740481C1C}">
+                <a14:useLocalDpi xmlns:a14="http://schemas.microsoft.com/office/drawing/2010/main" val="0"/>
+              </a:ext>
+              <a:ext uri="{96DAC541-7B7A-43D3-8B79-37D633B846F1}">
+                <asvg:svgBlip xmlns:asvg="http://schemas.microsoft.com/office/drawing/2016/SVG/main" r:embed="rId3"/>
+              </a:ext>
+            </a:extLst>
+          </a:blip>
+          <a:stretch>
+            <a:fillRect/>
+          </a:stretch>
+        </p:blipFill>
+        <p:spPr>
+          <a:xfrm>
+            <a:off x="1448343" y="2294105"/>
+            <a:ext cx="1676400" cy="1676400"/>
+          </a:xfrm>
+        </p:spPr>
+      </p:pic>
+      <p:sp>
+        <p:nvSpPr>
+          <p:cNvPr id="3" name="Title 2"/>
+          <p:cNvSpPr>
+            <a:spLocks noGrp="1"/>
+          </p:cNvSpPr>
+          <p:nvPr>
+            <p:ph type="title"/>
+          </p:nvPr>
         </p:nvSpPr>
         <p:spPr/>
         <p:txBody>
-          <a:bodyPr>
-            <a:normAutofit/>
+          <a:bodyPr/>
+          <a:lstStyle/>
+          <a:p>
+            <a:r>
+              <a:rPr lang="en-US" dirty="0"/>
+              <a:t>Basic Workflow</a:t>
+            </a:r>
+          </a:p>
+        </p:txBody>
+      </p:sp>
+      <p:pic>
+        <p:nvPicPr>
+          <p:cNvPr id="8" name="Graphic 7" descr="Gears">
+            <a:extLst>
+              <a:ext uri="{FF2B5EF4-FFF2-40B4-BE49-F238E27FC236}">
+                <a16:creationId xmlns:a16="http://schemas.microsoft.com/office/drawing/2014/main" id="{21086CE6-8E5B-4666-AA51-89CAD58ED461}"/>
+              </a:ext>
+            </a:extLst>
+          </p:cNvPr>
+          <p:cNvPicPr>
+            <a:picLocks noChangeAspect="1"/>
+          </p:cNvPicPr>
+          <p:nvPr/>
+        </p:nvPicPr>
+        <p:blipFill>
+          <a:blip r:embed="rId4">
+            <a:extLst>
+              <a:ext uri="{28A0092B-C50C-407E-A947-70E740481C1C}">
+                <a14:useLocalDpi xmlns:a14="http://schemas.microsoft.com/office/drawing/2010/main" val="0"/>
+              </a:ext>
+              <a:ext uri="{96DAC541-7B7A-43D3-8B79-37D633B846F1}">
+                <asvg:svgBlip xmlns:asvg="http://schemas.microsoft.com/office/drawing/2016/SVG/main" r:embed="rId5"/>
+              </a:ext>
+            </a:extLst>
+          </a:blip>
+          <a:stretch>
+            <a:fillRect/>
+          </a:stretch>
+        </p:blipFill>
+        <p:spPr>
+          <a:xfrm>
+            <a:off x="3905599" y="2446505"/>
+            <a:ext cx="1371600" cy="1371600"/>
+          </a:xfrm>
+          <a:prstGeom prst="rect">
+            <a:avLst/>
+          </a:prstGeom>
+        </p:spPr>
+      </p:pic>
+      <p:pic>
+        <p:nvPicPr>
+          <p:cNvPr id="10" name="Graphic 9" descr="Document">
+            <a:extLst>
+              <a:ext uri="{FF2B5EF4-FFF2-40B4-BE49-F238E27FC236}">
+                <a16:creationId xmlns:a16="http://schemas.microsoft.com/office/drawing/2014/main" id="{53486587-881B-4CAB-9FDB-9DFCADB55057}"/>
+              </a:ext>
+            </a:extLst>
+          </p:cNvPr>
+          <p:cNvPicPr>
+            <a:picLocks noChangeAspect="1"/>
+          </p:cNvPicPr>
+          <p:nvPr/>
+        </p:nvPicPr>
+        <p:blipFill>
+          <a:blip r:embed="rId6">
+            <a:extLst>
+              <a:ext uri="{28A0092B-C50C-407E-A947-70E740481C1C}">
+                <a14:useLocalDpi xmlns:a14="http://schemas.microsoft.com/office/drawing/2010/main" val="0"/>
+              </a:ext>
+              <a:ext uri="{96DAC541-7B7A-43D3-8B79-37D633B846F1}">
+                <asvg:svgBlip xmlns:asvg="http://schemas.microsoft.com/office/drawing/2016/SVG/main" r:embed="rId7"/>
+              </a:ext>
+            </a:extLst>
+          </a:blip>
+          <a:stretch>
+            <a:fillRect/>
+          </a:stretch>
+        </p:blipFill>
+        <p:spPr>
+          <a:xfrm>
+            <a:off x="6399212" y="2286000"/>
+            <a:ext cx="1676400" cy="1676400"/>
+          </a:xfrm>
+          <a:prstGeom prst="rect">
+            <a:avLst/>
+          </a:prstGeom>
+        </p:spPr>
+      </p:pic>
+      <p:sp>
+        <p:nvSpPr>
+          <p:cNvPr id="11" name="Arrow: Right 10">
+            <a:extLst>
+              <a:ext uri="{FF2B5EF4-FFF2-40B4-BE49-F238E27FC236}">
+                <a16:creationId xmlns:a16="http://schemas.microsoft.com/office/drawing/2014/main" id="{8BFAB829-5D7D-463D-AC1F-AA5B53E2EEB2}"/>
+              </a:ext>
+            </a:extLst>
+          </p:cNvPr>
+          <p:cNvSpPr/>
+          <p:nvPr/>
+        </p:nvSpPr>
+        <p:spPr>
+          <a:xfrm>
+            <a:off x="3124743" y="2751305"/>
+            <a:ext cx="762000" cy="762000"/>
+          </a:xfrm>
+          <a:prstGeom prst="rightArrow">
+            <a:avLst/>
+          </a:prstGeom>
+        </p:spPr>
+        <p:style>
+          <a:lnRef idx="2">
+            <a:schemeClr val="accent1">
+              <a:shade val="50000"/>
+            </a:schemeClr>
+          </a:lnRef>
+          <a:fillRef idx="1">
+            <a:schemeClr val="accent1"/>
+          </a:fillRef>
+          <a:effectRef idx="0">
+            <a:schemeClr val="accent1"/>
+          </a:effectRef>
+          <a:fontRef idx="minor">
+            <a:schemeClr val="lt1"/>
+          </a:fontRef>
+        </p:style>
+        <p:txBody>
+          <a:bodyPr rtlCol="0" anchor="ctr"/>
+          <a:lstStyle/>
+          <a:p>
+            <a:pPr algn="ctr"/>
+            <a:endParaRPr lang="en-US"/>
+          </a:p>
+        </p:txBody>
+      </p:sp>
+      <p:sp>
+        <p:nvSpPr>
+          <p:cNvPr id="12" name="TextBox 11">
+            <a:extLst>
+              <a:ext uri="{FF2B5EF4-FFF2-40B4-BE49-F238E27FC236}">
+                <a16:creationId xmlns:a16="http://schemas.microsoft.com/office/drawing/2014/main" id="{E0BB37C0-2155-4931-8BDD-796CDC3E5821}"/>
+              </a:ext>
+            </a:extLst>
+          </p:cNvPr>
+          <p:cNvSpPr txBox="1"/>
+          <p:nvPr/>
+        </p:nvSpPr>
+        <p:spPr>
+          <a:xfrm>
+            <a:off x="1733891" y="3785839"/>
+            <a:ext cx="1105303" cy="369332"/>
+          </a:xfrm>
+          <a:prstGeom prst="rect">
+            <a:avLst/>
+          </a:prstGeom>
+          <a:noFill/>
+          <a:ln>
+            <a:noFill/>
+          </a:ln>
+        </p:spPr>
+        <p:txBody>
+          <a:bodyPr wrap="none" rtlCol="0" anchor="ctr" anchorCtr="1">
+            <a:spAutoFit/>
           </a:bodyPr>
           <a:lstStyle/>
           <a:p>
-            <a:pPr marL="0" indent="0">
-              <a:buNone/>
-            </a:pPr>
-            <a:r>
-              <a:rPr lang="en-US" dirty="0">
+            <a:r>
+              <a:rPr lang="en-US" dirty="0" err="1"/>
+              <a:t>foo.proto</a:t>
+            </a:r>
+            <a:endParaRPr lang="en-US" dirty="0"/>
+          </a:p>
+        </p:txBody>
+      </p:sp>
+      <p:sp>
+        <p:nvSpPr>
+          <p:cNvPr id="13" name="Arrow: Right 12">
+            <a:extLst>
+              <a:ext uri="{FF2B5EF4-FFF2-40B4-BE49-F238E27FC236}">
+                <a16:creationId xmlns:a16="http://schemas.microsoft.com/office/drawing/2014/main" id="{969DA007-0EB4-4CF7-9DEF-810920EF18C7}"/>
+              </a:ext>
+            </a:extLst>
+          </p:cNvPr>
+          <p:cNvSpPr/>
+          <p:nvPr/>
+        </p:nvSpPr>
+        <p:spPr>
+          <a:xfrm>
+            <a:off x="5563143" y="2751305"/>
+            <a:ext cx="762000" cy="762000"/>
+          </a:xfrm>
+          <a:prstGeom prst="rightArrow">
+            <a:avLst/>
+          </a:prstGeom>
+        </p:spPr>
+        <p:style>
+          <a:lnRef idx="2">
+            <a:schemeClr val="accent1">
+              <a:shade val="50000"/>
+            </a:schemeClr>
+          </a:lnRef>
+          <a:fillRef idx="1">
+            <a:schemeClr val="accent1"/>
+          </a:fillRef>
+          <a:effectRef idx="0">
+            <a:schemeClr val="accent1"/>
+          </a:effectRef>
+          <a:fontRef idx="minor">
+            <a:schemeClr val="lt1"/>
+          </a:fontRef>
+        </p:style>
+        <p:txBody>
+          <a:bodyPr rtlCol="0" anchor="ctr"/>
+          <a:lstStyle/>
+          <a:p>
+            <a:pPr algn="ctr"/>
+            <a:endParaRPr lang="en-US"/>
+          </a:p>
+        </p:txBody>
+      </p:sp>
+      <p:sp>
+        <p:nvSpPr>
+          <p:cNvPr id="15" name="TextBox 14">
+            <a:extLst>
+              <a:ext uri="{FF2B5EF4-FFF2-40B4-BE49-F238E27FC236}">
+                <a16:creationId xmlns:a16="http://schemas.microsoft.com/office/drawing/2014/main" id="{9D453005-B685-4C97-B401-B4E40940E2A3}"/>
+              </a:ext>
+            </a:extLst>
+          </p:cNvPr>
+          <p:cNvSpPr txBox="1"/>
+          <p:nvPr/>
+        </p:nvSpPr>
+        <p:spPr>
+          <a:xfrm>
+            <a:off x="6611086" y="3785168"/>
+            <a:ext cx="1252651" cy="369332"/>
+          </a:xfrm>
+          <a:prstGeom prst="rect">
+            <a:avLst/>
+          </a:prstGeom>
+          <a:noFill/>
+          <a:ln>
+            <a:noFill/>
+          </a:ln>
+        </p:spPr>
+        <p:txBody>
+          <a:bodyPr wrap="none" rtlCol="0" anchor="ctr" anchorCtr="1">
+            <a:spAutoFit/>
+          </a:bodyPr>
+          <a:lstStyle/>
+          <a:p>
+            <a:r>
+              <a:rPr lang="en-US" dirty="0"/>
+              <a:t>foo_pb2.py</a:t>
+            </a:r>
+          </a:p>
+        </p:txBody>
+      </p:sp>
+      <p:sp>
+        <p:nvSpPr>
+          <p:cNvPr id="16" name="TextBox 15">
+            <a:extLst>
+              <a:ext uri="{FF2B5EF4-FFF2-40B4-BE49-F238E27FC236}">
+                <a16:creationId xmlns:a16="http://schemas.microsoft.com/office/drawing/2014/main" id="{3C762FAC-1862-4998-948A-257C92DAE14D}"/>
+              </a:ext>
+            </a:extLst>
+          </p:cNvPr>
+          <p:cNvSpPr txBox="1"/>
+          <p:nvPr/>
+        </p:nvSpPr>
+        <p:spPr>
+          <a:xfrm>
+            <a:off x="4191866" y="3785168"/>
+            <a:ext cx="799065" cy="369332"/>
+          </a:xfrm>
+          <a:prstGeom prst="rect">
+            <a:avLst/>
+          </a:prstGeom>
+          <a:noFill/>
+          <a:ln>
+            <a:noFill/>
+          </a:ln>
+        </p:spPr>
+        <p:txBody>
+          <a:bodyPr wrap="none" rtlCol="0" anchor="ctr" anchorCtr="1">
+            <a:spAutoFit/>
+          </a:bodyPr>
+          <a:lstStyle/>
+          <a:p>
+            <a:r>
+              <a:rPr lang="en-US" dirty="0" err="1"/>
+              <a:t>protoc</a:t>
+            </a:r>
+            <a:endParaRPr lang="en-US" dirty="0"/>
+          </a:p>
+        </p:txBody>
+      </p:sp>
+      <p:sp>
+        <p:nvSpPr>
+          <p:cNvPr id="20" name="Arrow: Right 19">
+            <a:extLst>
+              <a:ext uri="{FF2B5EF4-FFF2-40B4-BE49-F238E27FC236}">
+                <a16:creationId xmlns:a16="http://schemas.microsoft.com/office/drawing/2014/main" id="{28DE4627-CB89-4099-BE98-7DEB2D420CB5}"/>
+              </a:ext>
+            </a:extLst>
+          </p:cNvPr>
+          <p:cNvSpPr/>
+          <p:nvPr/>
+        </p:nvSpPr>
+        <p:spPr>
+          <a:xfrm>
+            <a:off x="8149681" y="2751305"/>
+            <a:ext cx="762000" cy="762000"/>
+          </a:xfrm>
+          <a:prstGeom prst="rightArrow">
+            <a:avLst/>
+          </a:prstGeom>
+        </p:spPr>
+        <p:style>
+          <a:lnRef idx="2">
+            <a:schemeClr val="accent1">
+              <a:shade val="50000"/>
+            </a:schemeClr>
+          </a:lnRef>
+          <a:fillRef idx="1">
+            <a:schemeClr val="accent1"/>
+          </a:fillRef>
+          <a:effectRef idx="0">
+            <a:schemeClr val="accent1"/>
+          </a:effectRef>
+          <a:fontRef idx="minor">
+            <a:schemeClr val="lt1"/>
+          </a:fontRef>
+        </p:style>
+        <p:txBody>
+          <a:bodyPr rtlCol="0" anchor="ctr"/>
+          <a:lstStyle/>
+          <a:p>
+            <a:pPr algn="ctr"/>
+            <a:endParaRPr lang="en-US"/>
+          </a:p>
+        </p:txBody>
+      </p:sp>
+      <p:pic>
+        <p:nvPicPr>
+          <p:cNvPr id="21" name="Graphic 20" descr="Document">
+            <a:extLst>
+              <a:ext uri="{FF2B5EF4-FFF2-40B4-BE49-F238E27FC236}">
+                <a16:creationId xmlns:a16="http://schemas.microsoft.com/office/drawing/2014/main" id="{AFB6B306-85FD-441B-B9F0-A67251D05D23}"/>
+              </a:ext>
+            </a:extLst>
+          </p:cNvPr>
+          <p:cNvPicPr>
+            <a:picLocks noChangeAspect="1"/>
+          </p:cNvPicPr>
+          <p:nvPr/>
+        </p:nvPicPr>
+        <p:blipFill>
+          <a:blip r:embed="rId6">
+            <a:extLst>
+              <a:ext uri="{28A0092B-C50C-407E-A947-70E740481C1C}">
+                <a14:useLocalDpi xmlns:a14="http://schemas.microsoft.com/office/drawing/2010/main" val="0"/>
+              </a:ext>
+              <a:ext uri="{96DAC541-7B7A-43D3-8B79-37D633B846F1}">
+                <asvg:svgBlip xmlns:asvg="http://schemas.microsoft.com/office/drawing/2016/SVG/main" r:embed="rId7"/>
+              </a:ext>
+            </a:extLst>
+          </a:blip>
+          <a:stretch>
+            <a:fillRect/>
+          </a:stretch>
+        </p:blipFill>
+        <p:spPr>
+          <a:xfrm>
+            <a:off x="8952567" y="2286000"/>
+            <a:ext cx="1676400" cy="1676400"/>
+          </a:xfrm>
+          <a:prstGeom prst="rect">
+            <a:avLst/>
+          </a:prstGeom>
+        </p:spPr>
+      </p:pic>
+      <p:sp>
+        <p:nvSpPr>
+          <p:cNvPr id="22" name="TextBox 21">
+            <a:extLst>
+              <a:ext uri="{FF2B5EF4-FFF2-40B4-BE49-F238E27FC236}">
+                <a16:creationId xmlns:a16="http://schemas.microsoft.com/office/drawing/2014/main" id="{A5D224E8-8B75-4A41-9036-6BB8769853F5}"/>
+              </a:ext>
+            </a:extLst>
+          </p:cNvPr>
+          <p:cNvSpPr txBox="1"/>
+          <p:nvPr/>
+        </p:nvSpPr>
+        <p:spPr>
+          <a:xfrm>
+            <a:off x="9164441" y="3785168"/>
+            <a:ext cx="1355692" cy="369332"/>
+          </a:xfrm>
+          <a:prstGeom prst="rect">
+            <a:avLst/>
+          </a:prstGeom>
+          <a:noFill/>
+          <a:ln>
+            <a:noFill/>
+          </a:ln>
+        </p:spPr>
+        <p:txBody>
+          <a:bodyPr wrap="none" rtlCol="0" anchor="ctr" anchorCtr="1">
+            <a:spAutoFit/>
+          </a:bodyPr>
+          <a:lstStyle/>
+          <a:p>
+            <a:r>
+              <a:rPr lang="en-US" dirty="0"/>
+              <a:t>your_app.py</a:t>
+            </a:r>
+          </a:p>
+        </p:txBody>
+      </p:sp>
+      <p:sp>
+        <p:nvSpPr>
+          <p:cNvPr id="24" name="TextBox 23">
+            <a:extLst>
+              <a:ext uri="{FF2B5EF4-FFF2-40B4-BE49-F238E27FC236}">
+                <a16:creationId xmlns:a16="http://schemas.microsoft.com/office/drawing/2014/main" id="{F79FF9B1-4C6D-46C4-B397-486CCC194299}"/>
+              </a:ext>
+            </a:extLst>
+          </p:cNvPr>
+          <p:cNvSpPr txBox="1"/>
+          <p:nvPr/>
+        </p:nvSpPr>
+        <p:spPr>
+          <a:xfrm>
+            <a:off x="9197625" y="2922953"/>
+            <a:ext cx="1232997" cy="215444"/>
+          </a:xfrm>
+          <a:prstGeom prst="rect">
+            <a:avLst/>
+          </a:prstGeom>
+          <a:solidFill>
+            <a:schemeClr val="bg1"/>
+          </a:solidFill>
+          <a:ln>
+            <a:noFill/>
+          </a:ln>
+        </p:spPr>
+        <p:txBody>
+          <a:bodyPr wrap="square" rtlCol="0" anchor="ctr" anchorCtr="1">
+            <a:spAutoFit/>
+          </a:bodyPr>
+          <a:lstStyle/>
+          <a:p>
+            <a:r>
+              <a:rPr lang="en-US" sz="800" dirty="0">
                 <a:latin typeface="Consolas" panose="020B0609020204030204" pitchFamily="49" charset="0"/>
               </a:rPr>
-              <a:t>def serialize(t, h):</a:t>
-            </a:r>
-          </a:p>
-          <a:p>
-            <a:pPr marL="0" indent="0">
-              <a:buNone/>
-            </a:pPr>
-            <a:r>
-              <a:rPr lang="en-US" dirty="0">
-                <a:latin typeface="Consolas" panose="020B0609020204030204" pitchFamily="49" charset="0"/>
-              </a:rPr>
-              <a:t>    </a:t>
-            </a:r>
-            <a:r>
-              <a:rPr lang="en-US" dirty="0" err="1">
-                <a:latin typeface="Consolas" panose="020B0609020204030204" pitchFamily="49" charset="0"/>
-              </a:rPr>
-              <a:t>msg</a:t>
-            </a:r>
-            <a:r>
-              <a:rPr lang="en-US" dirty="0">
-                <a:latin typeface="Consolas" panose="020B0609020204030204" pitchFamily="49" charset="0"/>
-              </a:rPr>
-              <a:t> = simple_pb2.SensorData()</a:t>
-            </a:r>
-          </a:p>
-          <a:p>
-            <a:pPr marL="0" indent="0">
-              <a:buNone/>
-            </a:pPr>
-            <a:r>
-              <a:rPr lang="en-US" dirty="0">
-                <a:latin typeface="Consolas" panose="020B0609020204030204" pitchFamily="49" charset="0"/>
-              </a:rPr>
-              <a:t>    </a:t>
-            </a:r>
-            <a:r>
-              <a:rPr lang="en-US" dirty="0" err="1">
-                <a:latin typeface="Consolas" panose="020B0609020204030204" pitchFamily="49" charset="0"/>
-              </a:rPr>
-              <a:t>msg.temperature</a:t>
-            </a:r>
-            <a:r>
-              <a:rPr lang="en-US" dirty="0">
-                <a:latin typeface="Consolas" panose="020B0609020204030204" pitchFamily="49" charset="0"/>
-              </a:rPr>
-              <a:t> = t</a:t>
-            </a:r>
-          </a:p>
-          <a:p>
-            <a:pPr marL="0" indent="0">
-              <a:buNone/>
-            </a:pPr>
-            <a:r>
-              <a:rPr lang="en-US" dirty="0">
-                <a:latin typeface="Consolas" panose="020B0609020204030204" pitchFamily="49" charset="0"/>
-              </a:rPr>
-              <a:t>    </a:t>
-            </a:r>
-            <a:r>
-              <a:rPr lang="en-US" dirty="0" err="1">
-                <a:latin typeface="Consolas" panose="020B0609020204030204" pitchFamily="49" charset="0"/>
-              </a:rPr>
-              <a:t>msg.humidity</a:t>
-            </a:r>
-            <a:r>
-              <a:rPr lang="en-US" dirty="0">
-                <a:latin typeface="Consolas" panose="020B0609020204030204" pitchFamily="49" charset="0"/>
-              </a:rPr>
-              <a:t> = h</a:t>
-            </a:r>
-          </a:p>
-          <a:p>
-            <a:pPr marL="0" indent="0">
-              <a:buNone/>
-            </a:pPr>
-            <a:r>
-              <a:rPr lang="en-US" dirty="0">
-                <a:latin typeface="Consolas" panose="020B0609020204030204" pitchFamily="49" charset="0"/>
-              </a:rPr>
-              <a:t>    </a:t>
-            </a:r>
-            <a:r>
-              <a:rPr lang="en-US" dirty="0" err="1">
-                <a:latin typeface="Consolas" panose="020B0609020204030204" pitchFamily="49" charset="0"/>
-              </a:rPr>
-              <a:t>msg.units</a:t>
-            </a:r>
-            <a:r>
-              <a:rPr lang="en-US" dirty="0">
-                <a:latin typeface="Consolas" panose="020B0609020204030204" pitchFamily="49" charset="0"/>
-              </a:rPr>
-              <a:t> = simple_pb2.SensorData.REBEL</a:t>
-            </a:r>
-          </a:p>
-          <a:p>
-            <a:pPr marL="0" indent="0">
-              <a:buNone/>
-            </a:pPr>
-            <a:r>
-              <a:rPr lang="en-US" dirty="0">
-                <a:latin typeface="Consolas" panose="020B0609020204030204" pitchFamily="49" charset="0"/>
-              </a:rPr>
-              <a:t>    return </a:t>
-            </a:r>
-            <a:r>
-              <a:rPr lang="en-US" dirty="0" err="1">
-                <a:latin typeface="Consolas" panose="020B0609020204030204" pitchFamily="49" charset="0"/>
-              </a:rPr>
-              <a:t>msg.SerializeToString</a:t>
-            </a:r>
-            <a:r>
-              <a:rPr lang="en-US" dirty="0">
-                <a:latin typeface="Consolas" panose="020B0609020204030204" pitchFamily="49" charset="0"/>
-              </a:rPr>
-              <a:t>()</a:t>
-            </a:r>
-          </a:p>
-        </p:txBody>
-      </p:sp>
-      <p:sp>
-        <p:nvSpPr>
-          <p:cNvPr id="3" name="Title 2"/>
-          <p:cNvSpPr>
-            <a:spLocks noGrp="1"/>
-          </p:cNvSpPr>
-          <p:nvPr>
-            <p:ph type="title"/>
-          </p:nvPr>
-        </p:nvSpPr>
-        <p:spPr/>
-        <p:txBody>
-          <a:bodyPr/>
-          <a:lstStyle/>
-          <a:p>
-            <a:r>
-              <a:rPr lang="en-US" dirty="0"/>
-              <a:t>Using the Compiled Code: Serializing</a:t>
+              <a:t>import foo_pb2.py</a:t>
             </a:r>
           </a:p>
         </p:txBody>
@@ -5832,7 +6375,7 @@
     </p:spTree>
     <p:extLst>
       <p:ext uri="{BB962C8B-B14F-4D97-AF65-F5344CB8AC3E}">
-        <p14:creationId xmlns:p14="http://schemas.microsoft.com/office/powerpoint/2010/main" val="2819748410"/>
+        <p14:creationId xmlns:p14="http://schemas.microsoft.com/office/powerpoint/2010/main" val="621664038"/>
       </p:ext>
     </p:extLst>
   </p:cSld>
@@ -5884,200 +6427,89 @@
         <p:spPr/>
         <p:txBody>
           <a:bodyPr>
-            <a:normAutofit fontScale="70000" lnSpcReduction="20000"/>
+            <a:normAutofit/>
           </a:bodyPr>
           <a:lstStyle/>
           <a:p>
-            <a:pPr marL="0" indent="0">
-              <a:buNone/>
-            </a:pPr>
-            <a:r>
-              <a:rPr lang="en-US" dirty="0">
-                <a:latin typeface="Consolas" panose="020B0609020204030204" pitchFamily="49" charset="0"/>
-              </a:rPr>
-              <a:t>def </a:t>
-            </a:r>
-            <a:r>
-              <a:rPr lang="en-US" dirty="0" err="1">
-                <a:latin typeface="Consolas" panose="020B0609020204030204" pitchFamily="49" charset="0"/>
-              </a:rPr>
-              <a:t>deserialize</a:t>
-            </a:r>
-            <a:r>
-              <a:rPr lang="en-US" dirty="0">
-                <a:latin typeface="Consolas" panose="020B0609020204030204" pitchFamily="49" charset="0"/>
-              </a:rPr>
-              <a:t>(</a:t>
-            </a:r>
-            <a:r>
-              <a:rPr lang="en-US" dirty="0" err="1">
-                <a:latin typeface="Consolas" panose="020B0609020204030204" pitchFamily="49" charset="0"/>
-              </a:rPr>
-              <a:t>serialized_data</a:t>
-            </a:r>
-            <a:r>
-              <a:rPr lang="en-US" dirty="0">
-                <a:latin typeface="Consolas" panose="020B0609020204030204" pitchFamily="49" charset="0"/>
-              </a:rPr>
-              <a:t>):</a:t>
-            </a:r>
-          </a:p>
-          <a:p>
-            <a:pPr marL="0" indent="0">
-              <a:buNone/>
-            </a:pPr>
-            <a:r>
-              <a:rPr lang="en-US" dirty="0">
-                <a:latin typeface="Consolas" panose="020B0609020204030204" pitchFamily="49" charset="0"/>
-              </a:rPr>
-              <a:t>    </a:t>
-            </a:r>
-            <a:r>
-              <a:rPr lang="en-US" dirty="0" err="1">
-                <a:latin typeface="Consolas" panose="020B0609020204030204" pitchFamily="49" charset="0"/>
-              </a:rPr>
-              <a:t>msg</a:t>
-            </a:r>
-            <a:r>
-              <a:rPr lang="en-US" dirty="0">
-                <a:latin typeface="Consolas" panose="020B0609020204030204" pitchFamily="49" charset="0"/>
-              </a:rPr>
-              <a:t> = simple_pb2.SensorData()</a:t>
-            </a:r>
-          </a:p>
-          <a:p>
-            <a:pPr marL="0" indent="0">
-              <a:buNone/>
-            </a:pPr>
-            <a:r>
-              <a:rPr lang="en-US" dirty="0">
-                <a:latin typeface="Consolas" panose="020B0609020204030204" pitchFamily="49" charset="0"/>
-              </a:rPr>
-              <a:t>    </a:t>
-            </a:r>
-            <a:r>
-              <a:rPr lang="en-US" dirty="0" err="1">
-                <a:latin typeface="Consolas" panose="020B0609020204030204" pitchFamily="49" charset="0"/>
-              </a:rPr>
-              <a:t>msg.ParseFromString</a:t>
-            </a:r>
-            <a:r>
-              <a:rPr lang="en-US" dirty="0">
-                <a:latin typeface="Consolas" panose="020B0609020204030204" pitchFamily="49" charset="0"/>
-              </a:rPr>
-              <a:t>(</a:t>
-            </a:r>
-            <a:r>
-              <a:rPr lang="en-US" dirty="0" err="1">
-                <a:latin typeface="Consolas" panose="020B0609020204030204" pitchFamily="49" charset="0"/>
-              </a:rPr>
-              <a:t>serialized_data</a:t>
-            </a:r>
-            <a:r>
-              <a:rPr lang="en-US" dirty="0">
-                <a:latin typeface="Consolas" panose="020B0609020204030204" pitchFamily="49" charset="0"/>
-              </a:rPr>
-              <a:t>)</a:t>
-            </a:r>
-          </a:p>
-          <a:p>
-            <a:pPr marL="0" indent="0">
-              <a:buNone/>
-            </a:pPr>
-            <a:r>
-              <a:rPr lang="en-US" dirty="0">
-                <a:latin typeface="Consolas" panose="020B0609020204030204" pitchFamily="49" charset="0"/>
-              </a:rPr>
-              <a:t>    t = </a:t>
-            </a:r>
-            <a:r>
-              <a:rPr lang="en-US" dirty="0" err="1">
-                <a:latin typeface="Consolas" panose="020B0609020204030204" pitchFamily="49" charset="0"/>
-              </a:rPr>
-              <a:t>msg.temperature</a:t>
-            </a:r>
-            <a:endParaRPr lang="en-US" dirty="0">
-              <a:latin typeface="Consolas" panose="020B0609020204030204" pitchFamily="49" charset="0"/>
-            </a:endParaRPr>
-          </a:p>
-          <a:p>
-            <a:pPr marL="0" indent="0">
-              <a:buNone/>
-            </a:pPr>
-            <a:r>
-              <a:rPr lang="en-US" dirty="0">
-                <a:latin typeface="Consolas" panose="020B0609020204030204" pitchFamily="49" charset="0"/>
-              </a:rPr>
-              <a:t>    h = </a:t>
-            </a:r>
-            <a:r>
-              <a:rPr lang="en-US" dirty="0" err="1">
-                <a:latin typeface="Consolas" panose="020B0609020204030204" pitchFamily="49" charset="0"/>
-              </a:rPr>
-              <a:t>msg.humidity</a:t>
-            </a:r>
-            <a:endParaRPr lang="en-US" dirty="0">
-              <a:latin typeface="Consolas" panose="020B0609020204030204" pitchFamily="49" charset="0"/>
-            </a:endParaRPr>
-          </a:p>
-          <a:p>
-            <a:pPr marL="0" indent="0">
-              <a:buNone/>
-            </a:pPr>
-            <a:r>
-              <a:rPr lang="en-US" dirty="0">
-                <a:latin typeface="Consolas" panose="020B0609020204030204" pitchFamily="49" charset="0"/>
-              </a:rPr>
-              <a:t>    units = </a:t>
-            </a:r>
-            <a:r>
-              <a:rPr lang="en-US" dirty="0" err="1">
-                <a:latin typeface="Consolas" panose="020B0609020204030204" pitchFamily="49" charset="0"/>
-              </a:rPr>
-              <a:t>msg.units</a:t>
-            </a:r>
-            <a:endParaRPr lang="en-US" dirty="0">
-              <a:latin typeface="Consolas" panose="020B0609020204030204" pitchFamily="49" charset="0"/>
-            </a:endParaRPr>
-          </a:p>
-          <a:p>
-            <a:pPr marL="0" indent="0">
-              <a:buNone/>
-            </a:pPr>
-            <a:r>
-              <a:rPr lang="en-US" dirty="0">
-                <a:latin typeface="Consolas" panose="020B0609020204030204" pitchFamily="49" charset="0"/>
-              </a:rPr>
-              <a:t>    if units == simple_pb2.SensorData.IMPERIAL:</a:t>
-            </a:r>
-          </a:p>
-          <a:p>
-            <a:pPr marL="0" indent="0">
-              <a:buNone/>
-            </a:pPr>
-            <a:r>
-              <a:rPr lang="en-US" dirty="0">
-                <a:latin typeface="Consolas" panose="020B0609020204030204" pitchFamily="49" charset="0"/>
-              </a:rPr>
-              <a:t>        t = (t - 32) * 5.0 / 9.0</a:t>
-            </a:r>
-          </a:p>
-          <a:p>
-            <a:pPr marL="0" indent="0">
-              <a:buNone/>
-            </a:pPr>
-            <a:r>
-              <a:rPr lang="en-US" dirty="0">
-                <a:latin typeface="Consolas" panose="020B0609020204030204" pitchFamily="49" charset="0"/>
-              </a:rPr>
-              <a:t>    return (t, h)</a:t>
-            </a:r>
-          </a:p>
-          <a:p>
-            <a:pPr marL="0" indent="0">
-              <a:buNone/>
-            </a:pPr>
-            <a:endParaRPr lang="en-US" dirty="0"/>
+            <a:r>
+              <a:rPr lang="en-US" dirty="0"/>
+              <a:t>Numeric types: </a:t>
+            </a:r>
+            <a:r>
+              <a:rPr lang="en-US" b="1" dirty="0"/>
+              <a:t>double</a:t>
+            </a:r>
+            <a:r>
+              <a:rPr lang="en-US" dirty="0"/>
+              <a:t>, </a:t>
+            </a:r>
+            <a:r>
+              <a:rPr lang="en-US" b="1" dirty="0"/>
+              <a:t>float</a:t>
+            </a:r>
+            <a:r>
+              <a:rPr lang="en-US" dirty="0"/>
+              <a:t>, various 32- and 64-bit integers</a:t>
+            </a:r>
+          </a:p>
+          <a:p>
+            <a:r>
+              <a:rPr lang="en-US" b="1" dirty="0"/>
+              <a:t>string</a:t>
+            </a:r>
+            <a:r>
+              <a:rPr lang="en-US" dirty="0"/>
+              <a:t>: UTF-8 or 7-bit ASCII; some Unicode support with Python</a:t>
+            </a:r>
+          </a:p>
+          <a:p>
+            <a:r>
+              <a:rPr lang="en-US" b="1" dirty="0"/>
+              <a:t>bool:</a:t>
+            </a:r>
+            <a:r>
+              <a:rPr lang="en-US" dirty="0"/>
+              <a:t> uh, you know, a Boolean value</a:t>
+            </a:r>
+            <a:endParaRPr lang="en-US" b="1" dirty="0"/>
+          </a:p>
+          <a:p>
+            <a:r>
+              <a:rPr lang="en-US" b="1" dirty="0"/>
+              <a:t>bytes</a:t>
+            </a:r>
+            <a:r>
+              <a:rPr lang="en-US" dirty="0"/>
+              <a:t>: an arbitrary sequence of bytes</a:t>
+            </a:r>
+          </a:p>
+          <a:p>
+            <a:r>
+              <a:rPr lang="en-US" b="1" dirty="0" err="1"/>
+              <a:t>enum</a:t>
+            </a:r>
+            <a:r>
+              <a:rPr lang="en-US" dirty="0"/>
+              <a:t>: a predefined list of values</a:t>
+            </a:r>
+          </a:p>
+          <a:p>
+            <a:r>
+              <a:rPr lang="en-US" b="1" dirty="0"/>
+              <a:t>any</a:t>
+            </a:r>
+            <a:r>
+              <a:rPr lang="en-US" dirty="0"/>
+              <a:t>: like </a:t>
+            </a:r>
+            <a:r>
+              <a:rPr lang="en-US" b="1" dirty="0"/>
+              <a:t>bytes</a:t>
+            </a:r>
+            <a:r>
+              <a:rPr lang="en-US" dirty="0"/>
+              <a:t> + URL to resolve type</a:t>
+            </a:r>
           </a:p>
         </p:txBody>
       </p:sp>
@@ -6098,20 +6530,15 @@
           <a:p>
             <a:r>
               <a:rPr lang="en-US" dirty="0"/>
-              <a:t>Using the Compiled Code: </a:t>
-            </a:r>
-            <a:r>
-              <a:rPr lang="en-US" dirty="0" err="1"/>
-              <a:t>Deserialize</a:t>
-            </a:r>
-            <a:endParaRPr lang="en-US" dirty="0"/>
+              <a:t>Supported Data Types</a:t>
+            </a:r>
           </a:p>
         </p:txBody>
       </p:sp>
     </p:spTree>
     <p:extLst>
       <p:ext uri="{BB962C8B-B14F-4D97-AF65-F5344CB8AC3E}">
-        <p14:creationId xmlns:p14="http://schemas.microsoft.com/office/powerpoint/2010/main" val="2277224114"/>
+        <p14:creationId xmlns:p14="http://schemas.microsoft.com/office/powerpoint/2010/main" val="515381222"/>
       </p:ext>
     </p:extLst>
   </p:cSld>
@@ -6152,6 +6579,73 @@
       </p:grpSpPr>
       <p:sp>
         <p:nvSpPr>
+          <p:cNvPr id="2" name="Content Placeholder 1"/>
+          <p:cNvSpPr>
+            <a:spLocks noGrp="1"/>
+          </p:cNvSpPr>
+          <p:nvPr>
+            <p:ph idx="1"/>
+          </p:nvPr>
+        </p:nvSpPr>
+        <p:spPr/>
+        <p:txBody>
+          <a:bodyPr>
+            <a:normAutofit/>
+          </a:bodyPr>
+          <a:lstStyle/>
+          <a:p>
+            <a:r>
+              <a:rPr lang="en-US" dirty="0"/>
+              <a:t>Most have variable-length encoding</a:t>
+            </a:r>
+          </a:p>
+          <a:p>
+            <a:r>
+              <a:rPr lang="en-US" dirty="0"/>
+              <a:t>Choice of type depends on expected data values</a:t>
+            </a:r>
+          </a:p>
+          <a:p>
+            <a:pPr lvl="1"/>
+            <a:r>
+              <a:rPr lang="en-US" dirty="0"/>
+              <a:t>For example, </a:t>
+            </a:r>
+            <a:r>
+              <a:rPr lang="en-US" b="1" dirty="0"/>
+              <a:t>int32</a:t>
+            </a:r>
+            <a:r>
+              <a:rPr lang="en-US" dirty="0"/>
+              <a:t> is best for positive values; </a:t>
+            </a:r>
+            <a:r>
+              <a:rPr lang="en-US" b="1" dirty="0"/>
+              <a:t>sint32</a:t>
+            </a:r>
+            <a:r>
+              <a:rPr lang="en-US" dirty="0"/>
+              <a:t> is better for negative values</a:t>
+            </a:r>
+          </a:p>
+          <a:p>
+            <a:r>
+              <a:rPr lang="en-US" dirty="0"/>
+              <a:t>Consider scaling float/double values to </a:t>
+            </a:r>
+            <a:r>
+              <a:rPr lang="en-US" dirty="0" err="1"/>
+              <a:t>int</a:t>
+            </a:r>
+            <a:r>
+              <a:rPr lang="en-US" dirty="0"/>
+              <a:t> types for more compact encoding</a:t>
+            </a:r>
+          </a:p>
+        </p:txBody>
+      </p:sp>
+      <p:sp>
+        <p:nvSpPr>
           <p:cNvPr id="3" name="Title 2"/>
           <p:cNvSpPr>
             <a:spLocks noGrp="1"/>
@@ -6167,86 +6661,19 @@
           <a:p>
             <a:r>
               <a:rPr lang="en-US" dirty="0"/>
-              <a:t>Command Line Interlude</a:t>
-            </a:r>
-          </a:p>
-        </p:txBody>
-      </p:sp>
-      <p:pic>
-        <p:nvPicPr>
-          <p:cNvPr id="7" name="Picture 6">
-            <a:extLst>
-              <a:ext uri="{FF2B5EF4-FFF2-40B4-BE49-F238E27FC236}">
-                <a16:creationId xmlns:a16="http://schemas.microsoft.com/office/drawing/2014/main" xmlns="" id="{261AA85A-88AE-4A20-97E2-189C6A0B7B67}"/>
-              </a:ext>
-            </a:extLst>
-          </p:cNvPr>
-          <p:cNvPicPr>
-            <a:picLocks noChangeAspect="1"/>
-          </p:cNvPicPr>
-          <p:nvPr/>
-        </p:nvPicPr>
-        <p:blipFill>
-          <a:blip r:embed="rId2">
-            <a:extLst>
-              <a:ext uri="{28A0092B-C50C-407E-A947-70E740481C1C}">
-                <a14:useLocalDpi xmlns:a14="http://schemas.microsoft.com/office/drawing/2010/main" val="0"/>
-              </a:ext>
-            </a:extLst>
-          </a:blip>
-          <a:stretch>
-            <a:fillRect/>
-          </a:stretch>
-        </p:blipFill>
-        <p:spPr>
-          <a:xfrm>
-            <a:off x="4379912" y="2005012"/>
-            <a:ext cx="3429000" cy="2847975"/>
-          </a:xfrm>
-          <a:prstGeom prst="rect">
-            <a:avLst/>
-          </a:prstGeom>
-        </p:spPr>
-      </p:pic>
-      <p:sp>
-        <p:nvSpPr>
-          <p:cNvPr id="8" name="TextBox 7">
-            <a:extLst>
-              <a:ext uri="{FF2B5EF4-FFF2-40B4-BE49-F238E27FC236}">
-                <a16:creationId xmlns:a16="http://schemas.microsoft.com/office/drawing/2014/main" xmlns="" id="{A1A26C15-9E35-415D-8D27-B7EF0E7623C7}"/>
-              </a:ext>
-            </a:extLst>
-          </p:cNvPr>
-          <p:cNvSpPr txBox="1"/>
-          <p:nvPr/>
-        </p:nvSpPr>
-        <p:spPr>
-          <a:xfrm>
-            <a:off x="4532312" y="5334000"/>
-            <a:ext cx="3124200" cy="369332"/>
-          </a:xfrm>
-          <a:prstGeom prst="rect">
-            <a:avLst/>
-          </a:prstGeom>
-          <a:noFill/>
-          <a:ln>
-            <a:solidFill>
-              <a:schemeClr val="accent1">
-                <a:lumMod val="20000"/>
-                <a:lumOff val="80000"/>
-              </a:schemeClr>
-            </a:solidFill>
-          </a:ln>
-        </p:spPr>
-        <p:txBody>
-          <a:bodyPr wrap="square" rtlCol="0" anchor="ctr" anchorCtr="1">
-            <a:spAutoFit/>
-          </a:bodyPr>
-          <a:lstStyle/>
-          <a:p>
-            <a:r>
-              <a:rPr lang="en-US" dirty="0"/>
-              <a:t>https://xkcd.com/149/</a:t>
+              <a:t>Different </a:t>
+            </a:r>
+            <a:r>
+              <a:rPr lang="en-US" b="1" dirty="0" err="1"/>
+              <a:t>int</a:t>
+            </a:r>
+            <a:r>
+              <a:rPr lang="en-US" dirty="0" err="1"/>
+              <a:t>s</a:t>
+            </a:r>
+            <a:r>
+              <a:rPr lang="en-US" dirty="0"/>
+              <a:t> for Different Uses</a:t>
             </a:r>
           </a:p>
         </p:txBody>
@@ -6254,7 +6681,7 @@
     </p:spTree>
     <p:extLst>
       <p:ext uri="{BB962C8B-B14F-4D97-AF65-F5344CB8AC3E}">
-        <p14:creationId xmlns:p14="http://schemas.microsoft.com/office/powerpoint/2010/main" val="3507872406"/>
+        <p14:creationId xmlns:p14="http://schemas.microsoft.com/office/powerpoint/2010/main" val="2723463234"/>
       </p:ext>
     </p:extLst>
   </p:cSld>
@@ -6306,63 +6733,42 @@
         <p:spPr/>
         <p:txBody>
           <a:bodyPr>
-            <a:normAutofit lnSpcReduction="10000"/>
+            <a:normAutofit/>
           </a:bodyPr>
           <a:lstStyle/>
           <a:p>
             <a:r>
               <a:rPr lang="en-US" dirty="0"/>
-              <a:t>Numeric tags cannot change once deployed; rename field or use </a:t>
-            </a:r>
-            <a:r>
-              <a:rPr lang="en-US" b="1" dirty="0"/>
-              <a:t>reserved</a:t>
-            </a:r>
-            <a:r>
-              <a:rPr lang="en-US" dirty="0"/>
-              <a:t> keyword</a:t>
-            </a:r>
-          </a:p>
-          <a:p>
-            <a:r>
-              <a:rPr lang="en-US" dirty="0"/>
-              <a:t>Added fields are ignored by clients still using “old” format</a:t>
-            </a:r>
-          </a:p>
-          <a:p>
-            <a:r>
-              <a:rPr lang="en-US" dirty="0"/>
-              <a:t>Removed fields sent by “old” format clients are ignored by “new” clients</a:t>
-            </a:r>
-          </a:p>
-          <a:p>
-            <a:r>
-              <a:rPr lang="en-US" dirty="0"/>
-              <a:t>Some types are forward- and backward-compatible</a:t>
-            </a:r>
-          </a:p>
-          <a:p>
-            <a:pPr marL="0" indent="0">
-              <a:buNone/>
-            </a:pPr>
+              <a:t>Messages can be nested</a:t>
+            </a:r>
+          </a:p>
+          <a:p>
+            <a:r>
+              <a:rPr lang="en-US" dirty="0"/>
+              <a:t>Messages can be used as fields in other messages</a:t>
+            </a:r>
+          </a:p>
+          <a:p>
+            <a:r>
+              <a:rPr lang="en-US" dirty="0"/>
+              <a:t>Associative maps (keys can be any integral or string type)</a:t>
+            </a:r>
+          </a:p>
+          <a:p>
+            <a:r>
+              <a:rPr lang="en-US" dirty="0"/>
+              <a:t>Messages can be encoded to, and decoded from, JSON</a:t>
+            </a:r>
+          </a:p>
+          <a:p>
+            <a:r>
+              <a:rPr lang="en-US" dirty="0"/>
+              <a:t>Message definitions can be imported from other .proto files</a:t>
+            </a:r>
+          </a:p>
+          <a:p>
             <a:endParaRPr lang="en-US" dirty="0"/>
           </a:p>
-          <a:p>
-            <a:r>
-              <a:rPr lang="en-US" sz="1700" dirty="0"/>
-              <a:t>See </a:t>
-            </a:r>
-            <a:r>
-              <a:rPr lang="en-US" sz="1700" dirty="0">
-                <a:hlinkClick r:id="rId2"/>
-              </a:rPr>
-              <a:t>https://developers.google.com/protocol-buffers/docs/proto3#updating</a:t>
-            </a:r>
-            <a:r>
-              <a:rPr lang="en-US" sz="1700" dirty="0"/>
-              <a:t> for more details</a:t>
-            </a:r>
-          </a:p>
         </p:txBody>
       </p:sp>
       <p:sp>
@@ -6382,7 +6788,7 @@
           <a:p>
             <a:r>
               <a:rPr lang="en-US" dirty="0"/>
-              <a:t>Backward Compatibility</a:t>
+              <a:t>Other Notable Features</a:t>
             </a:r>
           </a:p>
         </p:txBody>
@@ -6390,7 +6796,7 @@
     </p:spTree>
     <p:extLst>
       <p:ext uri="{BB962C8B-B14F-4D97-AF65-F5344CB8AC3E}">
-        <p14:creationId xmlns:p14="http://schemas.microsoft.com/office/powerpoint/2010/main" val="935860565"/>
+        <p14:creationId xmlns:p14="http://schemas.microsoft.com/office/powerpoint/2010/main" val="1652148472"/>
       </p:ext>
     </p:extLst>
   </p:cSld>
@@ -6442,70 +6848,143 @@
         <p:spPr/>
         <p:txBody>
           <a:bodyPr>
-            <a:normAutofit/>
+            <a:normAutofit fontScale="70000" lnSpcReduction="20000"/>
           </a:bodyPr>
           <a:lstStyle/>
           <a:p>
-            <a:r>
-              <a:rPr lang="en-US" dirty="0" smtClean="0"/>
-              <a:t>For integers: </a:t>
-            </a:r>
-            <a:r>
-              <a:rPr lang="en-US" b="1" dirty="0" err="1" smtClean="0"/>
-              <a:t>varints</a:t>
-            </a:r>
-            <a:r>
-              <a:rPr lang="en-US" dirty="0"/>
-              <a:t> </a:t>
-            </a:r>
-            <a:r>
-              <a:rPr lang="en-US" dirty="0" smtClean="0"/>
-              <a:t>and </a:t>
-            </a:r>
-            <a:r>
-              <a:rPr lang="en-US" dirty="0" err="1" smtClean="0"/>
-              <a:t>ZigZag</a:t>
-            </a:r>
-            <a:r>
-              <a:rPr lang="en-US" dirty="0" smtClean="0"/>
-              <a:t> encoding</a:t>
-            </a:r>
-          </a:p>
-          <a:p>
-            <a:pPr lvl="1"/>
-            <a:r>
-              <a:rPr lang="en-US" dirty="0" smtClean="0"/>
-              <a:t>Smaller values -&gt; shorter encoding</a:t>
-            </a:r>
-          </a:p>
-          <a:p>
-            <a:r>
-              <a:rPr lang="en-US" dirty="0" smtClean="0"/>
-              <a:t>Select data type based on expected value ranges</a:t>
-            </a:r>
-          </a:p>
-          <a:p>
-            <a:pPr lvl="1"/>
-            <a:r>
-              <a:rPr lang="en-US" dirty="0" smtClean="0"/>
-              <a:t>Using int32 or int64 for negative values is very inefficient—10 bytes each!</a:t>
-            </a:r>
-          </a:p>
-          <a:p>
-            <a:pPr lvl="1"/>
-            <a:r>
-              <a:rPr lang="en-US" dirty="0" smtClean="0"/>
-              <a:t>double &amp; fixed64 always 8 bytes; float &amp; fixed32 always 4 bytes</a:t>
-            </a:r>
-          </a:p>
-          <a:p>
-            <a:r>
-              <a:rPr lang="en-US" dirty="0" smtClean="0"/>
-              <a:t>Frequently-used fields should have lower tags (magic numbers: 15, 2047)</a:t>
-            </a:r>
-          </a:p>
-          <a:p>
-            <a:endParaRPr lang="en-US" dirty="0"/>
+            <a:pPr marL="0" indent="0">
+              <a:buNone/>
+            </a:pPr>
+            <a:r>
+              <a:rPr lang="en-US" dirty="0">
+                <a:latin typeface="Consolas" panose="020B0609020204030204" pitchFamily="49" charset="0"/>
+              </a:rPr>
+              <a:t>message </a:t>
+            </a:r>
+            <a:r>
+              <a:rPr lang="en-US" dirty="0" err="1">
+                <a:latin typeface="Consolas" panose="020B0609020204030204" pitchFamily="49" charset="0"/>
+              </a:rPr>
+              <a:t>SensorData</a:t>
+            </a:r>
+            <a:r>
+              <a:rPr lang="en-US" dirty="0">
+                <a:latin typeface="Consolas" panose="020B0609020204030204" pitchFamily="49" charset="0"/>
+              </a:rPr>
+              <a:t> {</a:t>
+            </a:r>
+          </a:p>
+          <a:p>
+            <a:pPr marL="0" indent="0">
+              <a:buNone/>
+            </a:pPr>
+            <a:r>
+              <a:rPr lang="en-US" dirty="0">
+                <a:latin typeface="Consolas" panose="020B0609020204030204" pitchFamily="49" charset="0"/>
+              </a:rPr>
+              <a:t>    float temperature             = 1;</a:t>
+            </a:r>
+          </a:p>
+          <a:p>
+            <a:pPr marL="0" indent="0">
+              <a:buNone/>
+            </a:pPr>
+            <a:r>
+              <a:rPr lang="en-US" dirty="0">
+                <a:latin typeface="Consolas" panose="020B0609020204030204" pitchFamily="49" charset="0"/>
+              </a:rPr>
+              <a:t>    uint32 humidity               = 2; // Relative humidity </a:t>
+            </a:r>
+          </a:p>
+          <a:p>
+            <a:pPr marL="0" indent="0">
+              <a:buNone/>
+            </a:pPr>
+            <a:r>
+              <a:rPr lang="en-US" dirty="0">
+                <a:latin typeface="Consolas" panose="020B0609020204030204" pitchFamily="49" charset="0"/>
+              </a:rPr>
+              <a:t>    </a:t>
+            </a:r>
+            <a:r>
+              <a:rPr lang="en-US" dirty="0" err="1">
+                <a:latin typeface="Consolas" panose="020B0609020204030204" pitchFamily="49" charset="0"/>
+              </a:rPr>
+              <a:t>enum</a:t>
+            </a:r>
+            <a:r>
+              <a:rPr lang="en-US" dirty="0">
+                <a:latin typeface="Consolas" panose="020B0609020204030204" pitchFamily="49" charset="0"/>
+              </a:rPr>
+              <a:t> Units {</a:t>
+            </a:r>
+          </a:p>
+          <a:p>
+            <a:pPr marL="0" indent="0">
+              <a:buNone/>
+            </a:pPr>
+            <a:r>
+              <a:rPr lang="en-US" dirty="0">
+                <a:latin typeface="Consolas" panose="020B0609020204030204" pitchFamily="49" charset="0"/>
+              </a:rPr>
+              <a:t>        IMPERIAL = 0;</a:t>
+            </a:r>
+          </a:p>
+          <a:p>
+            <a:pPr marL="0" indent="0">
+              <a:buNone/>
+            </a:pPr>
+            <a:r>
+              <a:rPr lang="en-US" dirty="0">
+                <a:latin typeface="Consolas" panose="020B0609020204030204" pitchFamily="49" charset="0"/>
+              </a:rPr>
+              <a:t>        REBEL    = 1;</a:t>
+            </a:r>
+          </a:p>
+          <a:p>
+            <a:pPr marL="0" indent="0">
+              <a:buNone/>
+            </a:pPr>
+            <a:r>
+              <a:rPr lang="en-US" dirty="0">
+                <a:latin typeface="Consolas" panose="020B0609020204030204" pitchFamily="49" charset="0"/>
+              </a:rPr>
+              <a:t>    }</a:t>
+            </a:r>
+          </a:p>
+          <a:p>
+            <a:pPr marL="0" indent="0">
+              <a:buNone/>
+            </a:pPr>
+            <a:r>
+              <a:rPr lang="en-US" dirty="0">
+                <a:latin typeface="Consolas" panose="020B0609020204030204" pitchFamily="49" charset="0"/>
+              </a:rPr>
+              <a:t>    Units </a:t>
+            </a:r>
+            <a:r>
+              <a:rPr lang="en-US" dirty="0" err="1">
+                <a:latin typeface="Consolas" panose="020B0609020204030204" pitchFamily="49" charset="0"/>
+              </a:rPr>
+              <a:t>units</a:t>
+            </a:r>
+            <a:r>
+              <a:rPr lang="en-US" dirty="0">
+                <a:latin typeface="Consolas" panose="020B0609020204030204" pitchFamily="49" charset="0"/>
+              </a:rPr>
+              <a:t>                   = 3;</a:t>
+            </a:r>
+          </a:p>
+          <a:p>
+            <a:pPr marL="0" indent="0">
+              <a:buNone/>
+            </a:pPr>
+            <a:r>
+              <a:rPr lang="en-US" dirty="0">
+                <a:latin typeface="Consolas" panose="020B0609020204030204" pitchFamily="49" charset="0"/>
+              </a:rPr>
+              <a:t>}</a:t>
+            </a:r>
           </a:p>
         </p:txBody>
       </p:sp>
@@ -6526,7 +7005,7 @@
           <a:p>
             <a:r>
               <a:rPr lang="en-US" dirty="0"/>
-              <a:t>Encoding Efficiency</a:t>
+              <a:t>A Simple .proto File</a:t>
             </a:r>
           </a:p>
         </p:txBody>
@@ -6534,7 +7013,7 @@
     </p:spTree>
     <p:extLst>
       <p:ext uri="{BB962C8B-B14F-4D97-AF65-F5344CB8AC3E}">
-        <p14:creationId xmlns:p14="http://schemas.microsoft.com/office/powerpoint/2010/main" val="1843164539"/>
+        <p14:creationId xmlns:p14="http://schemas.microsoft.com/office/powerpoint/2010/main" val="3224243975"/>
       </p:ext>
     </p:extLst>
   </p:cSld>
@@ -6575,6 +7054,698 @@
       </p:grpSpPr>
       <p:sp>
         <p:nvSpPr>
+          <p:cNvPr id="2" name="Content Placeholder 1"/>
+          <p:cNvSpPr>
+            <a:spLocks noGrp="1"/>
+          </p:cNvSpPr>
+          <p:nvPr>
+            <p:ph idx="1"/>
+          </p:nvPr>
+        </p:nvSpPr>
+        <p:spPr>
+          <a:xfrm>
+            <a:off x="1522876" y="1905000"/>
+            <a:ext cx="9143538" cy="3697465"/>
+          </a:xfrm>
+        </p:spPr>
+        <p:txBody>
+          <a:bodyPr>
+            <a:normAutofit/>
+          </a:bodyPr>
+          <a:lstStyle/>
+          <a:p>
+            <a:r>
+              <a:rPr lang="en-US" dirty="0"/>
+              <a:t>Code generated from .proto files via proto compiler (</a:t>
+            </a:r>
+            <a:r>
+              <a:rPr lang="en-US" b="1" dirty="0" err="1"/>
+              <a:t>protoc</a:t>
+            </a:r>
+            <a:r>
+              <a:rPr lang="en-US" dirty="0"/>
+              <a:t>) </a:t>
+            </a:r>
+          </a:p>
+          <a:p>
+            <a:r>
+              <a:rPr lang="en-US" dirty="0"/>
+              <a:t>Typical invocation for Python:</a:t>
+            </a:r>
+          </a:p>
+          <a:p>
+            <a:pPr marL="274320" lvl="1" indent="0">
+              <a:buNone/>
+            </a:pPr>
+            <a:r>
+              <a:rPr lang="en-US" sz="1600" dirty="0" err="1">
+                <a:latin typeface="Consolas" panose="020B0609020204030204" pitchFamily="49" charset="0"/>
+              </a:rPr>
+              <a:t>protoc</a:t>
+            </a:r>
+            <a:r>
+              <a:rPr lang="en-US" sz="1600" dirty="0">
+                <a:latin typeface="Consolas" panose="020B0609020204030204" pitchFamily="49" charset="0"/>
+              </a:rPr>
+              <a:t> –I path/to/.proto-</a:t>
+            </a:r>
+            <a:r>
+              <a:rPr lang="en-US" sz="1600" dirty="0" err="1">
+                <a:latin typeface="Consolas" panose="020B0609020204030204" pitchFamily="49" charset="0"/>
+              </a:rPr>
+              <a:t>dir</a:t>
+            </a:r>
+            <a:r>
+              <a:rPr lang="en-US" sz="1600" dirty="0">
+                <a:latin typeface="Consolas" panose="020B0609020204030204" pitchFamily="49" charset="0"/>
+              </a:rPr>
+              <a:t> --</a:t>
+            </a:r>
+            <a:r>
+              <a:rPr lang="en-US" sz="1600" dirty="0" err="1">
+                <a:latin typeface="Consolas" panose="020B0609020204030204" pitchFamily="49" charset="0"/>
+              </a:rPr>
+              <a:t>python_out</a:t>
+            </a:r>
+            <a:r>
+              <a:rPr lang="en-US" sz="1600" dirty="0">
+                <a:latin typeface="Consolas" panose="020B0609020204030204" pitchFamily="49" charset="0"/>
+              </a:rPr>
+              <a:t>=DST_DIR path/to/</a:t>
+            </a:r>
+            <a:r>
+              <a:rPr lang="en-US" sz="1600" dirty="0" err="1">
+                <a:latin typeface="Consolas" panose="020B0609020204030204" pitchFamily="49" charset="0"/>
+              </a:rPr>
+              <a:t>file.proto</a:t>
+            </a:r>
+            <a:endParaRPr lang="en-US" sz="1600" dirty="0">
+              <a:latin typeface="Consolas" panose="020B0609020204030204" pitchFamily="49" charset="0"/>
+            </a:endParaRPr>
+          </a:p>
+          <a:p>
+            <a:r>
+              <a:rPr lang="en-US" dirty="0"/>
+              <a:t>Invoke</a:t>
+            </a:r>
+            <a:r>
+              <a:rPr lang="en-US" sz="2000" dirty="0"/>
+              <a:t> </a:t>
+            </a:r>
+            <a:r>
+              <a:rPr lang="en-US" sz="2000" dirty="0" err="1">
+                <a:latin typeface="Consolas" panose="020B0609020204030204" pitchFamily="49" charset="0"/>
+              </a:rPr>
+              <a:t>protoc</a:t>
+            </a:r>
+            <a:r>
+              <a:rPr lang="en-US" sz="2000" dirty="0">
+                <a:latin typeface="Consolas" panose="020B0609020204030204" pitchFamily="49" charset="0"/>
+              </a:rPr>
+              <a:t> --help </a:t>
+            </a:r>
+            <a:r>
+              <a:rPr lang="en-US" dirty="0"/>
+              <a:t>for full listing of options</a:t>
+            </a:r>
+          </a:p>
+          <a:p>
+            <a:r>
+              <a:rPr lang="en-US" dirty="0"/>
+              <a:t>Output: a module with a static descriptor of each message type, which is used with a </a:t>
+            </a:r>
+            <a:r>
+              <a:rPr lang="en-US" dirty="0" err="1"/>
+              <a:t>metaclass</a:t>
+            </a:r>
+            <a:r>
+              <a:rPr lang="en-US" dirty="0"/>
+              <a:t> to create the necessary Python data access class at runtime</a:t>
+            </a:r>
+          </a:p>
+          <a:p>
+            <a:pPr marL="274320" lvl="1" indent="0">
+              <a:buNone/>
+            </a:pPr>
+            <a:endParaRPr lang="en-US" sz="1600" dirty="0">
+              <a:latin typeface="Consolas" panose="020B0609020204030204" pitchFamily="49" charset="0"/>
+            </a:endParaRPr>
+          </a:p>
+        </p:txBody>
+      </p:sp>
+      <p:sp>
+        <p:nvSpPr>
+          <p:cNvPr id="3" name="Title 2"/>
+          <p:cNvSpPr>
+            <a:spLocks noGrp="1"/>
+          </p:cNvSpPr>
+          <p:nvPr>
+            <p:ph type="title"/>
+          </p:nvPr>
+        </p:nvSpPr>
+        <p:spPr/>
+        <p:txBody>
+          <a:bodyPr/>
+          <a:lstStyle/>
+          <a:p>
+            <a:r>
+              <a:rPr lang="en-US" dirty="0"/>
+              <a:t>Generating Python Code</a:t>
+            </a:r>
+          </a:p>
+        </p:txBody>
+      </p:sp>
+    </p:spTree>
+    <p:extLst>
+      <p:ext uri="{BB962C8B-B14F-4D97-AF65-F5344CB8AC3E}">
+        <p14:creationId xmlns:p14="http://schemas.microsoft.com/office/powerpoint/2010/main" val="2928237926"/>
+      </p:ext>
+    </p:extLst>
+  </p:cSld>
+  <p:clrMapOvr>
+    <a:masterClrMapping/>
+  </p:clrMapOvr>
+  <mc:AlternateContent xmlns:mc="http://schemas.openxmlformats.org/markup-compatibility/2006" xmlns:p14="http://schemas.microsoft.com/office/powerpoint/2010/main">
+    <mc:Choice Requires="p14">
+      <p:transition spd="med" p14:dur="700">
+        <p:fade/>
+      </p:transition>
+    </mc:Choice>
+    <mc:Fallback xmlns="">
+      <p:transition spd="med">
+        <p:fade/>
+      </p:transition>
+    </mc:Fallback>
+  </mc:AlternateContent>
+</p:sld>
+</file>
+
+<file path=ppt/slides/slide17.xml><?xml version="1.0" encoding="utf-8"?>
+<p:sld xmlns:a="http://schemas.openxmlformats.org/drawingml/2006/main" xmlns:r="http://schemas.openxmlformats.org/officeDocument/2006/relationships" xmlns:p="http://schemas.openxmlformats.org/presentationml/2006/main">
+  <p:cSld>
+    <p:spTree>
+      <p:nvGrpSpPr>
+        <p:cNvPr id="1" name=""/>
+        <p:cNvGrpSpPr/>
+        <p:nvPr/>
+      </p:nvGrpSpPr>
+      <p:grpSpPr>
+        <a:xfrm>
+          <a:off x="0" y="0"/>
+          <a:ext cx="0" cy="0"/>
+          <a:chOff x="0" y="0"/>
+          <a:chExt cx="0" cy="0"/>
+        </a:xfrm>
+      </p:grpSpPr>
+      <p:sp>
+        <p:nvSpPr>
+          <p:cNvPr id="2" name="Content Placeholder 1"/>
+          <p:cNvSpPr>
+            <a:spLocks noGrp="1"/>
+          </p:cNvSpPr>
+          <p:nvPr>
+            <p:ph idx="1"/>
+          </p:nvPr>
+        </p:nvSpPr>
+        <p:spPr/>
+        <p:txBody>
+          <a:bodyPr>
+            <a:normAutofit/>
+          </a:bodyPr>
+          <a:lstStyle/>
+          <a:p>
+            <a:pPr marL="0" indent="0">
+              <a:buNone/>
+            </a:pPr>
+            <a:r>
+              <a:rPr lang="en-US" dirty="0">
+                <a:latin typeface="Consolas" panose="020B0609020204030204" pitchFamily="49" charset="0"/>
+              </a:rPr>
+              <a:t>def serialize(t, h):</a:t>
+            </a:r>
+          </a:p>
+          <a:p>
+            <a:pPr marL="0" indent="0">
+              <a:buNone/>
+            </a:pPr>
+            <a:r>
+              <a:rPr lang="en-US" dirty="0">
+                <a:latin typeface="Consolas" panose="020B0609020204030204" pitchFamily="49" charset="0"/>
+              </a:rPr>
+              <a:t>    </a:t>
+            </a:r>
+            <a:r>
+              <a:rPr lang="en-US" dirty="0" err="1">
+                <a:latin typeface="Consolas" panose="020B0609020204030204" pitchFamily="49" charset="0"/>
+              </a:rPr>
+              <a:t>msg</a:t>
+            </a:r>
+            <a:r>
+              <a:rPr lang="en-US" dirty="0">
+                <a:latin typeface="Consolas" panose="020B0609020204030204" pitchFamily="49" charset="0"/>
+              </a:rPr>
+              <a:t> = simple_pb2.SensorData()</a:t>
+            </a:r>
+          </a:p>
+          <a:p>
+            <a:pPr marL="0" indent="0">
+              <a:buNone/>
+            </a:pPr>
+            <a:r>
+              <a:rPr lang="en-US" dirty="0">
+                <a:latin typeface="Consolas" panose="020B0609020204030204" pitchFamily="49" charset="0"/>
+              </a:rPr>
+              <a:t>    </a:t>
+            </a:r>
+            <a:r>
+              <a:rPr lang="en-US" dirty="0" err="1">
+                <a:latin typeface="Consolas" panose="020B0609020204030204" pitchFamily="49" charset="0"/>
+              </a:rPr>
+              <a:t>msg.temperature</a:t>
+            </a:r>
+            <a:r>
+              <a:rPr lang="en-US" dirty="0">
+                <a:latin typeface="Consolas" panose="020B0609020204030204" pitchFamily="49" charset="0"/>
+              </a:rPr>
+              <a:t> = t</a:t>
+            </a:r>
+          </a:p>
+          <a:p>
+            <a:pPr marL="0" indent="0">
+              <a:buNone/>
+            </a:pPr>
+            <a:r>
+              <a:rPr lang="en-US" dirty="0">
+                <a:latin typeface="Consolas" panose="020B0609020204030204" pitchFamily="49" charset="0"/>
+              </a:rPr>
+              <a:t>    </a:t>
+            </a:r>
+            <a:r>
+              <a:rPr lang="en-US" dirty="0" err="1">
+                <a:latin typeface="Consolas" panose="020B0609020204030204" pitchFamily="49" charset="0"/>
+              </a:rPr>
+              <a:t>msg.humidity</a:t>
+            </a:r>
+            <a:r>
+              <a:rPr lang="en-US" dirty="0">
+                <a:latin typeface="Consolas" panose="020B0609020204030204" pitchFamily="49" charset="0"/>
+              </a:rPr>
+              <a:t> = h</a:t>
+            </a:r>
+          </a:p>
+          <a:p>
+            <a:pPr marL="0" indent="0">
+              <a:buNone/>
+            </a:pPr>
+            <a:r>
+              <a:rPr lang="en-US" dirty="0">
+                <a:latin typeface="Consolas" panose="020B0609020204030204" pitchFamily="49" charset="0"/>
+              </a:rPr>
+              <a:t>    </a:t>
+            </a:r>
+            <a:r>
+              <a:rPr lang="en-US" dirty="0" err="1">
+                <a:latin typeface="Consolas" panose="020B0609020204030204" pitchFamily="49" charset="0"/>
+              </a:rPr>
+              <a:t>msg.units</a:t>
+            </a:r>
+            <a:r>
+              <a:rPr lang="en-US" dirty="0">
+                <a:latin typeface="Consolas" panose="020B0609020204030204" pitchFamily="49" charset="0"/>
+              </a:rPr>
+              <a:t> = simple_pb2.SensorData.REBEL</a:t>
+            </a:r>
+          </a:p>
+          <a:p>
+            <a:pPr marL="0" indent="0">
+              <a:buNone/>
+            </a:pPr>
+            <a:r>
+              <a:rPr lang="en-US" dirty="0">
+                <a:latin typeface="Consolas" panose="020B0609020204030204" pitchFamily="49" charset="0"/>
+              </a:rPr>
+              <a:t>    return </a:t>
+            </a:r>
+            <a:r>
+              <a:rPr lang="en-US" dirty="0" err="1">
+                <a:latin typeface="Consolas" panose="020B0609020204030204" pitchFamily="49" charset="0"/>
+              </a:rPr>
+              <a:t>msg.SerializeToString</a:t>
+            </a:r>
+            <a:r>
+              <a:rPr lang="en-US" dirty="0">
+                <a:latin typeface="Consolas" panose="020B0609020204030204" pitchFamily="49" charset="0"/>
+              </a:rPr>
+              <a:t>()</a:t>
+            </a:r>
+          </a:p>
+        </p:txBody>
+      </p:sp>
+      <p:sp>
+        <p:nvSpPr>
+          <p:cNvPr id="3" name="Title 2"/>
+          <p:cNvSpPr>
+            <a:spLocks noGrp="1"/>
+          </p:cNvSpPr>
+          <p:nvPr>
+            <p:ph type="title"/>
+          </p:nvPr>
+        </p:nvSpPr>
+        <p:spPr/>
+        <p:txBody>
+          <a:bodyPr/>
+          <a:lstStyle/>
+          <a:p>
+            <a:r>
+              <a:rPr lang="en-US" dirty="0"/>
+              <a:t>Using the Compiled Code: Serializing</a:t>
+            </a:r>
+          </a:p>
+        </p:txBody>
+      </p:sp>
+    </p:spTree>
+    <p:extLst>
+      <p:ext uri="{BB962C8B-B14F-4D97-AF65-F5344CB8AC3E}">
+        <p14:creationId xmlns:p14="http://schemas.microsoft.com/office/powerpoint/2010/main" val="2819748410"/>
+      </p:ext>
+    </p:extLst>
+  </p:cSld>
+  <p:clrMapOvr>
+    <a:masterClrMapping/>
+  </p:clrMapOvr>
+  <mc:AlternateContent xmlns:mc="http://schemas.openxmlformats.org/markup-compatibility/2006" xmlns:p14="http://schemas.microsoft.com/office/powerpoint/2010/main">
+    <mc:Choice Requires="p14">
+      <p:transition spd="med" p14:dur="700">
+        <p:fade/>
+      </p:transition>
+    </mc:Choice>
+    <mc:Fallback xmlns="">
+      <p:transition spd="med">
+        <p:fade/>
+      </p:transition>
+    </mc:Fallback>
+  </mc:AlternateContent>
+</p:sld>
+</file>
+
+<file path=ppt/slides/slide18.xml><?xml version="1.0" encoding="utf-8"?>
+<p:sld xmlns:a="http://schemas.openxmlformats.org/drawingml/2006/main" xmlns:r="http://schemas.openxmlformats.org/officeDocument/2006/relationships" xmlns:p="http://schemas.openxmlformats.org/presentationml/2006/main">
+  <p:cSld>
+    <p:spTree>
+      <p:nvGrpSpPr>
+        <p:cNvPr id="1" name=""/>
+        <p:cNvGrpSpPr/>
+        <p:nvPr/>
+      </p:nvGrpSpPr>
+      <p:grpSpPr>
+        <a:xfrm>
+          <a:off x="0" y="0"/>
+          <a:ext cx="0" cy="0"/>
+          <a:chOff x="0" y="0"/>
+          <a:chExt cx="0" cy="0"/>
+        </a:xfrm>
+      </p:grpSpPr>
+      <p:sp>
+        <p:nvSpPr>
+          <p:cNvPr id="2" name="Content Placeholder 1"/>
+          <p:cNvSpPr>
+            <a:spLocks noGrp="1"/>
+          </p:cNvSpPr>
+          <p:nvPr>
+            <p:ph idx="1"/>
+          </p:nvPr>
+        </p:nvSpPr>
+        <p:spPr/>
+        <p:txBody>
+          <a:bodyPr>
+            <a:normAutofit fontScale="70000" lnSpcReduction="20000"/>
+          </a:bodyPr>
+          <a:lstStyle/>
+          <a:p>
+            <a:pPr marL="0" indent="0">
+              <a:buNone/>
+            </a:pPr>
+            <a:r>
+              <a:rPr lang="en-US" dirty="0">
+                <a:latin typeface="Consolas" panose="020B0609020204030204" pitchFamily="49" charset="0"/>
+              </a:rPr>
+              <a:t>def </a:t>
+            </a:r>
+            <a:r>
+              <a:rPr lang="en-US" dirty="0" err="1">
+                <a:latin typeface="Consolas" panose="020B0609020204030204" pitchFamily="49" charset="0"/>
+              </a:rPr>
+              <a:t>deserialize</a:t>
+            </a:r>
+            <a:r>
+              <a:rPr lang="en-US" dirty="0">
+                <a:latin typeface="Consolas" panose="020B0609020204030204" pitchFamily="49" charset="0"/>
+              </a:rPr>
+              <a:t>(</a:t>
+            </a:r>
+            <a:r>
+              <a:rPr lang="en-US" dirty="0" err="1">
+                <a:latin typeface="Consolas" panose="020B0609020204030204" pitchFamily="49" charset="0"/>
+              </a:rPr>
+              <a:t>serialized_data</a:t>
+            </a:r>
+            <a:r>
+              <a:rPr lang="en-US" dirty="0">
+                <a:latin typeface="Consolas" panose="020B0609020204030204" pitchFamily="49" charset="0"/>
+              </a:rPr>
+              <a:t>):</a:t>
+            </a:r>
+          </a:p>
+          <a:p>
+            <a:pPr marL="0" indent="0">
+              <a:buNone/>
+            </a:pPr>
+            <a:r>
+              <a:rPr lang="en-US" dirty="0">
+                <a:latin typeface="Consolas" panose="020B0609020204030204" pitchFamily="49" charset="0"/>
+              </a:rPr>
+              <a:t>    </a:t>
+            </a:r>
+            <a:r>
+              <a:rPr lang="en-US" dirty="0" err="1">
+                <a:latin typeface="Consolas" panose="020B0609020204030204" pitchFamily="49" charset="0"/>
+              </a:rPr>
+              <a:t>msg</a:t>
+            </a:r>
+            <a:r>
+              <a:rPr lang="en-US" dirty="0">
+                <a:latin typeface="Consolas" panose="020B0609020204030204" pitchFamily="49" charset="0"/>
+              </a:rPr>
+              <a:t> = simple_pb2.SensorData()</a:t>
+            </a:r>
+          </a:p>
+          <a:p>
+            <a:pPr marL="0" indent="0">
+              <a:buNone/>
+            </a:pPr>
+            <a:r>
+              <a:rPr lang="en-US" dirty="0">
+                <a:latin typeface="Consolas" panose="020B0609020204030204" pitchFamily="49" charset="0"/>
+              </a:rPr>
+              <a:t>    </a:t>
+            </a:r>
+            <a:r>
+              <a:rPr lang="en-US" dirty="0" err="1">
+                <a:latin typeface="Consolas" panose="020B0609020204030204" pitchFamily="49" charset="0"/>
+              </a:rPr>
+              <a:t>msg.ParseFromString</a:t>
+            </a:r>
+            <a:r>
+              <a:rPr lang="en-US" dirty="0">
+                <a:latin typeface="Consolas" panose="020B0609020204030204" pitchFamily="49" charset="0"/>
+              </a:rPr>
+              <a:t>(</a:t>
+            </a:r>
+            <a:r>
+              <a:rPr lang="en-US" dirty="0" err="1">
+                <a:latin typeface="Consolas" panose="020B0609020204030204" pitchFamily="49" charset="0"/>
+              </a:rPr>
+              <a:t>serialized_data</a:t>
+            </a:r>
+            <a:r>
+              <a:rPr lang="en-US" dirty="0">
+                <a:latin typeface="Consolas" panose="020B0609020204030204" pitchFamily="49" charset="0"/>
+              </a:rPr>
+              <a:t>)</a:t>
+            </a:r>
+          </a:p>
+          <a:p>
+            <a:pPr marL="0" indent="0">
+              <a:buNone/>
+            </a:pPr>
+            <a:r>
+              <a:rPr lang="en-US" dirty="0">
+                <a:latin typeface="Consolas" panose="020B0609020204030204" pitchFamily="49" charset="0"/>
+              </a:rPr>
+              <a:t>    t = </a:t>
+            </a:r>
+            <a:r>
+              <a:rPr lang="en-US" dirty="0" err="1">
+                <a:latin typeface="Consolas" panose="020B0609020204030204" pitchFamily="49" charset="0"/>
+              </a:rPr>
+              <a:t>msg.temperature</a:t>
+            </a:r>
+            <a:endParaRPr lang="en-US" dirty="0">
+              <a:latin typeface="Consolas" panose="020B0609020204030204" pitchFamily="49" charset="0"/>
+            </a:endParaRPr>
+          </a:p>
+          <a:p>
+            <a:pPr marL="0" indent="0">
+              <a:buNone/>
+            </a:pPr>
+            <a:r>
+              <a:rPr lang="en-US" dirty="0">
+                <a:latin typeface="Consolas" panose="020B0609020204030204" pitchFamily="49" charset="0"/>
+              </a:rPr>
+              <a:t>    h = </a:t>
+            </a:r>
+            <a:r>
+              <a:rPr lang="en-US" dirty="0" err="1">
+                <a:latin typeface="Consolas" panose="020B0609020204030204" pitchFamily="49" charset="0"/>
+              </a:rPr>
+              <a:t>msg.humidity</a:t>
+            </a:r>
+            <a:endParaRPr lang="en-US" dirty="0">
+              <a:latin typeface="Consolas" panose="020B0609020204030204" pitchFamily="49" charset="0"/>
+            </a:endParaRPr>
+          </a:p>
+          <a:p>
+            <a:pPr marL="0" indent="0">
+              <a:buNone/>
+            </a:pPr>
+            <a:r>
+              <a:rPr lang="en-US" dirty="0">
+                <a:latin typeface="Consolas" panose="020B0609020204030204" pitchFamily="49" charset="0"/>
+              </a:rPr>
+              <a:t>    units = </a:t>
+            </a:r>
+            <a:r>
+              <a:rPr lang="en-US" dirty="0" err="1">
+                <a:latin typeface="Consolas" panose="020B0609020204030204" pitchFamily="49" charset="0"/>
+              </a:rPr>
+              <a:t>msg.units</a:t>
+            </a:r>
+            <a:endParaRPr lang="en-US" dirty="0">
+              <a:latin typeface="Consolas" panose="020B0609020204030204" pitchFamily="49" charset="0"/>
+            </a:endParaRPr>
+          </a:p>
+          <a:p>
+            <a:pPr marL="0" indent="0">
+              <a:buNone/>
+            </a:pPr>
+            <a:r>
+              <a:rPr lang="en-US" dirty="0">
+                <a:latin typeface="Consolas" panose="020B0609020204030204" pitchFamily="49" charset="0"/>
+              </a:rPr>
+              <a:t>    if units == simple_pb2.SensorData.IMPERIAL:</a:t>
+            </a:r>
+          </a:p>
+          <a:p>
+            <a:pPr marL="0" indent="0">
+              <a:buNone/>
+            </a:pPr>
+            <a:r>
+              <a:rPr lang="en-US" dirty="0">
+                <a:latin typeface="Consolas" panose="020B0609020204030204" pitchFamily="49" charset="0"/>
+              </a:rPr>
+              <a:t>        t = (t - 32) * 5.0 / 9.0</a:t>
+            </a:r>
+          </a:p>
+          <a:p>
+            <a:pPr marL="0" indent="0">
+              <a:buNone/>
+            </a:pPr>
+            <a:r>
+              <a:rPr lang="en-US" dirty="0">
+                <a:latin typeface="Consolas" panose="020B0609020204030204" pitchFamily="49" charset="0"/>
+              </a:rPr>
+              <a:t>    return (t, h)</a:t>
+            </a:r>
+          </a:p>
+          <a:p>
+            <a:pPr marL="0" indent="0">
+              <a:buNone/>
+            </a:pPr>
+            <a:endParaRPr lang="en-US" dirty="0"/>
+          </a:p>
+        </p:txBody>
+      </p:sp>
+      <p:sp>
+        <p:nvSpPr>
+          <p:cNvPr id="3" name="Title 2"/>
+          <p:cNvSpPr>
+            <a:spLocks noGrp="1"/>
+          </p:cNvSpPr>
+          <p:nvPr>
+            <p:ph type="title"/>
+          </p:nvPr>
+        </p:nvSpPr>
+        <p:spPr/>
+        <p:txBody>
+          <a:bodyPr/>
+          <a:lstStyle/>
+          <a:p>
+            <a:r>
+              <a:rPr lang="en-US" dirty="0"/>
+              <a:t>Using the Compiled Code: </a:t>
+            </a:r>
+            <a:r>
+              <a:rPr lang="en-US" dirty="0" err="1"/>
+              <a:t>Deserialize</a:t>
+            </a:r>
+            <a:endParaRPr lang="en-US" dirty="0"/>
+          </a:p>
+        </p:txBody>
+      </p:sp>
+    </p:spTree>
+    <p:extLst>
+      <p:ext uri="{BB962C8B-B14F-4D97-AF65-F5344CB8AC3E}">
+        <p14:creationId xmlns:p14="http://schemas.microsoft.com/office/powerpoint/2010/main" val="2277224114"/>
+      </p:ext>
+    </p:extLst>
+  </p:cSld>
+  <p:clrMapOvr>
+    <a:masterClrMapping/>
+  </p:clrMapOvr>
+  <mc:AlternateContent xmlns:mc="http://schemas.openxmlformats.org/markup-compatibility/2006" xmlns:p14="http://schemas.microsoft.com/office/powerpoint/2010/main">
+    <mc:Choice Requires="p14">
+      <p:transition spd="med" p14:dur="700">
+        <p:fade/>
+      </p:transition>
+    </mc:Choice>
+    <mc:Fallback xmlns="">
+      <p:transition spd="med">
+        <p:fade/>
+      </p:transition>
+    </mc:Fallback>
+  </mc:AlternateContent>
+</p:sld>
+</file>
+
+<file path=ppt/slides/slide19.xml><?xml version="1.0" encoding="utf-8"?>
+<p:sld xmlns:a="http://schemas.openxmlformats.org/drawingml/2006/main" xmlns:r="http://schemas.openxmlformats.org/officeDocument/2006/relationships" xmlns:p="http://schemas.openxmlformats.org/presentationml/2006/main">
+  <p:cSld>
+    <p:spTree>
+      <p:nvGrpSpPr>
+        <p:cNvPr id="1" name=""/>
+        <p:cNvGrpSpPr/>
+        <p:nvPr/>
+      </p:nvGrpSpPr>
+      <p:grpSpPr>
+        <a:xfrm>
+          <a:off x="0" y="0"/>
+          <a:ext cx="0" cy="0"/>
+          <a:chOff x="0" y="0"/>
+          <a:chExt cx="0" cy="0"/>
+        </a:xfrm>
+      </p:grpSpPr>
+      <p:sp>
+        <p:nvSpPr>
           <p:cNvPr id="3" name="Title 2"/>
           <p:cNvSpPr>
             <a:spLocks noGrp="1"/>
@@ -6600,7 +7771,509 @@
           <p:cNvPr id="7" name="Picture 6">
             <a:extLst>
               <a:ext uri="{FF2B5EF4-FFF2-40B4-BE49-F238E27FC236}">
-                <a16:creationId xmlns:a16="http://schemas.microsoft.com/office/drawing/2014/main" xmlns="" id="{261AA85A-88AE-4A20-97E2-189C6A0B7B67}"/>
+                <a16:creationId xmlns:a16="http://schemas.microsoft.com/office/drawing/2014/main" id="{261AA85A-88AE-4A20-97E2-189C6A0B7B67}"/>
+              </a:ext>
+            </a:extLst>
+          </p:cNvPr>
+          <p:cNvPicPr>
+            <a:picLocks noChangeAspect="1"/>
+          </p:cNvPicPr>
+          <p:nvPr/>
+        </p:nvPicPr>
+        <p:blipFill>
+          <a:blip r:embed="rId2">
+            <a:extLst>
+              <a:ext uri="{28A0092B-C50C-407E-A947-70E740481C1C}">
+                <a14:useLocalDpi xmlns:a14="http://schemas.microsoft.com/office/drawing/2010/main" val="0"/>
+              </a:ext>
+            </a:extLst>
+          </a:blip>
+          <a:stretch>
+            <a:fillRect/>
+          </a:stretch>
+        </p:blipFill>
+        <p:spPr>
+          <a:xfrm>
+            <a:off x="4379912" y="2005012"/>
+            <a:ext cx="3429000" cy="2847975"/>
+          </a:xfrm>
+          <a:prstGeom prst="rect">
+            <a:avLst/>
+          </a:prstGeom>
+        </p:spPr>
+      </p:pic>
+      <p:sp>
+        <p:nvSpPr>
+          <p:cNvPr id="8" name="TextBox 7">
+            <a:extLst>
+              <a:ext uri="{FF2B5EF4-FFF2-40B4-BE49-F238E27FC236}">
+                <a16:creationId xmlns:a16="http://schemas.microsoft.com/office/drawing/2014/main" id="{A1A26C15-9E35-415D-8D27-B7EF0E7623C7}"/>
+              </a:ext>
+            </a:extLst>
+          </p:cNvPr>
+          <p:cNvSpPr txBox="1"/>
+          <p:nvPr/>
+        </p:nvSpPr>
+        <p:spPr>
+          <a:xfrm>
+            <a:off x="4532312" y="5334000"/>
+            <a:ext cx="3124200" cy="369332"/>
+          </a:xfrm>
+          <a:prstGeom prst="rect">
+            <a:avLst/>
+          </a:prstGeom>
+          <a:noFill/>
+          <a:ln>
+            <a:solidFill>
+              <a:schemeClr val="accent1">
+                <a:lumMod val="20000"/>
+                <a:lumOff val="80000"/>
+              </a:schemeClr>
+            </a:solidFill>
+          </a:ln>
+        </p:spPr>
+        <p:txBody>
+          <a:bodyPr wrap="square" rtlCol="0" anchor="ctr" anchorCtr="1">
+            <a:spAutoFit/>
+          </a:bodyPr>
+          <a:lstStyle/>
+          <a:p>
+            <a:r>
+              <a:rPr lang="en-US" dirty="0"/>
+              <a:t>https://xkcd.com/149/</a:t>
+            </a:r>
+          </a:p>
+        </p:txBody>
+      </p:sp>
+    </p:spTree>
+    <p:extLst>
+      <p:ext uri="{BB962C8B-B14F-4D97-AF65-F5344CB8AC3E}">
+        <p14:creationId xmlns:p14="http://schemas.microsoft.com/office/powerpoint/2010/main" val="3507872406"/>
+      </p:ext>
+    </p:extLst>
+  </p:cSld>
+  <p:clrMapOvr>
+    <a:masterClrMapping/>
+  </p:clrMapOvr>
+  <mc:AlternateContent xmlns:mc="http://schemas.openxmlformats.org/markup-compatibility/2006" xmlns:p14="http://schemas.microsoft.com/office/powerpoint/2010/main">
+    <mc:Choice Requires="p14">
+      <p:transition spd="med" p14:dur="700">
+        <p:fade/>
+      </p:transition>
+    </mc:Choice>
+    <mc:Fallback xmlns="">
+      <p:transition spd="med">
+        <p:fade/>
+      </p:transition>
+    </mc:Fallback>
+  </mc:AlternateContent>
+</p:sld>
+</file>
+
+<file path=ppt/slides/slide2.xml><?xml version="1.0" encoding="utf-8"?>
+<p:sld xmlns:a="http://schemas.openxmlformats.org/drawingml/2006/main" xmlns:r="http://schemas.openxmlformats.org/officeDocument/2006/relationships" xmlns:p="http://schemas.openxmlformats.org/presentationml/2006/main">
+  <p:cSld>
+    <p:spTree>
+      <p:nvGrpSpPr>
+        <p:cNvPr id="1" name=""/>
+        <p:cNvGrpSpPr/>
+        <p:nvPr/>
+      </p:nvGrpSpPr>
+      <p:grpSpPr>
+        <a:xfrm>
+          <a:off x="0" y="0"/>
+          <a:ext cx="0" cy="0"/>
+          <a:chOff x="0" y="0"/>
+          <a:chExt cx="0" cy="0"/>
+        </a:xfrm>
+      </p:grpSpPr>
+      <p:sp>
+        <p:nvSpPr>
+          <p:cNvPr id="2" name="Title 1"/>
+          <p:cNvSpPr>
+            <a:spLocks noGrp="1"/>
+          </p:cNvSpPr>
+          <p:nvPr>
+            <p:ph type="title"/>
+          </p:nvPr>
+        </p:nvSpPr>
+        <p:spPr/>
+        <p:txBody>
+          <a:bodyPr/>
+          <a:lstStyle/>
+          <a:p>
+            <a:r>
+              <a:rPr lang="en-US" dirty="0"/>
+              <a:t>Introduction</a:t>
+            </a:r>
+          </a:p>
+        </p:txBody>
+      </p:sp>
+      <p:sp>
+        <p:nvSpPr>
+          <p:cNvPr id="5" name="Content Placeholder 4">
+            <a:extLst>
+              <a:ext uri="{FF2B5EF4-FFF2-40B4-BE49-F238E27FC236}">
+                <a16:creationId xmlns:a16="http://schemas.microsoft.com/office/drawing/2014/main" id="{0C600A2D-9685-41A9-AA92-AE6BCC4B5D5B}"/>
+              </a:ext>
+            </a:extLst>
+          </p:cNvPr>
+          <p:cNvSpPr>
+            <a:spLocks noGrp="1"/>
+          </p:cNvSpPr>
+          <p:nvPr>
+            <p:ph idx="1"/>
+          </p:nvPr>
+        </p:nvSpPr>
+        <p:spPr/>
+        <p:txBody>
+          <a:bodyPr/>
+          <a:lstStyle/>
+          <a:p>
+            <a:endParaRPr lang="en-US" dirty="0"/>
+          </a:p>
+        </p:txBody>
+      </p:sp>
+    </p:spTree>
+    <p:extLst>
+      <p:ext uri="{BB962C8B-B14F-4D97-AF65-F5344CB8AC3E}">
+        <p14:creationId xmlns:p14="http://schemas.microsoft.com/office/powerpoint/2010/main" val="3148110083"/>
+      </p:ext>
+    </p:extLst>
+  </p:cSld>
+  <p:clrMapOvr>
+    <a:masterClrMapping/>
+  </p:clrMapOvr>
+  <mc:AlternateContent xmlns:mc="http://schemas.openxmlformats.org/markup-compatibility/2006" xmlns:p14="http://schemas.microsoft.com/office/powerpoint/2010/main">
+    <mc:Choice Requires="p14">
+      <p:transition spd="med" p14:dur="700">
+        <p:fade/>
+      </p:transition>
+    </mc:Choice>
+    <mc:Fallback xmlns="">
+      <p:transition spd="med">
+        <p:fade/>
+      </p:transition>
+    </mc:Fallback>
+  </mc:AlternateContent>
+</p:sld>
+</file>
+
+<file path=ppt/slides/slide20.xml><?xml version="1.0" encoding="utf-8"?>
+<p:sld xmlns:a="http://schemas.openxmlformats.org/drawingml/2006/main" xmlns:r="http://schemas.openxmlformats.org/officeDocument/2006/relationships" xmlns:p="http://schemas.openxmlformats.org/presentationml/2006/main">
+  <p:cSld>
+    <p:spTree>
+      <p:nvGrpSpPr>
+        <p:cNvPr id="1" name=""/>
+        <p:cNvGrpSpPr/>
+        <p:nvPr/>
+      </p:nvGrpSpPr>
+      <p:grpSpPr>
+        <a:xfrm>
+          <a:off x="0" y="0"/>
+          <a:ext cx="0" cy="0"/>
+          <a:chOff x="0" y="0"/>
+          <a:chExt cx="0" cy="0"/>
+        </a:xfrm>
+      </p:grpSpPr>
+      <p:sp>
+        <p:nvSpPr>
+          <p:cNvPr id="2" name="Content Placeholder 1"/>
+          <p:cNvSpPr>
+            <a:spLocks noGrp="1"/>
+          </p:cNvSpPr>
+          <p:nvPr>
+            <p:ph idx="1"/>
+          </p:nvPr>
+        </p:nvSpPr>
+        <p:spPr/>
+        <p:txBody>
+          <a:bodyPr>
+            <a:normAutofit/>
+          </a:bodyPr>
+          <a:lstStyle/>
+          <a:p>
+            <a:r>
+              <a:rPr lang="en-US" dirty="0"/>
+              <a:t>Numeric tags cannot change once deployed; rename field or use </a:t>
+            </a:r>
+            <a:r>
+              <a:rPr lang="en-US" b="1" dirty="0"/>
+              <a:t>reserved</a:t>
+            </a:r>
+            <a:r>
+              <a:rPr lang="en-US" dirty="0"/>
+              <a:t> keyword</a:t>
+            </a:r>
+          </a:p>
+          <a:p>
+            <a:r>
+              <a:rPr lang="en-US" dirty="0"/>
+              <a:t>Added fields are ignored by clients still using “old” format</a:t>
+            </a:r>
+          </a:p>
+          <a:p>
+            <a:r>
+              <a:rPr lang="en-US" dirty="0"/>
+              <a:t>Removed fields sent by “old” format clients are ignored by “new” clients</a:t>
+            </a:r>
+          </a:p>
+          <a:p>
+            <a:pPr marL="0" indent="0">
+              <a:buNone/>
+            </a:pPr>
+            <a:endParaRPr lang="en-US" dirty="0"/>
+          </a:p>
+          <a:p>
+            <a:r>
+              <a:rPr lang="en-US" sz="1700" dirty="0"/>
+              <a:t>See </a:t>
+            </a:r>
+            <a:r>
+              <a:rPr lang="en-US" sz="1700" dirty="0">
+                <a:hlinkClick r:id="rId2"/>
+              </a:rPr>
+              <a:t>https://developers.google.com/protocol-buffers/docs/proto3#updating</a:t>
+            </a:r>
+            <a:r>
+              <a:rPr lang="en-US" sz="1700" dirty="0"/>
+              <a:t> for more details</a:t>
+            </a:r>
+          </a:p>
+        </p:txBody>
+      </p:sp>
+      <p:sp>
+        <p:nvSpPr>
+          <p:cNvPr id="3" name="Title 2"/>
+          <p:cNvSpPr>
+            <a:spLocks noGrp="1"/>
+          </p:cNvSpPr>
+          <p:nvPr>
+            <p:ph type="title"/>
+          </p:nvPr>
+        </p:nvSpPr>
+        <p:spPr/>
+        <p:txBody>
+          <a:bodyPr/>
+          <a:lstStyle/>
+          <a:p>
+            <a:r>
+              <a:rPr lang="en-US" dirty="0"/>
+              <a:t>Backward Compatibility</a:t>
+            </a:r>
+          </a:p>
+        </p:txBody>
+      </p:sp>
+    </p:spTree>
+    <p:extLst>
+      <p:ext uri="{BB962C8B-B14F-4D97-AF65-F5344CB8AC3E}">
+        <p14:creationId xmlns:p14="http://schemas.microsoft.com/office/powerpoint/2010/main" val="935860565"/>
+      </p:ext>
+    </p:extLst>
+  </p:cSld>
+  <p:clrMapOvr>
+    <a:masterClrMapping/>
+  </p:clrMapOvr>
+  <mc:AlternateContent xmlns:mc="http://schemas.openxmlformats.org/markup-compatibility/2006" xmlns:p14="http://schemas.microsoft.com/office/powerpoint/2010/main">
+    <mc:Choice Requires="p14">
+      <p:transition spd="med" p14:dur="700">
+        <p:fade/>
+      </p:transition>
+    </mc:Choice>
+    <mc:Fallback xmlns="">
+      <p:transition spd="med">
+        <p:fade/>
+      </p:transition>
+    </mc:Fallback>
+  </mc:AlternateContent>
+</p:sld>
+</file>
+
+<file path=ppt/slides/slide21.xml><?xml version="1.0" encoding="utf-8"?>
+<p:sld xmlns:a="http://schemas.openxmlformats.org/drawingml/2006/main" xmlns:r="http://schemas.openxmlformats.org/officeDocument/2006/relationships" xmlns:p="http://schemas.openxmlformats.org/presentationml/2006/main">
+  <p:cSld>
+    <p:spTree>
+      <p:nvGrpSpPr>
+        <p:cNvPr id="1" name=""/>
+        <p:cNvGrpSpPr/>
+        <p:nvPr/>
+      </p:nvGrpSpPr>
+      <p:grpSpPr>
+        <a:xfrm>
+          <a:off x="0" y="0"/>
+          <a:ext cx="0" cy="0"/>
+          <a:chOff x="0" y="0"/>
+          <a:chExt cx="0" cy="0"/>
+        </a:xfrm>
+      </p:grpSpPr>
+      <p:sp>
+        <p:nvSpPr>
+          <p:cNvPr id="2" name="Content Placeholder 1"/>
+          <p:cNvSpPr>
+            <a:spLocks noGrp="1"/>
+          </p:cNvSpPr>
+          <p:nvPr>
+            <p:ph idx="1"/>
+          </p:nvPr>
+        </p:nvSpPr>
+        <p:spPr/>
+        <p:txBody>
+          <a:bodyPr>
+            <a:normAutofit/>
+          </a:bodyPr>
+          <a:lstStyle/>
+          <a:p>
+            <a:r>
+              <a:rPr lang="en-US" dirty="0"/>
+              <a:t>For integers: </a:t>
+            </a:r>
+            <a:r>
+              <a:rPr lang="en-US" b="1" dirty="0" err="1"/>
+              <a:t>varints</a:t>
+            </a:r>
+            <a:r>
+              <a:rPr lang="en-US" dirty="0"/>
+              <a:t> and </a:t>
+            </a:r>
+            <a:r>
+              <a:rPr lang="en-US" dirty="0" err="1"/>
+              <a:t>ZigZag</a:t>
+            </a:r>
+            <a:r>
+              <a:rPr lang="en-US" dirty="0"/>
+              <a:t> encoding</a:t>
+            </a:r>
+          </a:p>
+          <a:p>
+            <a:pPr lvl="1"/>
+            <a:r>
+              <a:rPr lang="en-US" dirty="0"/>
+              <a:t>Smaller values -&gt; shorter encoding</a:t>
+            </a:r>
+          </a:p>
+          <a:p>
+            <a:r>
+              <a:rPr lang="en-US" dirty="0"/>
+              <a:t>Select data type based on expected value ranges</a:t>
+            </a:r>
+          </a:p>
+          <a:p>
+            <a:pPr lvl="1"/>
+            <a:r>
+              <a:rPr lang="en-US" dirty="0"/>
+              <a:t>Using int32 or int64 for negative values is very inefficient—10 bytes each!</a:t>
+            </a:r>
+          </a:p>
+          <a:p>
+            <a:pPr lvl="1"/>
+            <a:r>
+              <a:rPr lang="en-US" dirty="0"/>
+              <a:t>double &amp; fixed64 always 8 bytes; float &amp; fixed32 always 4 bytes</a:t>
+            </a:r>
+          </a:p>
+          <a:p>
+            <a:r>
+              <a:rPr lang="en-US" dirty="0"/>
+              <a:t>Frequently-used fields should have lower tags (magic numbers: 15, 2047)</a:t>
+            </a:r>
+          </a:p>
+          <a:p>
+            <a:endParaRPr lang="en-US" dirty="0"/>
+          </a:p>
+        </p:txBody>
+      </p:sp>
+      <p:sp>
+        <p:nvSpPr>
+          <p:cNvPr id="3" name="Title 2"/>
+          <p:cNvSpPr>
+            <a:spLocks noGrp="1"/>
+          </p:cNvSpPr>
+          <p:nvPr>
+            <p:ph type="title"/>
+          </p:nvPr>
+        </p:nvSpPr>
+        <p:spPr/>
+        <p:txBody>
+          <a:bodyPr/>
+          <a:lstStyle/>
+          <a:p>
+            <a:r>
+              <a:rPr lang="en-US" dirty="0"/>
+              <a:t>Encoding Efficiency</a:t>
+            </a:r>
+          </a:p>
+        </p:txBody>
+      </p:sp>
+    </p:spTree>
+    <p:extLst>
+      <p:ext uri="{BB962C8B-B14F-4D97-AF65-F5344CB8AC3E}">
+        <p14:creationId xmlns:p14="http://schemas.microsoft.com/office/powerpoint/2010/main" val="1843164539"/>
+      </p:ext>
+    </p:extLst>
+  </p:cSld>
+  <p:clrMapOvr>
+    <a:masterClrMapping/>
+  </p:clrMapOvr>
+  <mc:AlternateContent xmlns:mc="http://schemas.openxmlformats.org/markup-compatibility/2006" xmlns:p14="http://schemas.microsoft.com/office/powerpoint/2010/main">
+    <mc:Choice Requires="p14">
+      <p:transition spd="med" p14:dur="700">
+        <p:fade/>
+      </p:transition>
+    </mc:Choice>
+    <mc:Fallback xmlns="">
+      <p:transition spd="med">
+        <p:fade/>
+      </p:transition>
+    </mc:Fallback>
+  </mc:AlternateContent>
+</p:sld>
+</file>
+
+<file path=ppt/slides/slide22.xml><?xml version="1.0" encoding="utf-8"?>
+<p:sld xmlns:a="http://schemas.openxmlformats.org/drawingml/2006/main" xmlns:r="http://schemas.openxmlformats.org/officeDocument/2006/relationships" xmlns:p="http://schemas.openxmlformats.org/presentationml/2006/main">
+  <p:cSld>
+    <p:spTree>
+      <p:nvGrpSpPr>
+        <p:cNvPr id="1" name=""/>
+        <p:cNvGrpSpPr/>
+        <p:nvPr/>
+      </p:nvGrpSpPr>
+      <p:grpSpPr>
+        <a:xfrm>
+          <a:off x="0" y="0"/>
+          <a:ext cx="0" cy="0"/>
+          <a:chOff x="0" y="0"/>
+          <a:chExt cx="0" cy="0"/>
+        </a:xfrm>
+      </p:grpSpPr>
+      <p:sp>
+        <p:nvSpPr>
+          <p:cNvPr id="3" name="Title 2"/>
+          <p:cNvSpPr>
+            <a:spLocks noGrp="1"/>
+          </p:cNvSpPr>
+          <p:nvPr>
+            <p:ph type="title"/>
+          </p:nvPr>
+        </p:nvSpPr>
+        <p:spPr/>
+        <p:txBody>
+          <a:bodyPr/>
+          <a:lstStyle/>
+          <a:p>
+            <a:r>
+              <a:rPr lang="en-US" dirty="0"/>
+              <a:t>Command Line Interlude</a:t>
+            </a:r>
+          </a:p>
+        </p:txBody>
+      </p:sp>
+      <p:pic>
+        <p:nvPicPr>
+          <p:cNvPr id="7" name="Picture 6">
+            <a:extLst>
+              <a:ext uri="{FF2B5EF4-FFF2-40B4-BE49-F238E27FC236}">
+                <a16:creationId xmlns:a16="http://schemas.microsoft.com/office/drawing/2014/main" id="{261AA85A-88AE-4A20-97E2-189C6A0B7B67}"/>
               </a:ext>
             </a:extLst>
           </p:cNvPr>
@@ -6636,7 +8309,7 @@
           <p:cNvPr id="4" name="Picture 3">
             <a:extLst>
               <a:ext uri="{FF2B5EF4-FFF2-40B4-BE49-F238E27FC236}">
-                <a16:creationId xmlns:a16="http://schemas.microsoft.com/office/drawing/2014/main" xmlns="" id="{FE7388A0-34A7-45DC-B5CF-067B0C42219E}"/>
+                <a16:creationId xmlns:a16="http://schemas.microsoft.com/office/drawing/2014/main" id="{FE7388A0-34A7-45DC-B5CF-067B0C42219E}"/>
               </a:ext>
             </a:extLst>
           </p:cNvPr>
@@ -6689,17 +8362,10 @@
       </p:transition>
     </mc:Fallback>
   </mc:AlternateContent>
-  <p:timing>
-    <p:tnLst>
-      <p:par>
-        <p:cTn id="1" dur="indefinite" restart="never" nodeType="tmRoot"/>
-      </p:par>
-    </p:tnLst>
-  </p:timing>
 </p:sld>
 </file>
 
-<file path=ppt/slides/slide17.xml><?xml version="1.0" encoding="utf-8"?>
+<file path=ppt/slides/slide23.xml><?xml version="1.0" encoding="utf-8"?>
 <p:sld xmlns:a="http://schemas.openxmlformats.org/drawingml/2006/main" xmlns:r="http://schemas.openxmlformats.org/officeDocument/2006/relationships" xmlns:p="http://schemas.openxmlformats.org/presentationml/2006/main">
   <p:cSld>
     <p:spTree>
@@ -6743,7 +8409,7 @@
           <p:cNvPr id="6" name="Oval 5">
             <a:extLst>
               <a:ext uri="{FF2B5EF4-FFF2-40B4-BE49-F238E27FC236}">
-                <a16:creationId xmlns:a16="http://schemas.microsoft.com/office/drawing/2014/main" xmlns="" id="{A22E9DF9-EA6B-454A-A2C3-876ACEDB20B5}"/>
+                <a16:creationId xmlns:a16="http://schemas.microsoft.com/office/drawing/2014/main" id="{A22E9DF9-EA6B-454A-A2C3-876ACEDB20B5}"/>
               </a:ext>
             </a:extLst>
           </p:cNvPr>
@@ -6794,7 +8460,7 @@
           <p:cNvPr id="8" name="Oval 7">
             <a:extLst>
               <a:ext uri="{FF2B5EF4-FFF2-40B4-BE49-F238E27FC236}">
-                <a16:creationId xmlns:a16="http://schemas.microsoft.com/office/drawing/2014/main" xmlns="" id="{CCE74306-C872-4285-9479-6E82205013FB}"/>
+                <a16:creationId xmlns:a16="http://schemas.microsoft.com/office/drawing/2014/main" id="{CCE74306-C872-4285-9479-6E82205013FB}"/>
               </a:ext>
             </a:extLst>
           </p:cNvPr>
@@ -6868,7 +8534,7 @@
           <a:p>
             <a:pPr algn="ctr"/>
             <a:r>
-              <a:rPr lang="en-US" dirty="0" smtClean="0"/>
+              <a:rPr lang="en-US" dirty="0"/>
               <a:t>What I Said</a:t>
             </a:r>
           </a:p>
@@ -6879,7 +8545,7 @@
           <p:cNvPr id="9" name="Oval 8">
             <a:extLst>
               <a:ext uri="{FF2B5EF4-FFF2-40B4-BE49-F238E27FC236}">
-                <a16:creationId xmlns:a16="http://schemas.microsoft.com/office/drawing/2014/main" xmlns="" id="{A22E9DF9-EA6B-454A-A2C3-876ACEDB20B5}"/>
+                <a16:creationId xmlns:a16="http://schemas.microsoft.com/office/drawing/2014/main" id="{A22E9DF9-EA6B-454A-A2C3-876ACEDB20B5}"/>
               </a:ext>
             </a:extLst>
           </p:cNvPr>
@@ -6952,10 +8618,9 @@
           <a:p>
             <a:pPr algn="ctr"/>
             <a:r>
-              <a:rPr lang="en-US" dirty="0" smtClean="0"/>
+              <a:rPr lang="en-US" dirty="0"/>
               <a:t>What I Meant</a:t>
             </a:r>
-            <a:endParaRPr lang="en-US" dirty="0" smtClean="0"/>
           </a:p>
         </p:txBody>
       </p:sp>
@@ -6986,10 +8651,9 @@
           <a:p>
             <a:pPr algn="ctr"/>
             <a:r>
-              <a:rPr lang="en-US" dirty="0" smtClean="0"/>
+              <a:rPr lang="en-US" dirty="0"/>
               <a:t>What You Learned</a:t>
             </a:r>
-            <a:endParaRPr lang="en-US" dirty="0" smtClean="0"/>
           </a:p>
         </p:txBody>
       </p:sp>
@@ -7020,7 +8684,7 @@
           <a:p>
             <a:pPr algn="ctr"/>
             <a:r>
-              <a:rPr lang="en-US" sz="1400" dirty="0" smtClean="0">
+              <a:rPr lang="en-US" sz="1400" dirty="0">
                 <a:solidFill>
                   <a:schemeClr val="accent5">
                     <a:lumMod val="20000"/>
@@ -7030,14 +8694,6 @@
               </a:rPr>
               <a:t>Clairvoyance</a:t>
             </a:r>
-            <a:endParaRPr lang="en-US" sz="1400" dirty="0" smtClean="0">
-              <a:solidFill>
-                <a:schemeClr val="accent5">
-                  <a:lumMod val="20000"/>
-                  <a:lumOff val="80000"/>
-                </a:schemeClr>
-              </a:solidFill>
-            </a:endParaRPr>
           </a:p>
         </p:txBody>
       </p:sp>
@@ -7068,7 +8724,7 @@
           <a:p>
             <a:pPr algn="ctr"/>
             <a:r>
-              <a:rPr lang="en-US" sz="1400" dirty="0" smtClean="0">
+              <a:rPr lang="en-US" sz="1400" dirty="0">
                 <a:solidFill>
                   <a:schemeClr val="accent5">
                     <a:lumMod val="20000"/>
@@ -7078,14 +8734,6 @@
               </a:rPr>
               <a:t>Packet Dropped</a:t>
             </a:r>
-            <a:endParaRPr lang="en-US" sz="1400" dirty="0" smtClean="0">
-              <a:solidFill>
-                <a:schemeClr val="accent5">
-                  <a:lumMod val="20000"/>
-                  <a:lumOff val="80000"/>
-                </a:schemeClr>
-              </a:solidFill>
-            </a:endParaRPr>
           </a:p>
         </p:txBody>
       </p:sp>
@@ -7116,7 +8764,7 @@
           <a:p>
             <a:pPr algn="ctr"/>
             <a:r>
-              <a:rPr lang="en-US" sz="1400" dirty="0" smtClean="0">
+              <a:rPr lang="en-US" sz="1400" dirty="0">
                 <a:solidFill>
                   <a:schemeClr val="accent5">
                     <a:lumMod val="20000"/>
@@ -7126,14 +8774,6 @@
               </a:rPr>
               <a:t>502 Bad Gateway</a:t>
             </a:r>
-            <a:endParaRPr lang="en-US" sz="1400" dirty="0" smtClean="0">
-              <a:solidFill>
-                <a:schemeClr val="accent5">
-                  <a:lumMod val="20000"/>
-                  <a:lumOff val="80000"/>
-                </a:schemeClr>
-              </a:solidFill>
-            </a:endParaRPr>
           </a:p>
         </p:txBody>
       </p:sp>
@@ -7164,7 +8804,7 @@
           <a:p>
             <a:pPr algn="ctr"/>
             <a:r>
-              <a:rPr lang="en-US" sz="1400" dirty="0" smtClean="0">
+              <a:rPr lang="en-US" sz="1400" dirty="0">
                 <a:solidFill>
                   <a:schemeClr val="accent5">
                     <a:lumMod val="20000"/>
@@ -7174,14 +8814,6 @@
               </a:rPr>
               <a:t>Aww Yeah!</a:t>
             </a:r>
-            <a:endParaRPr lang="en-US" sz="1400" dirty="0" smtClean="0">
-              <a:solidFill>
-                <a:schemeClr val="accent5">
-                  <a:lumMod val="20000"/>
-                  <a:lumOff val="80000"/>
-                </a:schemeClr>
-              </a:solidFill>
-            </a:endParaRPr>
           </a:p>
         </p:txBody>
       </p:sp>
@@ -7207,17 +8839,10 @@
       </p:transition>
     </mc:Fallback>
   </mc:AlternateContent>
-  <p:timing>
-    <p:tnLst>
-      <p:par>
-        <p:cTn id="1" dur="indefinite" restart="never" nodeType="tmRoot"/>
-      </p:par>
-    </p:tnLst>
-  </p:timing>
 </p:sld>
 </file>
 
-<file path=ppt/slides/slide18.xml><?xml version="1.0" encoding="utf-8"?>
+<file path=ppt/slides/slide24.xml><?xml version="1.0" encoding="utf-8"?>
 <p:sld xmlns:a="http://schemas.openxmlformats.org/drawingml/2006/main" xmlns:r="http://schemas.openxmlformats.org/officeDocument/2006/relationships" xmlns:p="http://schemas.openxmlformats.org/presentationml/2006/main">
   <p:cSld>
     <p:spTree>
@@ -7274,7 +8899,7 @@
               <a:rPr lang="en-US" dirty="0">
                 <a:hlinkClick r:id="rId2"/>
               </a:rPr>
-              <a:t>https://github.com/google/protobuf</a:t>
+              <a:t>github.com/google/protobuf</a:t>
             </a:r>
             <a:endParaRPr lang="en-US" dirty="0"/>
           </a:p>
@@ -7283,48 +8908,34 @@
               <a:buNone/>
             </a:pPr>
             <a:r>
-              <a:rPr lang="en-US" dirty="0" err="1" smtClean="0"/>
+              <a:rPr lang="en-US" dirty="0" err="1"/>
               <a:t>nanopb</a:t>
             </a:r>
             <a:r>
-              <a:rPr lang="en-US" dirty="0" smtClean="0"/>
-              <a:t> (embedded </a:t>
-            </a:r>
-            <a:r>
-              <a:rPr lang="en-US" dirty="0"/>
-              <a:t>C generator): </a:t>
+              <a:rPr lang="en-US" dirty="0"/>
+              <a:t> (embedded C generator): </a:t>
             </a:r>
             <a:r>
               <a:rPr lang="en-US" dirty="0">
                 <a:hlinkClick r:id="rId3"/>
               </a:rPr>
-              <a:t>https://</a:t>
-            </a:r>
-            <a:r>
-              <a:rPr lang="en-US" dirty="0" smtClean="0">
-                <a:hlinkClick r:id="rId3"/>
-              </a:rPr>
               <a:t>github.com/nanopb/nanopb</a:t>
             </a:r>
-            <a:endParaRPr lang="en-US" dirty="0" smtClean="0"/>
+            <a:endParaRPr lang="en-US" dirty="0"/>
           </a:p>
           <a:p>
             <a:pPr marL="0" indent="0">
               <a:buNone/>
             </a:pPr>
             <a:r>
-              <a:rPr lang="en-US" dirty="0" smtClean="0"/>
-              <a:t>Presentation </a:t>
-            </a:r>
-            <a:r>
-              <a:rPr lang="en-US" dirty="0" smtClean="0"/>
-              <a:t>Materials: </a:t>
+              <a:rPr lang="en-US" dirty="0"/>
+              <a:t>Presentation Materials: </a:t>
             </a:r>
             <a:r>
               <a:rPr lang="en-US" dirty="0">
                 <a:hlinkClick r:id="rId4"/>
               </a:rPr>
-              <a:t>https://github.com/kerchen/PyOhioProtobuf</a:t>
+              <a:t>github.com/kerchen/PyOhioProtobuf</a:t>
             </a:r>
             <a:endParaRPr lang="en-US" dirty="0"/>
           </a:p>
@@ -7334,15 +8945,7 @@
             </a:pPr>
             <a:r>
               <a:rPr lang="en-US" dirty="0"/>
-              <a:t>Contact </a:t>
-            </a:r>
-            <a:r>
-              <a:rPr lang="en-US" dirty="0" smtClean="0"/>
-              <a:t>Me: </a:t>
-            </a:r>
-            <a:r>
-              <a:rPr lang="en-US" dirty="0"/>
-              <a:t>paul@whirlingchair.com</a:t>
+              <a:t>Contact Me: paul@whirlingchair.com</a:t>
             </a:r>
           </a:p>
         </p:txBody>
@@ -7391,139 +8994,6 @@
       </p:transition>
     </mc:Fallback>
   </mc:AlternateContent>
-  <p:timing>
-    <p:tnLst>
-      <p:par>
-        <p:cTn id="1" dur="indefinite" restart="never" nodeType="tmRoot"/>
-      </p:par>
-    </p:tnLst>
-  </p:timing>
-</p:sld>
-</file>
-
-<file path=ppt/slides/slide2.xml><?xml version="1.0" encoding="utf-8"?>
-<p:sld xmlns:a="http://schemas.openxmlformats.org/drawingml/2006/main" xmlns:r="http://schemas.openxmlformats.org/officeDocument/2006/relationships" xmlns:p="http://schemas.openxmlformats.org/presentationml/2006/main">
-  <p:cSld>
-    <p:spTree>
-      <p:nvGrpSpPr>
-        <p:cNvPr id="1" name=""/>
-        <p:cNvGrpSpPr/>
-        <p:nvPr/>
-      </p:nvGrpSpPr>
-      <p:grpSpPr>
-        <a:xfrm>
-          <a:off x="0" y="0"/>
-          <a:ext cx="0" cy="0"/>
-          <a:chOff x="0" y="0"/>
-          <a:chExt cx="0" cy="0"/>
-        </a:xfrm>
-      </p:grpSpPr>
-      <p:sp>
-        <p:nvSpPr>
-          <p:cNvPr id="3" name="Content Placeholder 2"/>
-          <p:cNvSpPr>
-            <a:spLocks noGrp="1"/>
-          </p:cNvSpPr>
-          <p:nvPr>
-            <p:ph idx="1"/>
-          </p:nvPr>
-        </p:nvSpPr>
-        <p:spPr/>
-        <p:txBody>
-          <a:bodyPr/>
-          <a:lstStyle/>
-          <a:p>
-            <a:r>
-              <a:rPr lang="en-US" dirty="0"/>
-              <a:t>A mechanism for serializing structured data that is:</a:t>
-            </a:r>
-          </a:p>
-          <a:p>
-            <a:pPr lvl="1"/>
-            <a:r>
-              <a:rPr lang="en-US" dirty="0"/>
-              <a:t>Extensible with versioning and backward compatibility</a:t>
-            </a:r>
-          </a:p>
-          <a:p>
-            <a:pPr lvl="1"/>
-            <a:r>
-              <a:rPr lang="en-US" dirty="0"/>
-              <a:t>Language- and platform-neutral</a:t>
-            </a:r>
-          </a:p>
-          <a:p>
-            <a:pPr lvl="1"/>
-            <a:r>
-              <a:rPr lang="en-US" dirty="0"/>
-              <a:t>An efficient alternative to text-based structured data (e.g. XML)</a:t>
-            </a:r>
-          </a:p>
-          <a:p>
-            <a:r>
-              <a:rPr lang="en-US" dirty="0"/>
-              <a:t>Well-tested: Used extensively within Google since 2001</a:t>
-            </a:r>
-          </a:p>
-          <a:p>
-            <a:r>
-              <a:rPr lang="en-US" dirty="0"/>
-              <a:t>Open Source and patent-free</a:t>
-            </a:r>
-          </a:p>
-        </p:txBody>
-      </p:sp>
-      <p:sp>
-        <p:nvSpPr>
-          <p:cNvPr id="2" name="Title 1"/>
-          <p:cNvSpPr>
-            <a:spLocks noGrp="1"/>
-          </p:cNvSpPr>
-          <p:nvPr>
-            <p:ph type="title"/>
-          </p:nvPr>
-        </p:nvSpPr>
-        <p:spPr/>
-        <p:txBody>
-          <a:bodyPr/>
-          <a:lstStyle/>
-          <a:p>
-            <a:r>
-              <a:rPr lang="en-US" dirty="0"/>
-              <a:t>What are Protocol Buffers?</a:t>
-            </a:r>
-          </a:p>
-        </p:txBody>
-      </p:sp>
-    </p:spTree>
-    <p:extLst>
-      <p:ext uri="{BB962C8B-B14F-4D97-AF65-F5344CB8AC3E}">
-        <p14:creationId xmlns:p14="http://schemas.microsoft.com/office/powerpoint/2010/main" val="3148110083"/>
-      </p:ext>
-    </p:extLst>
-  </p:cSld>
-  <p:clrMapOvr>
-    <a:masterClrMapping/>
-  </p:clrMapOvr>
-  <mc:AlternateContent xmlns:mc="http://schemas.openxmlformats.org/markup-compatibility/2006" xmlns:p14="http://schemas.microsoft.com/office/powerpoint/2010/main">
-    <mc:Choice Requires="p14">
-      <p:transition spd="med" p14:dur="700">
-        <p:fade/>
-      </p:transition>
-    </mc:Choice>
-    <mc:Fallback xmlns="">
-      <p:transition spd="med">
-        <p:fade/>
-      </p:transition>
-    </mc:Fallback>
-  </mc:AlternateContent>
-  <p:timing>
-    <p:tnLst>
-      <p:par>
-        <p:cTn id="1" dur="indefinite" restart="never" nodeType="tmRoot"/>
-      </p:par>
-    </p:tnLst>
-  </p:timing>
 </p:sld>
 </file>
 
@@ -7546,7 +9016,7 @@
       </p:grpSpPr>
       <p:sp>
         <p:nvSpPr>
-          <p:cNvPr id="2" name="Content Placeholder 1"/>
+          <p:cNvPr id="3" name="Content Placeholder 2"/>
           <p:cNvSpPr>
             <a:spLocks noGrp="1"/>
           </p:cNvSpPr>
@@ -7561,44 +9031,47 @@
           <a:p>
             <a:r>
               <a:rPr lang="en-US" dirty="0"/>
-              <a:t>More efficient: 3-10x smaller, 20-100x faster than XML</a:t>
-            </a:r>
-          </a:p>
-          <a:p>
-            <a:r>
-              <a:rPr lang="en-US" dirty="0"/>
-              <a:t>Simpler: data accessors automatically generated</a:t>
-            </a:r>
-          </a:p>
-          <a:p>
-            <a:r>
-              <a:rPr lang="en-US" dirty="0"/>
-              <a:t>Binary: not human-readable or human-editable; cannot easily interleave structure with text (e.g., HTML)</a:t>
-            </a:r>
-          </a:p>
-          <a:p>
-            <a:r>
-              <a:rPr lang="en-US" dirty="0"/>
-              <a:t>Well-suited for devices with limited bandwidth/RAM/storage/CPU or large-scale applications</a:t>
-            </a:r>
-          </a:p>
-          <a:p>
-            <a:r>
-              <a:rPr lang="en-US" dirty="0"/>
-              <a:t>Not designed for large (&gt; 1MB) data sets</a:t>
-            </a:r>
-          </a:p>
-          <a:p>
-            <a:endParaRPr lang="en-US" dirty="0"/>
-          </a:p>
-          <a:p>
-            <a:endParaRPr lang="en-US" dirty="0"/>
-          </a:p>
-        </p:txBody>
-      </p:sp>
-      <p:sp>
-        <p:nvSpPr>
-          <p:cNvPr id="3" name="Title 2"/>
+              <a:t>A mechanism for serializing structured data that is:</a:t>
+            </a:r>
+          </a:p>
+          <a:p>
+            <a:pPr lvl="1"/>
+            <a:r>
+              <a:rPr lang="en-US" dirty="0"/>
+              <a:t>Extensible with versioning and backward compatibility</a:t>
+            </a:r>
+          </a:p>
+          <a:p>
+            <a:pPr lvl="1"/>
+            <a:r>
+              <a:rPr lang="en-US" dirty="0"/>
+              <a:t>Language- and platform-neutral</a:t>
+            </a:r>
+          </a:p>
+          <a:p>
+            <a:pPr lvl="1"/>
+            <a:r>
+              <a:rPr lang="en-US" dirty="0"/>
+              <a:t>An efficient alternative to text-based structured data (e.g. XML)</a:t>
+            </a:r>
+          </a:p>
+          <a:p>
+            <a:r>
+              <a:rPr lang="en-US" dirty="0"/>
+              <a:t>Well-tested: Used extensively within Google since 2001</a:t>
+            </a:r>
+          </a:p>
+          <a:p>
+            <a:r>
+              <a:rPr lang="en-US" dirty="0"/>
+              <a:t>Open Source and patent-free</a:t>
+            </a:r>
+          </a:p>
+        </p:txBody>
+      </p:sp>
+      <p:sp>
+        <p:nvSpPr>
+          <p:cNvPr id="2" name="Title 1"/>
           <p:cNvSpPr>
             <a:spLocks noGrp="1"/>
           </p:cNvSpPr>
@@ -7612,12 +9085,8 @@
           <a:lstStyle/>
           <a:p>
             <a:r>
-              <a:rPr lang="en-US" dirty="0" err="1"/>
-              <a:t>Protobuf</a:t>
-            </a:r>
-            <a:r>
-              <a:rPr lang="en-US" dirty="0"/>
-              <a:t> vs. XML</a:t>
+              <a:rPr lang="en-US" dirty="0"/>
+              <a:t>What are Protocol Buffers?</a:t>
             </a:r>
           </a:p>
         </p:txBody>
@@ -7625,7 +9094,7 @@
     </p:spTree>
     <p:extLst>
       <p:ext uri="{BB962C8B-B14F-4D97-AF65-F5344CB8AC3E}">
-        <p14:creationId xmlns:p14="http://schemas.microsoft.com/office/powerpoint/2010/main" val="1152966011"/>
+        <p14:creationId xmlns:p14="http://schemas.microsoft.com/office/powerpoint/2010/main" val="995535451"/>
       </p:ext>
     </p:extLst>
   </p:cSld>
@@ -7644,13 +9113,6 @@
       </p:transition>
     </mc:Fallback>
   </mc:AlternateContent>
-  <p:timing>
-    <p:tnLst>
-      <p:par>
-        <p:cTn id="1" dur="indefinite" restart="never" nodeType="tmRoot"/>
-      </p:par>
-    </p:tnLst>
-  </p:timing>
 </p:sld>
 </file>
 
@@ -7673,7 +9135,7 @@
       </p:grpSpPr>
       <p:sp>
         <p:nvSpPr>
-          <p:cNvPr id="2" name="Content Placeholder 1"/>
+          <p:cNvPr id="3" name="Content Placeholder 2"/>
           <p:cNvSpPr>
             <a:spLocks noGrp="1"/>
           </p:cNvSpPr>
@@ -7688,49 +9150,26 @@
           <a:p>
             <a:r>
               <a:rPr lang="en-US" dirty="0"/>
-              <a:t>Proto3 first stable release on July 2016</a:t>
-            </a:r>
-          </a:p>
-          <a:p>
-            <a:pPr lvl="1"/>
-            <a:r>
-              <a:rPr lang="en-US" dirty="0"/>
-              <a:t>Recommended for new code</a:t>
-            </a:r>
-          </a:p>
-          <a:p>
-            <a:pPr lvl="1"/>
-            <a:r>
-              <a:rPr lang="en-US" dirty="0"/>
-              <a:t>Language simplified for ease-of-use and to support a wider range of languages</a:t>
-            </a:r>
-          </a:p>
-          <a:p>
-            <a:pPr lvl="1"/>
-            <a:r>
-              <a:rPr lang="en-US" dirty="0"/>
-              <a:t>Many other improvements and changes</a:t>
-            </a:r>
-          </a:p>
-          <a:p>
-            <a:r>
-              <a:rPr lang="en-US" dirty="0"/>
-              <a:t>Proto2 support to continue “for a long time”</a:t>
-            </a:r>
-          </a:p>
-          <a:p>
-            <a:pPr lvl="1"/>
-            <a:r>
-              <a:rPr lang="en-US" dirty="0"/>
-              <a:t>Don’t use it, even though a lot of the docs still have examples in it!</a:t>
-            </a:r>
-            <a:endParaRPr lang="en-US" b="1" dirty="0"/>
-          </a:p>
-        </p:txBody>
-      </p:sp>
-      <p:sp>
-        <p:nvSpPr>
-          <p:cNvPr id="3" name="Title 2"/>
+              <a:t>Backward compatibility is easy to achieve</a:t>
+            </a:r>
+          </a:p>
+          <a:p>
+            <a:r>
+              <a:rPr lang="en-US" dirty="0"/>
+              <a:t>Efficient encoding</a:t>
+            </a:r>
+          </a:p>
+          <a:p>
+            <a:r>
+              <a:rPr lang="en-US" dirty="0"/>
+              <a:t>Automatically-generated parsing code</a:t>
+            </a:r>
+          </a:p>
+        </p:txBody>
+      </p:sp>
+      <p:sp>
+        <p:nvSpPr>
+          <p:cNvPr id="2" name="Title 1"/>
           <p:cNvSpPr>
             <a:spLocks noGrp="1"/>
           </p:cNvSpPr>
@@ -7745,7 +9184,7 @@
           <a:p>
             <a:r>
               <a:rPr lang="en-US" dirty="0"/>
-              <a:t>Proto2 vs. Proto3</a:t>
+              <a:t>Top 3 Benefits</a:t>
             </a:r>
           </a:p>
         </p:txBody>
@@ -7753,7 +9192,7 @@
     </p:spTree>
     <p:extLst>
       <p:ext uri="{BB962C8B-B14F-4D97-AF65-F5344CB8AC3E}">
-        <p14:creationId xmlns:p14="http://schemas.microsoft.com/office/powerpoint/2010/main" val="3519010733"/>
+        <p14:creationId xmlns:p14="http://schemas.microsoft.com/office/powerpoint/2010/main" val="3057417908"/>
       </p:ext>
     </p:extLst>
   </p:cSld>
@@ -7808,90 +9247,67 @@
           <a:lstStyle/>
           <a:p>
             <a:r>
+              <a:rPr lang="en-US" dirty="0"/>
+              <a:t>More efficient: 3-10x smaller, 20-100x faster than XML</a:t>
+            </a:r>
+          </a:p>
+          <a:p>
+            <a:r>
+              <a:rPr lang="en-US" dirty="0"/>
+              <a:t>Simpler: data accessors automatically generated</a:t>
+            </a:r>
+          </a:p>
+          <a:p>
+            <a:r>
+              <a:rPr lang="en-US" dirty="0"/>
+              <a:t>Well-suited for devices with limited bandwidth/RAM/storage/CPU or large-scale applications</a:t>
+            </a:r>
+          </a:p>
+          <a:p>
+            <a:r>
+              <a:rPr lang="en-US" dirty="0"/>
+              <a:t>Not designed for large (&gt; 1MB) data sets</a:t>
+            </a:r>
+          </a:p>
+          <a:p>
+            <a:r>
+              <a:rPr lang="en-US" dirty="0"/>
+              <a:t>Binary: not human-readable or human-editable; cannot easily interleave structure with text (e.g., HTML)</a:t>
+            </a:r>
+          </a:p>
+          <a:p>
+            <a:endParaRPr lang="en-US" dirty="0"/>
+          </a:p>
+          <a:p>
+            <a:endParaRPr lang="en-US" dirty="0"/>
+          </a:p>
+          <a:p>
+            <a:endParaRPr lang="en-US" dirty="0"/>
+          </a:p>
+        </p:txBody>
+      </p:sp>
+      <p:sp>
+        <p:nvSpPr>
+          <p:cNvPr id="3" name="Title 2"/>
+          <p:cNvSpPr>
+            <a:spLocks noGrp="1"/>
+          </p:cNvSpPr>
+          <p:nvPr>
+            <p:ph type="title"/>
+          </p:nvPr>
+        </p:nvSpPr>
+        <p:spPr/>
+        <p:txBody>
+          <a:bodyPr/>
+          <a:lstStyle/>
+          <a:p>
+            <a:r>
               <a:rPr lang="en-US" dirty="0" err="1"/>
               <a:t>Protobuf</a:t>
             </a:r>
             <a:r>
               <a:rPr lang="en-US" dirty="0"/>
-              <a:t> messages defined in plain text .proto files</a:t>
-            </a:r>
-          </a:p>
-          <a:p>
-            <a:r>
-              <a:rPr lang="en-US" dirty="0"/>
-              <a:t>.proto file compiled (using </a:t>
-            </a:r>
-            <a:r>
-              <a:rPr lang="en-US" b="1" dirty="0" err="1"/>
-              <a:t>protoc</a:t>
-            </a:r>
-            <a:r>
-              <a:rPr lang="en-US" dirty="0"/>
-              <a:t>) to generate data access classes</a:t>
-            </a:r>
-          </a:p>
-          <a:p>
-            <a:pPr lvl="1"/>
-            <a:r>
-              <a:rPr lang="en-US" dirty="0"/>
-              <a:t>Supported languages: Python, Java, C++, C#, Ruby, Go, Objective-C, JavaScript, PHP, and several more via third-party extensions</a:t>
-            </a:r>
-          </a:p>
-          <a:p>
-            <a:pPr lvl="1"/>
-            <a:r>
-              <a:rPr lang="en-US" dirty="0"/>
-              <a:t>Pre-built </a:t>
-            </a:r>
-            <a:r>
-              <a:rPr lang="en-US" b="1" dirty="0" err="1"/>
-              <a:t>protoc</a:t>
-            </a:r>
-            <a:r>
-              <a:rPr lang="en-US" dirty="0"/>
-              <a:t> binaries available for OSX, Linux, Win32</a:t>
-            </a:r>
-          </a:p>
-          <a:p>
-            <a:r>
-              <a:rPr lang="en-US" dirty="0"/>
-              <a:t>Data access classes provide:</a:t>
-            </a:r>
-          </a:p>
-          <a:p>
-            <a:pPr lvl="1"/>
-            <a:r>
-              <a:rPr lang="en-US" dirty="0"/>
-              <a:t>Simple accessors to read/write fields</a:t>
-            </a:r>
-          </a:p>
-          <a:p>
-            <a:pPr lvl="1"/>
-            <a:r>
-              <a:rPr lang="en-US" dirty="0"/>
-              <a:t>Methods to serialize/parse structures to/from raw bytes</a:t>
-            </a:r>
-          </a:p>
-        </p:txBody>
-      </p:sp>
-      <p:sp>
-        <p:nvSpPr>
-          <p:cNvPr id="3" name="Title 2"/>
-          <p:cNvSpPr>
-            <a:spLocks noGrp="1"/>
-          </p:cNvSpPr>
-          <p:nvPr>
-            <p:ph type="title"/>
-          </p:nvPr>
-        </p:nvSpPr>
-        <p:spPr/>
-        <p:txBody>
-          <a:bodyPr/>
-          <a:lstStyle/>
-          <a:p>
-            <a:r>
-              <a:rPr lang="en-US" dirty="0"/>
-              <a:t>Basic Concepts</a:t>
+              <a:t> vs. XML</a:t>
             </a:r>
           </a:p>
         </p:txBody>
@@ -7899,7 +9315,7 @@
     </p:spTree>
     <p:extLst>
       <p:ext uri="{BB962C8B-B14F-4D97-AF65-F5344CB8AC3E}">
-        <p14:creationId xmlns:p14="http://schemas.microsoft.com/office/powerpoint/2010/main" val="1255868717"/>
+        <p14:creationId xmlns:p14="http://schemas.microsoft.com/office/powerpoint/2010/main" val="1152966011"/>
       </p:ext>
     </p:extLst>
   </p:cSld>
@@ -7950,91 +9366,49 @@
         </p:nvSpPr>
         <p:spPr/>
         <p:txBody>
-          <a:bodyPr>
-            <a:normAutofit/>
-          </a:bodyPr>
-          <a:lstStyle/>
-          <a:p>
-            <a:r>
-              <a:rPr lang="en-US" dirty="0"/>
-              <a:t>Numeric types: </a:t>
-            </a:r>
-            <a:r>
-              <a:rPr lang="en-US" b="1" dirty="0"/>
-              <a:t>double</a:t>
-            </a:r>
-            <a:r>
-              <a:rPr lang="en-US" dirty="0"/>
-              <a:t>, </a:t>
-            </a:r>
-            <a:r>
-              <a:rPr lang="en-US" b="1" dirty="0"/>
-              <a:t>float</a:t>
-            </a:r>
-            <a:r>
-              <a:rPr lang="en-US" dirty="0"/>
-              <a:t>, various 32- and 64-bit integers</a:t>
-            </a:r>
-          </a:p>
-          <a:p>
-            <a:r>
-              <a:rPr lang="en-US" b="1" dirty="0"/>
-              <a:t>string</a:t>
-            </a:r>
-            <a:r>
-              <a:rPr lang="en-US" dirty="0"/>
-              <a:t>: UTF-8 or 7-bit ASCII; some Unicode support with Python</a:t>
-            </a:r>
-          </a:p>
-          <a:p>
-            <a:r>
-              <a:rPr lang="en-US" b="1" dirty="0"/>
-              <a:t>bool:</a:t>
-            </a:r>
-            <a:r>
-              <a:rPr lang="en-US" dirty="0"/>
-              <a:t> uh, you know, a Boolean value</a:t>
+          <a:bodyPr/>
+          <a:lstStyle/>
+          <a:p>
+            <a:r>
+              <a:rPr lang="en-US" dirty="0"/>
+              <a:t>Proto3 first stable release on July 2016</a:t>
+            </a:r>
+          </a:p>
+          <a:p>
+            <a:pPr lvl="1"/>
+            <a:r>
+              <a:rPr lang="en-US" dirty="0"/>
+              <a:t>Recommended for new code</a:t>
+            </a:r>
+          </a:p>
+          <a:p>
+            <a:pPr lvl="1"/>
+            <a:r>
+              <a:rPr lang="en-US" dirty="0"/>
+              <a:t>Language simplified for ease-of-use and to support a wider range of languages</a:t>
+            </a:r>
+          </a:p>
+          <a:p>
+            <a:pPr lvl="1"/>
+            <a:r>
+              <a:rPr lang="en-US" dirty="0"/>
+              <a:t>Many other improvements and changes</a:t>
+            </a:r>
+          </a:p>
+          <a:p>
+            <a:r>
+              <a:rPr lang="en-US" dirty="0"/>
+              <a:t>Proto2 support to continue “for a long time”</a:t>
+            </a:r>
+          </a:p>
+          <a:p>
+            <a:pPr lvl="1"/>
+            <a:r>
+              <a:rPr lang="en-US" dirty="0"/>
+              <a:t>Don’t use it, even though a lot of the docs still have examples in it!</a:t>
             </a:r>
             <a:endParaRPr lang="en-US" b="1" dirty="0"/>
           </a:p>
-          <a:p>
-            <a:r>
-              <a:rPr lang="en-US" b="1" dirty="0"/>
-              <a:t>bytes</a:t>
-            </a:r>
-            <a:r>
-              <a:rPr lang="en-US" dirty="0"/>
-              <a:t>: an arbitrary sequence of bytes</a:t>
-            </a:r>
-          </a:p>
-          <a:p>
-            <a:r>
-              <a:rPr lang="en-US" b="1" dirty="0" err="1"/>
-              <a:t>enum</a:t>
-            </a:r>
-            <a:r>
-              <a:rPr lang="en-US" dirty="0"/>
-              <a:t>: a predefined list of values</a:t>
-            </a:r>
-          </a:p>
-          <a:p>
-            <a:r>
-              <a:rPr lang="en-US" b="1" dirty="0"/>
-              <a:t>any</a:t>
-            </a:r>
-            <a:r>
-              <a:rPr lang="en-US" dirty="0"/>
-              <a:t>: like </a:t>
-            </a:r>
-            <a:r>
-              <a:rPr lang="en-US" b="1" dirty="0"/>
-              <a:t>bytes</a:t>
-            </a:r>
-            <a:r>
-              <a:rPr lang="en-US" dirty="0"/>
-              <a:t> + URL to resolve type</a:t>
-            </a:r>
-          </a:p>
         </p:txBody>
       </p:sp>
       <p:sp>
@@ -8054,7 +9428,7 @@
           <a:p>
             <a:r>
               <a:rPr lang="en-US" dirty="0"/>
-              <a:t>Supported Data Types</a:t>
+              <a:t>Proto2 vs. Proto3</a:t>
             </a:r>
           </a:p>
         </p:txBody>
@@ -8062,7 +9436,7 @@
     </p:spTree>
     <p:extLst>
       <p:ext uri="{BB962C8B-B14F-4D97-AF65-F5344CB8AC3E}">
-        <p14:creationId xmlns:p14="http://schemas.microsoft.com/office/powerpoint/2010/main" val="515381222"/>
+        <p14:creationId xmlns:p14="http://schemas.microsoft.com/office/powerpoint/2010/main" val="3519010733"/>
       </p:ext>
     </p:extLst>
   </p:cSld>
@@ -8113,61 +9487,72 @@
         </p:nvSpPr>
         <p:spPr/>
         <p:txBody>
-          <a:bodyPr>
-            <a:normAutofit/>
-          </a:bodyPr>
-          <a:lstStyle/>
-          <a:p>
-            <a:r>
-              <a:rPr lang="en-US" dirty="0" smtClean="0"/>
-              <a:t>Most </a:t>
-            </a:r>
-            <a:r>
-              <a:rPr lang="en-US" dirty="0"/>
-              <a:t>have variable-length encoding</a:t>
-            </a:r>
-          </a:p>
-          <a:p>
-            <a:r>
-              <a:rPr lang="en-US" dirty="0"/>
-              <a:t>Choice of type depends on expected data values</a:t>
+          <a:bodyPr/>
+          <a:lstStyle/>
+          <a:p>
+            <a:r>
+              <a:rPr lang="en-US" dirty="0" err="1"/>
+              <a:t>Protobuf</a:t>
+            </a:r>
+            <a:r>
+              <a:rPr lang="en-US" dirty="0"/>
+              <a:t> messages defined in plain text .proto files</a:t>
+            </a:r>
+          </a:p>
+          <a:p>
+            <a:r>
+              <a:rPr lang="en-US" dirty="0"/>
+              <a:t>.proto file compiled (using </a:t>
+            </a:r>
+            <a:r>
+              <a:rPr lang="en-US" b="1" dirty="0" err="1"/>
+              <a:t>protoc</a:t>
+            </a:r>
+            <a:r>
+              <a:rPr lang="en-US" dirty="0"/>
+              <a:t>) to generate data access classes</a:t>
             </a:r>
           </a:p>
           <a:p>
             <a:pPr lvl="1"/>
             <a:r>
               <a:rPr lang="en-US" dirty="0"/>
-              <a:t>For example, </a:t>
-            </a:r>
-            <a:r>
-              <a:rPr lang="en-US" b="1" dirty="0"/>
-              <a:t>int32</a:t>
-            </a:r>
-            <a:r>
-              <a:rPr lang="en-US" dirty="0"/>
-              <a:t> is best for positive values; </a:t>
-            </a:r>
-            <a:r>
-              <a:rPr lang="en-US" b="1" dirty="0"/>
-              <a:t>sint32</a:t>
-            </a:r>
-            <a:r>
-              <a:rPr lang="en-US" dirty="0"/>
-              <a:t> is better for negative values</a:t>
-            </a:r>
-          </a:p>
-          <a:p>
-            <a:r>
-              <a:rPr lang="en-US" dirty="0"/>
-              <a:t>Consider scaling float/double values to </a:t>
-            </a:r>
-            <a:r>
-              <a:rPr lang="en-US" dirty="0" err="1"/>
-              <a:t>int</a:t>
-            </a:r>
-            <a:r>
-              <a:rPr lang="en-US" dirty="0"/>
-              <a:t> types for more compact encoding</a:t>
+              <a:t>Supported languages: Python (2.x and 3.x), Java, C++, C#, Ruby, Go, Objective-C, JavaScript, PHP, and several more via third-party extensions</a:t>
+            </a:r>
+          </a:p>
+          <a:p>
+            <a:pPr lvl="1"/>
+            <a:r>
+              <a:rPr lang="en-US" dirty="0"/>
+              <a:t>Pre-built </a:t>
+            </a:r>
+            <a:r>
+              <a:rPr lang="en-US" b="1" dirty="0" err="1"/>
+              <a:t>protoc</a:t>
+            </a:r>
+            <a:r>
+              <a:rPr lang="en-US" dirty="0"/>
+              <a:t> binaries available for OSX, Linux, Win32</a:t>
+            </a:r>
+          </a:p>
+          <a:p>
+            <a:r>
+              <a:rPr lang="en-US" dirty="0"/>
+              <a:t>Data access classes provide:</a:t>
+            </a:r>
+          </a:p>
+          <a:p>
+            <a:pPr lvl="1"/>
+            <a:r>
+              <a:rPr lang="en-US" dirty="0"/>
+              <a:t>Simple accessors to read/write fields</a:t>
+            </a:r>
+          </a:p>
+          <a:p>
+            <a:pPr lvl="1"/>
+            <a:r>
+              <a:rPr lang="en-US" dirty="0"/>
+              <a:t>Methods to serialize/parse structures to/from raw bytes</a:t>
             </a:r>
           </a:p>
         </p:txBody>
@@ -8189,19 +9574,7 @@
           <a:p>
             <a:r>
               <a:rPr lang="en-US" dirty="0"/>
-              <a:t>Different </a:t>
-            </a:r>
-            <a:r>
-              <a:rPr lang="en-US" b="1" dirty="0" err="1"/>
-              <a:t>int</a:t>
-            </a:r>
-            <a:r>
-              <a:rPr lang="en-US" dirty="0" err="1"/>
-              <a:t>s</a:t>
-            </a:r>
-            <a:r>
-              <a:rPr lang="en-US" dirty="0"/>
-              <a:t> for Different Uses</a:t>
+              <a:t>Basic Workflow</a:t>
             </a:r>
           </a:p>
         </p:txBody>
@@ -8209,7 +9582,7 @@
     </p:spTree>
     <p:extLst>
       <p:ext uri="{BB962C8B-B14F-4D97-AF65-F5344CB8AC3E}">
-        <p14:creationId xmlns:p14="http://schemas.microsoft.com/office/powerpoint/2010/main" val="2723463234"/>
+        <p14:creationId xmlns:p14="http://schemas.microsoft.com/office/powerpoint/2010/main" val="1255868717"/>
       </p:ext>
     </p:extLst>
   </p:cSld>
@@ -8248,83 +9621,109 @@
           <a:chExt cx="0" cy="0"/>
         </a:xfrm>
       </p:grpSpPr>
-      <p:sp>
-        <p:nvSpPr>
-          <p:cNvPr id="2" name="Content Placeholder 1"/>
-          <p:cNvSpPr>
-            <a:spLocks noGrp="1"/>
-          </p:cNvSpPr>
+      <p:pic>
+        <p:nvPicPr>
+          <p:cNvPr id="6" name="Content Placeholder 5" descr="Paper">
+            <a:extLst>
+              <a:ext uri="{FF2B5EF4-FFF2-40B4-BE49-F238E27FC236}">
+                <a16:creationId xmlns:a16="http://schemas.microsoft.com/office/drawing/2014/main" id="{ACE90576-FD02-4163-A277-22EC4C5D55BE}"/>
+              </a:ext>
+            </a:extLst>
+          </p:cNvPr>
+          <p:cNvPicPr>
+            <a:picLocks noGrp="1" noChangeAspect="1"/>
+          </p:cNvPicPr>
           <p:nvPr>
             <p:ph idx="1"/>
           </p:nvPr>
+        </p:nvPicPr>
+        <p:blipFill>
+          <a:blip r:embed="rId2">
+            <a:extLst>
+              <a:ext uri="{28A0092B-C50C-407E-A947-70E740481C1C}">
+                <a14:useLocalDpi xmlns:a14="http://schemas.microsoft.com/office/drawing/2010/main" val="0"/>
+              </a:ext>
+              <a:ext uri="{96DAC541-7B7A-43D3-8B79-37D633B846F1}">
+                <asvg:svgBlip xmlns:asvg="http://schemas.microsoft.com/office/drawing/2016/SVG/main" r:embed="rId3"/>
+              </a:ext>
+            </a:extLst>
+          </a:blip>
+          <a:stretch>
+            <a:fillRect/>
+          </a:stretch>
+        </p:blipFill>
+        <p:spPr>
+          <a:xfrm>
+            <a:off x="1448343" y="2294105"/>
+            <a:ext cx="1676400" cy="1676400"/>
+          </a:xfrm>
+        </p:spPr>
+      </p:pic>
+      <p:sp>
+        <p:nvSpPr>
+          <p:cNvPr id="3" name="Title 2"/>
+          <p:cNvSpPr>
+            <a:spLocks noGrp="1"/>
+          </p:cNvSpPr>
+          <p:nvPr>
+            <p:ph type="title"/>
+          </p:nvPr>
         </p:nvSpPr>
         <p:spPr/>
         <p:txBody>
-          <a:bodyPr>
-            <a:normAutofit/>
+          <a:bodyPr/>
+          <a:lstStyle/>
+          <a:p>
+            <a:r>
+              <a:rPr lang="en-US" dirty="0"/>
+              <a:t>Basic Workflow</a:t>
+            </a:r>
+          </a:p>
+        </p:txBody>
+      </p:sp>
+      <p:sp>
+        <p:nvSpPr>
+          <p:cNvPr id="12" name="TextBox 11">
+            <a:extLst>
+              <a:ext uri="{FF2B5EF4-FFF2-40B4-BE49-F238E27FC236}">
+                <a16:creationId xmlns:a16="http://schemas.microsoft.com/office/drawing/2014/main" id="{E0BB37C0-2155-4931-8BDD-796CDC3E5821}"/>
+              </a:ext>
+            </a:extLst>
+          </p:cNvPr>
+          <p:cNvSpPr txBox="1"/>
+          <p:nvPr/>
+        </p:nvSpPr>
+        <p:spPr>
+          <a:xfrm>
+            <a:off x="1733891" y="3785839"/>
+            <a:ext cx="1105303" cy="369332"/>
+          </a:xfrm>
+          <a:prstGeom prst="rect">
+            <a:avLst/>
+          </a:prstGeom>
+          <a:noFill/>
+          <a:ln>
+            <a:noFill/>
+          </a:ln>
+        </p:spPr>
+        <p:txBody>
+          <a:bodyPr wrap="none" rtlCol="0" anchor="ctr" anchorCtr="1">
+            <a:spAutoFit/>
           </a:bodyPr>
           <a:lstStyle/>
           <a:p>
             <a:r>
-              <a:rPr lang="en-US" dirty="0"/>
-              <a:t>Messages can be nested</a:t>
-            </a:r>
-          </a:p>
-          <a:p>
-            <a:r>
-              <a:rPr lang="en-US" dirty="0"/>
-              <a:t>Messages can be used as fields in other messages</a:t>
-            </a:r>
-          </a:p>
-          <a:p>
-            <a:r>
-              <a:rPr lang="en-US" dirty="0"/>
-              <a:t>Associative maps (keys can be any integral or string type)</a:t>
-            </a:r>
-          </a:p>
-          <a:p>
-            <a:r>
-              <a:rPr lang="en-US" dirty="0"/>
-              <a:t>Messages can be encoded to, and decoded from, JSON</a:t>
-            </a:r>
-          </a:p>
-          <a:p>
-            <a:r>
-              <a:rPr lang="en-US" dirty="0"/>
-              <a:t>Message definitions can be imported from other .proto files</a:t>
-            </a:r>
-          </a:p>
-          <a:p>
+              <a:rPr lang="en-US" dirty="0" err="1"/>
+              <a:t>foo.proto</a:t>
+            </a:r>
             <a:endParaRPr lang="en-US" dirty="0"/>
-          </a:p>
-        </p:txBody>
-      </p:sp>
-      <p:sp>
-        <p:nvSpPr>
-          <p:cNvPr id="3" name="Title 2"/>
-          <p:cNvSpPr>
-            <a:spLocks noGrp="1"/>
-          </p:cNvSpPr>
-          <p:nvPr>
-            <p:ph type="title"/>
-          </p:nvPr>
-        </p:nvSpPr>
-        <p:spPr/>
-        <p:txBody>
-          <a:bodyPr/>
-          <a:lstStyle/>
-          <a:p>
-            <a:r>
-              <a:rPr lang="en-US" dirty="0"/>
-              <a:t>Other Notable Features</a:t>
-            </a:r>
           </a:p>
         </p:txBody>
       </p:sp>
     </p:spTree>
     <p:extLst>
       <p:ext uri="{BB962C8B-B14F-4D97-AF65-F5344CB8AC3E}">
-        <p14:creationId xmlns:p14="http://schemas.microsoft.com/office/powerpoint/2010/main" val="1652148472"/>
+        <p14:creationId xmlns:p14="http://schemas.microsoft.com/office/powerpoint/2010/main" val="1028528882"/>
       </p:ext>
     </p:extLst>
   </p:cSld>
@@ -8363,185 +9762,233 @@
           <a:chExt cx="0" cy="0"/>
         </a:xfrm>
       </p:grpSpPr>
-      <p:sp>
-        <p:nvSpPr>
-          <p:cNvPr id="2" name="Content Placeholder 1"/>
-          <p:cNvSpPr>
-            <a:spLocks noGrp="1"/>
-          </p:cNvSpPr>
+      <p:pic>
+        <p:nvPicPr>
+          <p:cNvPr id="6" name="Content Placeholder 5" descr="Paper">
+            <a:extLst>
+              <a:ext uri="{FF2B5EF4-FFF2-40B4-BE49-F238E27FC236}">
+                <a16:creationId xmlns:a16="http://schemas.microsoft.com/office/drawing/2014/main" id="{ACE90576-FD02-4163-A277-22EC4C5D55BE}"/>
+              </a:ext>
+            </a:extLst>
+          </p:cNvPr>
+          <p:cNvPicPr>
+            <a:picLocks noGrp="1" noChangeAspect="1"/>
+          </p:cNvPicPr>
           <p:nvPr>
             <p:ph idx="1"/>
           </p:nvPr>
+        </p:nvPicPr>
+        <p:blipFill>
+          <a:blip r:embed="rId2">
+            <a:extLst>
+              <a:ext uri="{28A0092B-C50C-407E-A947-70E740481C1C}">
+                <a14:useLocalDpi xmlns:a14="http://schemas.microsoft.com/office/drawing/2010/main" val="0"/>
+              </a:ext>
+              <a:ext uri="{96DAC541-7B7A-43D3-8B79-37D633B846F1}">
+                <asvg:svgBlip xmlns:asvg="http://schemas.microsoft.com/office/drawing/2016/SVG/main" r:embed="rId3"/>
+              </a:ext>
+            </a:extLst>
+          </a:blip>
+          <a:stretch>
+            <a:fillRect/>
+          </a:stretch>
+        </p:blipFill>
+        <p:spPr>
+          <a:xfrm>
+            <a:off x="1448343" y="2294105"/>
+            <a:ext cx="1676400" cy="1676400"/>
+          </a:xfrm>
+        </p:spPr>
+      </p:pic>
+      <p:sp>
+        <p:nvSpPr>
+          <p:cNvPr id="3" name="Title 2"/>
+          <p:cNvSpPr>
+            <a:spLocks noGrp="1"/>
+          </p:cNvSpPr>
+          <p:nvPr>
+            <p:ph type="title"/>
+          </p:nvPr>
         </p:nvSpPr>
         <p:spPr/>
         <p:txBody>
-          <a:bodyPr>
-            <a:normAutofit fontScale="70000" lnSpcReduction="20000"/>
+          <a:bodyPr/>
+          <a:lstStyle/>
+          <a:p>
+            <a:r>
+              <a:rPr lang="en-US" dirty="0"/>
+              <a:t>Basic Workflow</a:t>
+            </a:r>
+          </a:p>
+        </p:txBody>
+      </p:sp>
+      <p:pic>
+        <p:nvPicPr>
+          <p:cNvPr id="8" name="Graphic 7" descr="Gears">
+            <a:extLst>
+              <a:ext uri="{FF2B5EF4-FFF2-40B4-BE49-F238E27FC236}">
+                <a16:creationId xmlns:a16="http://schemas.microsoft.com/office/drawing/2014/main" id="{21086CE6-8E5B-4666-AA51-89CAD58ED461}"/>
+              </a:ext>
+            </a:extLst>
+          </p:cNvPr>
+          <p:cNvPicPr>
+            <a:picLocks noChangeAspect="1"/>
+          </p:cNvPicPr>
+          <p:nvPr/>
+        </p:nvPicPr>
+        <p:blipFill>
+          <a:blip r:embed="rId4">
+            <a:extLst>
+              <a:ext uri="{28A0092B-C50C-407E-A947-70E740481C1C}">
+                <a14:useLocalDpi xmlns:a14="http://schemas.microsoft.com/office/drawing/2010/main" val="0"/>
+              </a:ext>
+              <a:ext uri="{96DAC541-7B7A-43D3-8B79-37D633B846F1}">
+                <asvg:svgBlip xmlns:asvg="http://schemas.microsoft.com/office/drawing/2016/SVG/main" r:embed="rId5"/>
+              </a:ext>
+            </a:extLst>
+          </a:blip>
+          <a:stretch>
+            <a:fillRect/>
+          </a:stretch>
+        </p:blipFill>
+        <p:spPr>
+          <a:xfrm>
+            <a:off x="3905599" y="2446505"/>
+            <a:ext cx="1371600" cy="1371600"/>
+          </a:xfrm>
+          <a:prstGeom prst="rect">
+            <a:avLst/>
+          </a:prstGeom>
+        </p:spPr>
+      </p:pic>
+      <p:sp>
+        <p:nvSpPr>
+          <p:cNvPr id="11" name="Arrow: Right 10">
+            <a:extLst>
+              <a:ext uri="{FF2B5EF4-FFF2-40B4-BE49-F238E27FC236}">
+                <a16:creationId xmlns:a16="http://schemas.microsoft.com/office/drawing/2014/main" id="{8BFAB829-5D7D-463D-AC1F-AA5B53E2EEB2}"/>
+              </a:ext>
+            </a:extLst>
+          </p:cNvPr>
+          <p:cNvSpPr/>
+          <p:nvPr/>
+        </p:nvSpPr>
+        <p:spPr>
+          <a:xfrm>
+            <a:off x="3124743" y="2751305"/>
+            <a:ext cx="762000" cy="762000"/>
+          </a:xfrm>
+          <a:prstGeom prst="rightArrow">
+            <a:avLst/>
+          </a:prstGeom>
+        </p:spPr>
+        <p:style>
+          <a:lnRef idx="2">
+            <a:schemeClr val="accent1">
+              <a:shade val="50000"/>
+            </a:schemeClr>
+          </a:lnRef>
+          <a:fillRef idx="1">
+            <a:schemeClr val="accent1"/>
+          </a:fillRef>
+          <a:effectRef idx="0">
+            <a:schemeClr val="accent1"/>
+          </a:effectRef>
+          <a:fontRef idx="minor">
+            <a:schemeClr val="lt1"/>
+          </a:fontRef>
+        </p:style>
+        <p:txBody>
+          <a:bodyPr rtlCol="0" anchor="ctr"/>
+          <a:lstStyle/>
+          <a:p>
+            <a:pPr algn="ctr"/>
+            <a:endParaRPr lang="en-US"/>
+          </a:p>
+        </p:txBody>
+      </p:sp>
+      <p:sp>
+        <p:nvSpPr>
+          <p:cNvPr id="12" name="TextBox 11">
+            <a:extLst>
+              <a:ext uri="{FF2B5EF4-FFF2-40B4-BE49-F238E27FC236}">
+                <a16:creationId xmlns:a16="http://schemas.microsoft.com/office/drawing/2014/main" id="{E0BB37C0-2155-4931-8BDD-796CDC3E5821}"/>
+              </a:ext>
+            </a:extLst>
+          </p:cNvPr>
+          <p:cNvSpPr txBox="1"/>
+          <p:nvPr/>
+        </p:nvSpPr>
+        <p:spPr>
+          <a:xfrm>
+            <a:off x="1733891" y="3785839"/>
+            <a:ext cx="1105303" cy="369332"/>
+          </a:xfrm>
+          <a:prstGeom prst="rect">
+            <a:avLst/>
+          </a:prstGeom>
+          <a:noFill/>
+          <a:ln>
+            <a:noFill/>
+          </a:ln>
+        </p:spPr>
+        <p:txBody>
+          <a:bodyPr wrap="none" rtlCol="0" anchor="ctr" anchorCtr="1">
+            <a:spAutoFit/>
           </a:bodyPr>
           <a:lstStyle/>
           <a:p>
-            <a:pPr marL="0" indent="0">
-              <a:buNone/>
-            </a:pPr>
-            <a:r>
-              <a:rPr lang="en-US" dirty="0">
-                <a:latin typeface="Consolas" panose="020B0609020204030204" pitchFamily="49" charset="0"/>
-              </a:rPr>
-              <a:t>message </a:t>
-            </a:r>
-            <a:r>
-              <a:rPr lang="en-US" dirty="0" err="1">
-                <a:latin typeface="Consolas" panose="020B0609020204030204" pitchFamily="49" charset="0"/>
-              </a:rPr>
-              <a:t>SensorData</a:t>
-            </a:r>
-            <a:r>
-              <a:rPr lang="en-US" dirty="0">
-                <a:latin typeface="Consolas" panose="020B0609020204030204" pitchFamily="49" charset="0"/>
-              </a:rPr>
-              <a:t> {</a:t>
-            </a:r>
-          </a:p>
-          <a:p>
-            <a:pPr marL="0" indent="0">
-              <a:buNone/>
-            </a:pPr>
-            <a:r>
-              <a:rPr lang="en-US" dirty="0">
-                <a:latin typeface="Consolas" panose="020B0609020204030204" pitchFamily="49" charset="0"/>
-              </a:rPr>
-              <a:t>    float temperature             = 1;</a:t>
-            </a:r>
-          </a:p>
-          <a:p>
-            <a:pPr marL="0" indent="0">
-              <a:buNone/>
-            </a:pPr>
-            <a:r>
-              <a:rPr lang="en-US" dirty="0">
-                <a:latin typeface="Consolas" panose="020B0609020204030204" pitchFamily="49" charset="0"/>
-              </a:rPr>
-              <a:t>    uint32 humidity               = 2; // Relative humidity </a:t>
-            </a:r>
-          </a:p>
-          <a:p>
-            <a:pPr marL="0" indent="0">
-              <a:buNone/>
-            </a:pPr>
-            <a:r>
-              <a:rPr lang="en-US" dirty="0">
-                <a:latin typeface="Consolas" panose="020B0609020204030204" pitchFamily="49" charset="0"/>
-              </a:rPr>
-              <a:t>    </a:t>
-            </a:r>
-            <a:r>
-              <a:rPr lang="en-US" dirty="0" err="1">
-                <a:latin typeface="Consolas" panose="020B0609020204030204" pitchFamily="49" charset="0"/>
-              </a:rPr>
-              <a:t>enum</a:t>
-            </a:r>
-            <a:r>
-              <a:rPr lang="en-US" dirty="0">
-                <a:latin typeface="Consolas" panose="020B0609020204030204" pitchFamily="49" charset="0"/>
-              </a:rPr>
-              <a:t> Units {</a:t>
-            </a:r>
-          </a:p>
-          <a:p>
-            <a:pPr marL="0" indent="0">
-              <a:buNone/>
-            </a:pPr>
-            <a:r>
-              <a:rPr lang="en-US" dirty="0">
-                <a:latin typeface="Consolas" panose="020B0609020204030204" pitchFamily="49" charset="0"/>
-              </a:rPr>
-              <a:t>        IMPERIAL = 0;</a:t>
-            </a:r>
-          </a:p>
-          <a:p>
-            <a:pPr marL="0" indent="0">
-              <a:buNone/>
-            </a:pPr>
-            <a:r>
-              <a:rPr lang="en-US" dirty="0">
-                <a:latin typeface="Consolas" panose="020B0609020204030204" pitchFamily="49" charset="0"/>
-              </a:rPr>
-              <a:t>        REBEL    = 1;</a:t>
-            </a:r>
-          </a:p>
-          <a:p>
-            <a:pPr marL="0" indent="0">
-              <a:buNone/>
-            </a:pPr>
-            <a:r>
-              <a:rPr lang="en-US" dirty="0">
-                <a:latin typeface="Consolas" panose="020B0609020204030204" pitchFamily="49" charset="0"/>
-              </a:rPr>
-              <a:t>    }</a:t>
-            </a:r>
-          </a:p>
-          <a:p>
-            <a:pPr marL="0" indent="0">
-              <a:buNone/>
-            </a:pPr>
-            <a:r>
-              <a:rPr lang="en-US" dirty="0">
-                <a:latin typeface="Consolas" panose="020B0609020204030204" pitchFamily="49" charset="0"/>
-              </a:rPr>
-              <a:t>    Units </a:t>
-            </a:r>
-            <a:r>
-              <a:rPr lang="en-US" dirty="0" err="1">
-                <a:latin typeface="Consolas" panose="020B0609020204030204" pitchFamily="49" charset="0"/>
-              </a:rPr>
-              <a:t>units</a:t>
-            </a:r>
-            <a:r>
-              <a:rPr lang="en-US" dirty="0">
-                <a:latin typeface="Consolas" panose="020B0609020204030204" pitchFamily="49" charset="0"/>
-              </a:rPr>
-              <a:t>                   = 3;</a:t>
-            </a:r>
-          </a:p>
-          <a:p>
-            <a:pPr marL="0" indent="0">
-              <a:buNone/>
-            </a:pPr>
-            <a:r>
-              <a:rPr lang="en-US" dirty="0">
-                <a:latin typeface="Consolas" panose="020B0609020204030204" pitchFamily="49" charset="0"/>
-              </a:rPr>
-              <a:t>}</a:t>
-            </a:r>
-          </a:p>
-        </p:txBody>
-      </p:sp>
-      <p:sp>
-        <p:nvSpPr>
-          <p:cNvPr id="3" name="Title 2"/>
-          <p:cNvSpPr>
-            <a:spLocks noGrp="1"/>
-          </p:cNvSpPr>
-          <p:nvPr>
-            <p:ph type="title"/>
-          </p:nvPr>
-        </p:nvSpPr>
-        <p:spPr/>
-        <p:txBody>
-          <a:bodyPr/>
-          <a:lstStyle/>
-          <a:p>
-            <a:r>
-              <a:rPr lang="en-US" dirty="0"/>
-              <a:t>A Simple .proto File</a:t>
-            </a:r>
+            <a:r>
+              <a:rPr lang="en-US" dirty="0" err="1"/>
+              <a:t>foo.proto</a:t>
+            </a:r>
+            <a:endParaRPr lang="en-US" dirty="0"/>
+          </a:p>
+        </p:txBody>
+      </p:sp>
+      <p:sp>
+        <p:nvSpPr>
+          <p:cNvPr id="16" name="TextBox 15">
+            <a:extLst>
+              <a:ext uri="{FF2B5EF4-FFF2-40B4-BE49-F238E27FC236}">
+                <a16:creationId xmlns:a16="http://schemas.microsoft.com/office/drawing/2014/main" id="{3C762FAC-1862-4998-948A-257C92DAE14D}"/>
+              </a:ext>
+            </a:extLst>
+          </p:cNvPr>
+          <p:cNvSpPr txBox="1"/>
+          <p:nvPr/>
+        </p:nvSpPr>
+        <p:spPr>
+          <a:xfrm>
+            <a:off x="4191866" y="3785168"/>
+            <a:ext cx="799065" cy="369332"/>
+          </a:xfrm>
+          <a:prstGeom prst="rect">
+            <a:avLst/>
+          </a:prstGeom>
+          <a:noFill/>
+          <a:ln>
+            <a:noFill/>
+          </a:ln>
+        </p:spPr>
+        <p:txBody>
+          <a:bodyPr wrap="none" rtlCol="0" anchor="ctr" anchorCtr="1">
+            <a:spAutoFit/>
+          </a:bodyPr>
+          <a:lstStyle/>
+          <a:p>
+            <a:r>
+              <a:rPr lang="en-US" dirty="0" err="1"/>
+              <a:t>protoc</a:t>
+            </a:r>
+            <a:endParaRPr lang="en-US" dirty="0"/>
           </a:p>
         </p:txBody>
       </p:sp>
     </p:spTree>
     <p:extLst>
       <p:ext uri="{BB962C8B-B14F-4D97-AF65-F5344CB8AC3E}">
-        <p14:creationId xmlns:p14="http://schemas.microsoft.com/office/powerpoint/2010/main" val="3224243975"/>
+        <p14:creationId xmlns:p14="http://schemas.microsoft.com/office/powerpoint/2010/main" val="1213507240"/>
       </p:ext>
     </p:extLst>
   </p:cSld>
